--- a/Apresentação/Apresentação_TG [Autosaved].pptx
+++ b/Apresentação/Apresentação_TG [Autosaved].pptx
@@ -5,7 +5,7 @@
     <p:sldMasterId id="2147483648" r:id="rId1"/>
   </p:sldMasterIdLst>
   <p:notesMasterIdLst>
-    <p:notesMasterId r:id="rId36"/>
+    <p:notesMasterId r:id="rId37"/>
   </p:notesMasterIdLst>
   <p:sldIdLst>
     <p:sldId id="256" r:id="rId2"/>
@@ -17,31 +17,32 @@
     <p:sldId id="262" r:id="rId8"/>
     <p:sldId id="268" r:id="rId9"/>
     <p:sldId id="275" r:id="rId10"/>
-    <p:sldId id="287" r:id="rId11"/>
-    <p:sldId id="289" r:id="rId12"/>
-    <p:sldId id="290" r:id="rId13"/>
-    <p:sldId id="291" r:id="rId14"/>
-    <p:sldId id="263" r:id="rId15"/>
-    <p:sldId id="276" r:id="rId16"/>
-    <p:sldId id="264" r:id="rId17"/>
-    <p:sldId id="265" r:id="rId18"/>
-    <p:sldId id="269" r:id="rId19"/>
-    <p:sldId id="288" r:id="rId20"/>
-    <p:sldId id="266" r:id="rId21"/>
-    <p:sldId id="281" r:id="rId22"/>
-    <p:sldId id="282" r:id="rId23"/>
-    <p:sldId id="283" r:id="rId24"/>
-    <p:sldId id="270" r:id="rId25"/>
-    <p:sldId id="271" r:id="rId26"/>
-    <p:sldId id="272" r:id="rId27"/>
-    <p:sldId id="273" r:id="rId28"/>
-    <p:sldId id="280" r:id="rId29"/>
-    <p:sldId id="279" r:id="rId30"/>
-    <p:sldId id="286" r:id="rId31"/>
-    <p:sldId id="284" r:id="rId32"/>
-    <p:sldId id="285" r:id="rId33"/>
-    <p:sldId id="292" r:id="rId34"/>
-    <p:sldId id="267" r:id="rId35"/>
+    <p:sldId id="294" r:id="rId11"/>
+    <p:sldId id="287" r:id="rId12"/>
+    <p:sldId id="289" r:id="rId13"/>
+    <p:sldId id="290" r:id="rId14"/>
+    <p:sldId id="291" r:id="rId15"/>
+    <p:sldId id="295" r:id="rId16"/>
+    <p:sldId id="263" r:id="rId17"/>
+    <p:sldId id="276" r:id="rId18"/>
+    <p:sldId id="264" r:id="rId19"/>
+    <p:sldId id="265" r:id="rId20"/>
+    <p:sldId id="269" r:id="rId21"/>
+    <p:sldId id="288" r:id="rId22"/>
+    <p:sldId id="266" r:id="rId23"/>
+    <p:sldId id="281" r:id="rId24"/>
+    <p:sldId id="282" r:id="rId25"/>
+    <p:sldId id="283" r:id="rId26"/>
+    <p:sldId id="270" r:id="rId27"/>
+    <p:sldId id="271" r:id="rId28"/>
+    <p:sldId id="272" r:id="rId29"/>
+    <p:sldId id="273" r:id="rId30"/>
+    <p:sldId id="280" r:id="rId31"/>
+    <p:sldId id="279" r:id="rId32"/>
+    <p:sldId id="286" r:id="rId33"/>
+    <p:sldId id="284" r:id="rId34"/>
+    <p:sldId id="285" r:id="rId35"/>
+    <p:sldId id="267" r:id="rId36"/>
   </p:sldIdLst>
   <p:sldSz cx="12192000" cy="6858000"/>
   <p:notesSz cx="6858000" cy="9144000"/>
@@ -241,7 +242,7 @@
           <a:p>
             <a:fld id="{CF4A2FFA-ACC2-4648-B6E0-562B133EF42F}" type="datetimeFigureOut">
               <a:rPr lang="pt-BR" smtClean="0"/>
-              <a:t>23/10/2020</a:t>
+              <a:t>24/10/2020</a:t>
             </a:fld>
             <a:endParaRPr lang="pt-BR"/>
           </a:p>
@@ -554,6 +555,18 @@
           <a:lstStyle/>
           <a:p>
             <a:r>
+              <a:rPr lang="pt-BR" sz="1200" b="1" i="0" u="none" strike="noStrike" kern="1200" dirty="0" smtClean="0">
+                <a:solidFill>
+                  <a:schemeClr val="tx1"/>
+                </a:solidFill>
+                <a:effectLst/>
+                <a:latin typeface="+mn-lt"/>
+                <a:ea typeface="+mn-ea"/>
+                <a:cs typeface="+mn-cs"/>
+              </a:rPr>
+              <a:t>Figura 4</a:t>
+            </a:r>
+            <a:r>
               <a:rPr lang="pt-BR" sz="1200" b="0" i="0" u="none" strike="noStrike" kern="1200" dirty="0" smtClean="0">
                 <a:solidFill>
                   <a:schemeClr val="tx1"/>
@@ -563,20 +576,32 @@
                 <a:ea typeface="+mn-ea"/>
                 <a:cs typeface="+mn-cs"/>
               </a:rPr>
-              <a:t>As duas técnicas GOSS e EFB lidam com um grande número de instâncias de dados e com um grande número de </a:t>
-            </a:r>
-            <a:r>
-              <a:rPr lang="pt-BR" sz="1200" b="0" i="1" u="none" strike="noStrike" kern="1200" dirty="0" smtClean="0">
-                <a:solidFill>
-                  <a:schemeClr val="tx1"/>
-                </a:solidFill>
-                <a:effectLst/>
-                <a:latin typeface="+mn-lt"/>
-                <a:ea typeface="+mn-ea"/>
-                <a:cs typeface="+mn-cs"/>
-              </a:rPr>
-              <a:t>features </a:t>
-            </a:r>
+              <a:t> (a) Possíveis Hiperplanos que podem ser escolhidos para separar os rótulos de cada classe. (b) Hiperplano ótimo com a margem máxima entre os rótulos mais próximos de cada classe.</a:t>
+            </a:r>
+          </a:p>
+          <a:p>
+            <a:endParaRPr lang="pt-BR" sz="1200" b="0" i="0" u="none" strike="noStrike" kern="1200" dirty="0" smtClean="0">
+              <a:solidFill>
+                <a:schemeClr val="tx1"/>
+              </a:solidFill>
+              <a:effectLst/>
+              <a:latin typeface="+mn-lt"/>
+              <a:ea typeface="+mn-ea"/>
+              <a:cs typeface="+mn-cs"/>
+            </a:endParaRPr>
+          </a:p>
+          <a:p>
+            <a:endParaRPr lang="pt-BR" sz="1200" b="0" i="0" u="none" strike="noStrike" kern="1200" dirty="0" smtClean="0">
+              <a:solidFill>
+                <a:schemeClr val="tx1"/>
+              </a:solidFill>
+              <a:effectLst/>
+              <a:latin typeface="+mn-lt"/>
+              <a:ea typeface="+mn-ea"/>
+              <a:cs typeface="+mn-cs"/>
+            </a:endParaRPr>
+          </a:p>
+          <a:p>
             <a:r>
               <a:rPr lang="pt-BR" sz="1200" b="0" i="0" u="none" strike="noStrike" kern="1200" dirty="0" smtClean="0">
                 <a:solidFill>
@@ -587,7 +612,7 @@
                 <a:ea typeface="+mn-ea"/>
                 <a:cs typeface="+mn-cs"/>
               </a:rPr>
-              <a:t>respectivamente. </a:t>
+              <a:t>O objetivo do algoritmo SVM, é encontrar um hiperplano em um espaço n-dimensional que separa os dados em diferentes classes. Na Figura 4 (a), são apresentados vários possíveis hiperplanos. Todavia, o ideal é encontrar a margem máxima que separa as duas classes, como na Figura 4 (b), pois assim encontramos o hiperplano ótimo. A margem é a distância do hiperplano até primeira instância de cada classe, cada instância que está em cima da linha pontilhada na Figura 4 (b) é conhecida como vetor de suporte. </a:t>
             </a:r>
             <a:endParaRPr lang="pt-BR" dirty="0"/>
           </a:p>
@@ -610,7 +635,7 @@
           <a:p>
             <a:fld id="{8E8EDB91-DF02-4E82-B269-99750289FC48}" type="slidenum">
               <a:rPr lang="pt-BR" smtClean="0"/>
-              <a:t>10</a:t>
+              <a:t>9</a:t>
             </a:fld>
             <a:endParaRPr lang="pt-BR"/>
           </a:p>
@@ -619,7 +644,7 @@
     </p:spTree>
     <p:extLst>
       <p:ext uri="{BB962C8B-B14F-4D97-AF65-F5344CB8AC3E}">
-        <p14:creationId xmlns:p14="http://schemas.microsoft.com/office/powerpoint/2010/main" val="3329854242"/>
+        <p14:creationId xmlns:p14="http://schemas.microsoft.com/office/powerpoint/2010/main" val="2053043399"/>
       </p:ext>
     </p:extLst>
   </p:cSld>
@@ -629,7 +654,7 @@
 </p:notes>
 </file>
 
-<file path=ppt/notesSlides/notesSlide2.xml><?xml version="1.0" encoding="utf-8"?>
+<file path=ppt/notesSlides/notesSlide10.xml><?xml version="1.0" encoding="utf-8"?>
 <p:notes xmlns:a="http://schemas.openxmlformats.org/drawingml/2006/main" xmlns:r="http://schemas.openxmlformats.org/officeDocument/2006/relationships" xmlns:p="http://schemas.openxmlformats.org/presentationml/2006/main">
   <p:cSld>
     <p:spTree>
@@ -673,6 +698,114 @@
           <a:bodyPr/>
           <a:lstStyle/>
           <a:p>
+            <a:r>
+              <a:rPr lang="pt-BR" sz="1200" b="0" i="0" u="none" strike="noStrike" kern="1200" dirty="0" smtClean="0">
+                <a:solidFill>
+                  <a:schemeClr val="tx1"/>
+                </a:solidFill>
+                <a:effectLst/>
+                <a:latin typeface="+mn-lt"/>
+                <a:ea typeface="+mn-ea"/>
+                <a:cs typeface="+mn-cs"/>
+              </a:rPr>
+              <a:t>PD é um parâmetro de atraso de onda (ida e volta), que corresponde ao tempo que um sinal demora para chegar à ERB de um telefone móvel. O seu valor é definido por um número inteiro que varia de 0 à 56. Cada valor é mapeado por um intervalo de distância em passos de 234 </a:t>
+            </a:r>
+            <a:r>
+              <a:rPr lang="pt-BR" sz="1200" b="0" i="1" u="none" strike="noStrike" kern="1200" dirty="0" smtClean="0">
+                <a:solidFill>
+                  <a:schemeClr val="tx1"/>
+                </a:solidFill>
+                <a:effectLst/>
+                <a:latin typeface="+mn-lt"/>
+                <a:ea typeface="+mn-ea"/>
+                <a:cs typeface="+mn-cs"/>
+              </a:rPr>
+              <a:t>m</a:t>
+            </a:r>
+            <a:r>
+              <a:rPr lang="pt-BR" sz="1200" b="0" i="0" u="none" strike="noStrike" kern="1200" dirty="0" smtClean="0">
+                <a:solidFill>
+                  <a:schemeClr val="tx1"/>
+                </a:solidFill>
+                <a:effectLst/>
+                <a:latin typeface="+mn-lt"/>
+                <a:ea typeface="+mn-ea"/>
+                <a:cs typeface="+mn-cs"/>
+              </a:rPr>
+              <a:t> da EM para a ERB. Por exemplo, para as distâncias de [0, 234[ </a:t>
+            </a:r>
+            <a:r>
+              <a:rPr lang="pt-BR" sz="1200" b="0" i="1" u="none" strike="noStrike" kern="1200" dirty="0" smtClean="0">
+                <a:solidFill>
+                  <a:schemeClr val="tx1"/>
+                </a:solidFill>
+                <a:effectLst/>
+                <a:latin typeface="+mn-lt"/>
+                <a:ea typeface="+mn-ea"/>
+                <a:cs typeface="+mn-cs"/>
+              </a:rPr>
+              <a:t>m</a:t>
+            </a:r>
+            <a:r>
+              <a:rPr lang="pt-BR" sz="1200" b="0" i="0" u="none" strike="noStrike" kern="1200" dirty="0" smtClean="0">
+                <a:solidFill>
+                  <a:schemeClr val="tx1"/>
+                </a:solidFill>
+                <a:effectLst/>
+                <a:latin typeface="+mn-lt"/>
+                <a:ea typeface="+mn-ea"/>
+                <a:cs typeface="+mn-cs"/>
+              </a:rPr>
+              <a:t> o valor de PD = 0, já para as distâncias de [234,468[ </a:t>
+            </a:r>
+            <a:r>
+              <a:rPr lang="pt-BR" sz="1200" b="0" i="1" u="none" strike="noStrike" kern="1200" dirty="0" smtClean="0">
+                <a:solidFill>
+                  <a:schemeClr val="tx1"/>
+                </a:solidFill>
+                <a:effectLst/>
+                <a:latin typeface="+mn-lt"/>
+                <a:ea typeface="+mn-ea"/>
+                <a:cs typeface="+mn-cs"/>
+              </a:rPr>
+              <a:t>m</a:t>
+            </a:r>
+            <a:r>
+              <a:rPr lang="pt-BR" sz="1200" b="0" i="0" u="none" strike="noStrike" kern="1200" dirty="0" smtClean="0">
+                <a:solidFill>
+                  <a:schemeClr val="tx1"/>
+                </a:solidFill>
+                <a:effectLst/>
+                <a:latin typeface="+mn-lt"/>
+                <a:ea typeface="+mn-ea"/>
+                <a:cs typeface="+mn-cs"/>
+              </a:rPr>
+              <a:t> o valor PD = 1 e assim sucessivamente. O último valor do PD é 56, e serve para todas as distâncias maiores que 13,1 </a:t>
+            </a:r>
+            <a:r>
+              <a:rPr lang="pt-BR" sz="1200" b="0" i="1" u="none" strike="noStrike" kern="1200" dirty="0" smtClean="0">
+                <a:solidFill>
+                  <a:schemeClr val="tx1"/>
+                </a:solidFill>
+                <a:effectLst/>
+                <a:latin typeface="+mn-lt"/>
+                <a:ea typeface="+mn-ea"/>
+                <a:cs typeface="+mn-cs"/>
+              </a:rPr>
+              <a:t>km</a:t>
+            </a:r>
+            <a:r>
+              <a:rPr lang="pt-BR" sz="1200" b="0" i="0" u="none" strike="noStrike" kern="1200" dirty="0" smtClean="0">
+                <a:solidFill>
+                  <a:schemeClr val="tx1"/>
+                </a:solidFill>
+                <a:effectLst/>
+                <a:latin typeface="+mn-lt"/>
+                <a:ea typeface="+mn-ea"/>
+                <a:cs typeface="+mn-cs"/>
+              </a:rPr>
+              <a:t> [16].</a:t>
+            </a:r>
             <a:endParaRPr lang="pt-BR" dirty="0"/>
           </a:p>
         </p:txBody>
@@ -694,7 +827,7 @@
           <a:p>
             <a:fld id="{8E8EDB91-DF02-4E82-B269-99750289FC48}" type="slidenum">
               <a:rPr lang="pt-BR" smtClean="0"/>
-              <a:t>11</a:t>
+              <a:t>19</a:t>
             </a:fld>
             <a:endParaRPr lang="pt-BR"/>
           </a:p>
@@ -703,7 +836,990 @@
     </p:spTree>
     <p:extLst>
       <p:ext uri="{BB962C8B-B14F-4D97-AF65-F5344CB8AC3E}">
-        <p14:creationId xmlns:p14="http://schemas.microsoft.com/office/powerpoint/2010/main" val="594144818"/>
+        <p14:creationId xmlns:p14="http://schemas.microsoft.com/office/powerpoint/2010/main" val="2929363275"/>
+      </p:ext>
+    </p:extLst>
+  </p:cSld>
+  <p:clrMapOvr>
+    <a:masterClrMapping/>
+  </p:clrMapOvr>
+</p:notes>
+</file>
+
+<file path=ppt/notesSlides/notesSlide11.xml><?xml version="1.0" encoding="utf-8"?>
+<p:notes xmlns:a="http://schemas.openxmlformats.org/drawingml/2006/main" xmlns:r="http://schemas.openxmlformats.org/officeDocument/2006/relationships" xmlns:p="http://schemas.openxmlformats.org/presentationml/2006/main">
+  <p:cSld>
+    <p:spTree>
+      <p:nvGrpSpPr>
+        <p:cNvPr id="1" name=""/>
+        <p:cNvGrpSpPr/>
+        <p:nvPr/>
+      </p:nvGrpSpPr>
+      <p:grpSpPr>
+        <a:xfrm>
+          <a:off x="0" y="0"/>
+          <a:ext cx="0" cy="0"/>
+          <a:chOff x="0" y="0"/>
+          <a:chExt cx="0" cy="0"/>
+        </a:xfrm>
+      </p:grpSpPr>
+      <p:sp>
+        <p:nvSpPr>
+          <p:cNvPr id="2" name="Slide Image Placeholder 1"/>
+          <p:cNvSpPr>
+            <a:spLocks noGrp="1" noRot="1" noChangeAspect="1"/>
+          </p:cNvSpPr>
+          <p:nvPr>
+            <p:ph type="sldImg"/>
+          </p:nvPr>
+        </p:nvSpPr>
+        <p:spPr/>
+      </p:sp>
+      <p:sp>
+        <p:nvSpPr>
+          <p:cNvPr id="3" name="Notes Placeholder 2"/>
+          <p:cNvSpPr>
+            <a:spLocks noGrp="1"/>
+          </p:cNvSpPr>
+          <p:nvPr>
+            <p:ph type="body" idx="1"/>
+          </p:nvPr>
+        </p:nvSpPr>
+        <p:spPr/>
+        <p:txBody>
+          <a:bodyPr/>
+          <a:lstStyle/>
+          <a:p>
+            <a:pPr marL="0" marR="0" indent="0" algn="l" defTabSz="914400" rtl="0" eaLnBrk="1" fontAlgn="auto" latinLnBrk="0" hangingPunct="1">
+              <a:lnSpc>
+                <a:spcPct val="100000"/>
+              </a:lnSpc>
+              <a:spcBef>
+                <a:spcPts val="0"/>
+              </a:spcBef>
+              <a:spcAft>
+                <a:spcPts val="0"/>
+              </a:spcAft>
+              <a:buClrTx/>
+              <a:buSzTx/>
+              <a:buFontTx/>
+              <a:buNone/>
+              <a:tabLst/>
+              <a:defRPr/>
+            </a:pPr>
+            <a:r>
+              <a:rPr lang="pt-BR" dirty="0" smtClean="0"/>
+              <a:t>Etapa 4: Construir o mapa de cobertura (CDB):</a:t>
+            </a:r>
+            <a:r>
+              <a:rPr lang="pt-BR" baseline="0" dirty="0" smtClean="0"/>
+              <a:t> Possui coordenada geográfica (latitude, longitude), RSSI e PDs</a:t>
+            </a:r>
+          </a:p>
+          <a:p>
+            <a:pPr marL="0" marR="0" indent="0" algn="l" defTabSz="914400" rtl="0" eaLnBrk="1" fontAlgn="auto" latinLnBrk="0" hangingPunct="1">
+              <a:lnSpc>
+                <a:spcPct val="100000"/>
+              </a:lnSpc>
+              <a:spcBef>
+                <a:spcPts val="0"/>
+              </a:spcBef>
+              <a:spcAft>
+                <a:spcPts val="0"/>
+              </a:spcAft>
+              <a:buClrTx/>
+              <a:buSzTx/>
+              <a:buFontTx/>
+              <a:buNone/>
+              <a:tabLst/>
+              <a:defRPr/>
+            </a:pPr>
+            <a:r>
+              <a:rPr lang="pt-BR" baseline="0" dirty="0" smtClean="0"/>
+              <a:t>Etapa 7: Distância euclidiana, algoritmo de matching.</a:t>
+            </a:r>
+            <a:endParaRPr lang="pt-BR" dirty="0" smtClean="0"/>
+          </a:p>
+          <a:p>
+            <a:endParaRPr lang="pt-BR" dirty="0"/>
+          </a:p>
+        </p:txBody>
+      </p:sp>
+      <p:sp>
+        <p:nvSpPr>
+          <p:cNvPr id="4" name="Slide Number Placeholder 3"/>
+          <p:cNvSpPr>
+            <a:spLocks noGrp="1"/>
+          </p:cNvSpPr>
+          <p:nvPr>
+            <p:ph type="sldNum" sz="quarter" idx="10"/>
+          </p:nvPr>
+        </p:nvSpPr>
+        <p:spPr/>
+        <p:txBody>
+          <a:bodyPr/>
+          <a:lstStyle/>
+          <a:p>
+            <a:fld id="{8E8EDB91-DF02-4E82-B269-99750289FC48}" type="slidenum">
+              <a:rPr lang="pt-BR" smtClean="0"/>
+              <a:t>22</a:t>
+            </a:fld>
+            <a:endParaRPr lang="pt-BR"/>
+          </a:p>
+        </p:txBody>
+      </p:sp>
+    </p:spTree>
+    <p:extLst>
+      <p:ext uri="{BB962C8B-B14F-4D97-AF65-F5344CB8AC3E}">
+        <p14:creationId xmlns:p14="http://schemas.microsoft.com/office/powerpoint/2010/main" val="4267544124"/>
+      </p:ext>
+    </p:extLst>
+  </p:cSld>
+  <p:clrMapOvr>
+    <a:masterClrMapping/>
+  </p:clrMapOvr>
+</p:notes>
+</file>
+
+<file path=ppt/notesSlides/notesSlide2.xml><?xml version="1.0" encoding="utf-8"?>
+<p:notes xmlns:a="http://schemas.openxmlformats.org/drawingml/2006/main" xmlns:r="http://schemas.openxmlformats.org/officeDocument/2006/relationships" xmlns:p="http://schemas.openxmlformats.org/presentationml/2006/main">
+  <p:cSld>
+    <p:spTree>
+      <p:nvGrpSpPr>
+        <p:cNvPr id="1" name=""/>
+        <p:cNvGrpSpPr/>
+        <p:nvPr/>
+      </p:nvGrpSpPr>
+      <p:grpSpPr>
+        <a:xfrm>
+          <a:off x="0" y="0"/>
+          <a:ext cx="0" cy="0"/>
+          <a:chOff x="0" y="0"/>
+          <a:chExt cx="0" cy="0"/>
+        </a:xfrm>
+      </p:grpSpPr>
+      <p:sp>
+        <p:nvSpPr>
+          <p:cNvPr id="2" name="Slide Image Placeholder 1"/>
+          <p:cNvSpPr>
+            <a:spLocks noGrp="1" noRot="1" noChangeAspect="1"/>
+          </p:cNvSpPr>
+          <p:nvPr>
+            <p:ph type="sldImg"/>
+          </p:nvPr>
+        </p:nvSpPr>
+        <p:spPr/>
+      </p:sp>
+      <mc:AlternateContent xmlns:mc="http://schemas.openxmlformats.org/markup-compatibility/2006" xmlns:a14="http://schemas.microsoft.com/office/drawing/2010/main">
+        <mc:Choice Requires="a14">
+          <p:sp>
+            <p:nvSpPr>
+              <p:cNvPr id="3" name="Notes Placeholder 2"/>
+              <p:cNvSpPr>
+                <a:spLocks noGrp="1"/>
+              </p:cNvSpPr>
+              <p:nvPr>
+                <p:ph type="body" idx="1"/>
+              </p:nvPr>
+            </p:nvSpPr>
+            <p:spPr/>
+            <p:txBody>
+              <a:bodyPr/>
+              <a:lstStyle/>
+              <a:p>
+                <a:pPr marL="0" marR="0" indent="0" algn="l" defTabSz="914400" rtl="0" eaLnBrk="1" fontAlgn="auto" latinLnBrk="0" hangingPunct="1">
+                  <a:lnSpc>
+                    <a:spcPct val="100000"/>
+                  </a:lnSpc>
+                  <a:spcBef>
+                    <a:spcPts val="0"/>
+                  </a:spcBef>
+                  <a:spcAft>
+                    <a:spcPts val="0"/>
+                  </a:spcAft>
+                  <a:buClrTx/>
+                  <a:buSzTx/>
+                  <a:buFontTx/>
+                  <a:buNone/>
+                  <a:tabLst/>
+                  <a:defRPr/>
+                </a:pPr>
+                <a:r>
+                  <a:rPr lang="pt-BR" dirty="0" smtClean="0"/>
+                  <a:t>Situações reais !=</a:t>
+                </a:r>
+                <a:r>
+                  <a:rPr lang="pt-BR" baseline="0" dirty="0" smtClean="0"/>
+                  <a:t> Problemas linearmente separáveis</a:t>
+                </a:r>
+                <a:endParaRPr lang="pt-BR" dirty="0" smtClean="0"/>
+              </a:p>
+              <a:p>
+                <a:pPr marL="0" marR="0" indent="0" algn="l" defTabSz="914400" rtl="0" eaLnBrk="1" fontAlgn="auto" latinLnBrk="0" hangingPunct="1">
+                  <a:lnSpc>
+                    <a:spcPct val="100000"/>
+                  </a:lnSpc>
+                  <a:spcBef>
+                    <a:spcPts val="0"/>
+                  </a:spcBef>
+                  <a:spcAft>
+                    <a:spcPts val="0"/>
+                  </a:spcAft>
+                  <a:buClrTx/>
+                  <a:buSzTx/>
+                  <a:buFontTx/>
+                  <a:buNone/>
+                  <a:tabLst/>
+                  <a:defRPr/>
+                </a:pPr>
+                <a:endParaRPr lang="pt-BR" dirty="0" smtClean="0"/>
+              </a:p>
+              <a:p>
+                <a:pPr marL="0" marR="0" indent="0" algn="l" defTabSz="914400" rtl="0" eaLnBrk="1" fontAlgn="auto" latinLnBrk="0" hangingPunct="1">
+                  <a:lnSpc>
+                    <a:spcPct val="100000"/>
+                  </a:lnSpc>
+                  <a:spcBef>
+                    <a:spcPts val="0"/>
+                  </a:spcBef>
+                  <a:spcAft>
+                    <a:spcPts val="0"/>
+                  </a:spcAft>
+                  <a:buClrTx/>
+                  <a:buSzTx/>
+                  <a:buFontTx/>
+                  <a:buNone/>
+                  <a:tabLst/>
+                  <a:defRPr/>
+                </a:pPr>
+                <a:r>
+                  <a:rPr lang="pt-BR" dirty="0" smtClean="0"/>
+                  <a:t>E: </a:t>
+                </a:r>
+                <a:r>
+                  <a:rPr lang="pt-BR" sz="1200" kern="1200" dirty="0" smtClean="0">
+                    <a:solidFill>
+                      <a:schemeClr val="tx1"/>
+                    </a:solidFill>
+                    <a:effectLst/>
+                    <a:latin typeface="+mn-lt"/>
+                    <a:ea typeface="+mn-ea"/>
+                    <a:cs typeface="+mn-cs"/>
+                  </a:rPr>
+                  <a:t>no qual tem o objetivo de encontrar uma função que tenha no máximo desvio </a:t>
+                </a:r>
+                <a14:m>
+                  <m:oMath xmlns:m="http://schemas.openxmlformats.org/officeDocument/2006/math">
+                    <m:r>
+                      <a:rPr lang="pt-BR" sz="1200" i="1" kern="1200">
+                        <a:solidFill>
+                          <a:schemeClr val="tx1"/>
+                        </a:solidFill>
+                        <a:effectLst/>
+                        <a:latin typeface="Cambria Math" panose="02040503050406030204" pitchFamily="18" charset="0"/>
+                        <a:ea typeface="+mn-ea"/>
+                        <a:cs typeface="+mn-cs"/>
+                      </a:rPr>
+                      <m:t>𝜀</m:t>
+                    </m:r>
+                  </m:oMath>
+                </a14:m>
+                <a:r>
+                  <a:rPr lang="pt-BR" sz="1200" kern="1200" dirty="0">
+                    <a:solidFill>
+                      <a:schemeClr val="tx1"/>
+                    </a:solidFill>
+                    <a:effectLst/>
+                    <a:latin typeface="+mn-lt"/>
+                    <a:ea typeface="+mn-ea"/>
+                    <a:cs typeface="+mn-cs"/>
+                  </a:rPr>
+                  <a:t> do alvo real </a:t>
+                </a:r>
+                <a14:m>
+                  <m:oMath xmlns:m="http://schemas.openxmlformats.org/officeDocument/2006/math">
+                    <m:sSub>
+                      <m:sSubPr>
+                        <m:ctrlPr>
+                          <a:rPr lang="pt-BR" sz="1200" i="1" kern="1200">
+                            <a:solidFill>
+                              <a:schemeClr val="tx1"/>
+                            </a:solidFill>
+                            <a:effectLst/>
+                            <a:latin typeface="Cambria Math" panose="02040503050406030204" pitchFamily="18" charset="0"/>
+                            <a:ea typeface="+mn-ea"/>
+                            <a:cs typeface="+mn-cs"/>
+                          </a:rPr>
+                        </m:ctrlPr>
+                      </m:sSubPr>
+                      <m:e>
+                        <m:r>
+                          <a:rPr lang="pt-BR" sz="1200" i="1" kern="1200">
+                            <a:solidFill>
+                              <a:schemeClr val="tx1"/>
+                            </a:solidFill>
+                            <a:effectLst/>
+                            <a:latin typeface="Cambria Math" panose="02040503050406030204" pitchFamily="18" charset="0"/>
+                            <a:ea typeface="+mn-ea"/>
+                            <a:cs typeface="+mn-cs"/>
+                          </a:rPr>
+                          <m:t>𝑦</m:t>
+                        </m:r>
+                      </m:e>
+                      <m:sub>
+                        <m:r>
+                          <a:rPr lang="pt-BR" sz="1200" i="1" kern="1200">
+                            <a:solidFill>
+                              <a:schemeClr val="tx1"/>
+                            </a:solidFill>
+                            <a:effectLst/>
+                            <a:latin typeface="Cambria Math" panose="02040503050406030204" pitchFamily="18" charset="0"/>
+                            <a:ea typeface="+mn-ea"/>
+                            <a:cs typeface="+mn-cs"/>
+                          </a:rPr>
+                          <m:t>𝑖</m:t>
+                        </m:r>
+                      </m:sub>
+                    </m:sSub>
+                  </m:oMath>
+                </a14:m>
+                <a:r>
+                  <a:rPr lang="pt-BR" sz="1200" kern="1200" dirty="0">
+                    <a:solidFill>
+                      <a:schemeClr val="tx1"/>
+                    </a:solidFill>
+                    <a:effectLst/>
+                    <a:latin typeface="+mn-lt"/>
+                    <a:ea typeface="+mn-ea"/>
+                    <a:cs typeface="+mn-cs"/>
+                  </a:rPr>
+                  <a:t> para todos os dados de treinamento. Enfim, o algoritmo </a:t>
+                </a:r>
+                <a14:m>
+                  <m:oMath xmlns:m="http://schemas.openxmlformats.org/officeDocument/2006/math">
+                    <m:r>
+                      <a:rPr lang="pt-BR" sz="1200" i="1" kern="1200">
+                        <a:solidFill>
+                          <a:schemeClr val="tx1"/>
+                        </a:solidFill>
+                        <a:effectLst/>
+                        <a:latin typeface="Cambria Math" panose="02040503050406030204" pitchFamily="18" charset="0"/>
+                        <a:ea typeface="+mn-ea"/>
+                        <a:cs typeface="+mn-cs"/>
+                      </a:rPr>
+                      <m:t>𝜀</m:t>
+                    </m:r>
+                  </m:oMath>
+                </a14:m>
+                <a:r>
+                  <a:rPr lang="pt-BR" sz="1200" kern="1200" dirty="0">
+                    <a:solidFill>
+                      <a:schemeClr val="tx1"/>
+                    </a:solidFill>
+                    <a:effectLst/>
+                    <a:latin typeface="+mn-lt"/>
+                    <a:ea typeface="+mn-ea"/>
+                    <a:cs typeface="+mn-cs"/>
+                  </a:rPr>
+                  <a:t>-SVR não aceita qualquer desvio maior que </a:t>
+                </a:r>
+                <a14:m>
+                  <m:oMath xmlns:m="http://schemas.openxmlformats.org/officeDocument/2006/math">
+                    <m:r>
+                      <a:rPr lang="pt-BR" sz="1200" i="1" kern="1200">
+                        <a:solidFill>
+                          <a:schemeClr val="tx1"/>
+                        </a:solidFill>
+                        <a:effectLst/>
+                        <a:latin typeface="Cambria Math" panose="02040503050406030204" pitchFamily="18" charset="0"/>
+                        <a:ea typeface="+mn-ea"/>
+                        <a:cs typeface="+mn-cs"/>
+                      </a:rPr>
+                      <m:t>𝜀</m:t>
+                    </m:r>
+                  </m:oMath>
+                </a14:m>
+                <a:r>
+                  <a:rPr lang="pt-BR" sz="1200" kern="1200" dirty="0" smtClean="0">
+                    <a:solidFill>
+                      <a:schemeClr val="tx1"/>
+                    </a:solidFill>
+                    <a:effectLst/>
+                    <a:latin typeface="+mn-lt"/>
+                    <a:ea typeface="+mn-ea"/>
+                    <a:cs typeface="+mn-cs"/>
+                  </a:rPr>
+                  <a:t> entre o valor real e predito para os </a:t>
+                </a:r>
+              </a:p>
+              <a:p>
+                <a:pPr marL="0" marR="0" indent="0" algn="l" defTabSz="914400" rtl="0" eaLnBrk="1" fontAlgn="auto" latinLnBrk="0" hangingPunct="1">
+                  <a:lnSpc>
+                    <a:spcPct val="100000"/>
+                  </a:lnSpc>
+                  <a:spcBef>
+                    <a:spcPts val="0"/>
+                  </a:spcBef>
+                  <a:spcAft>
+                    <a:spcPts val="0"/>
+                  </a:spcAft>
+                  <a:buClrTx/>
+                  <a:buSzTx/>
+                  <a:buFontTx/>
+                  <a:buNone/>
+                  <a:tabLst/>
+                  <a:defRPr/>
+                </a:pPr>
+                <a:r>
+                  <a:rPr lang="pt-BR" sz="1200" kern="1200" dirty="0" smtClean="0">
+                    <a:solidFill>
+                      <a:schemeClr val="tx1"/>
+                    </a:solidFill>
+                    <a:effectLst/>
+                    <a:latin typeface="+mn-lt"/>
+                    <a:ea typeface="+mn-ea"/>
+                    <a:cs typeface="+mn-cs"/>
+                  </a:rPr>
+                  <a:t>Dados de treinamento </a:t>
+                </a:r>
+                <a:r>
+                  <a:rPr lang="pt-BR" sz="1200" kern="1200" dirty="0">
+                    <a:solidFill>
+                      <a:schemeClr val="tx1"/>
+                    </a:solidFill>
+                    <a:effectLst/>
+                    <a:latin typeface="+mn-lt"/>
+                    <a:ea typeface="+mn-ea"/>
+                    <a:cs typeface="+mn-cs"/>
+                  </a:rPr>
+                  <a:t>[6]</a:t>
+                </a:r>
+                <a:endParaRPr lang="pt-BR" dirty="0" smtClean="0"/>
+              </a:p>
+              <a:p>
+                <a:pPr marL="0" marR="0" indent="0" algn="l" defTabSz="914400" rtl="0" eaLnBrk="1" fontAlgn="auto" latinLnBrk="0" hangingPunct="1">
+                  <a:lnSpc>
+                    <a:spcPct val="100000"/>
+                  </a:lnSpc>
+                  <a:spcBef>
+                    <a:spcPts val="0"/>
+                  </a:spcBef>
+                  <a:spcAft>
+                    <a:spcPts val="0"/>
+                  </a:spcAft>
+                  <a:buClrTx/>
+                  <a:buSzTx/>
+                  <a:buFontTx/>
+                  <a:buNone/>
+                  <a:tabLst/>
+                  <a:defRPr/>
+                </a:pPr>
+                <a:endParaRPr lang="pt-BR" dirty="0" smtClean="0"/>
+              </a:p>
+              <a:p>
+                <a:pPr marL="0" marR="0" indent="0" algn="l" defTabSz="914400" rtl="0" eaLnBrk="1" fontAlgn="auto" latinLnBrk="0" hangingPunct="1">
+                  <a:lnSpc>
+                    <a:spcPct val="100000"/>
+                  </a:lnSpc>
+                  <a:spcBef>
+                    <a:spcPts val="0"/>
+                  </a:spcBef>
+                  <a:spcAft>
+                    <a:spcPts val="0"/>
+                  </a:spcAft>
+                  <a:buClrTx/>
+                  <a:buSzTx/>
+                  <a:buFontTx/>
+                  <a:buNone/>
+                  <a:tabLst/>
+                  <a:defRPr/>
+                </a:pPr>
+                <a:r>
+                  <a:rPr lang="pt-BR" dirty="0" smtClean="0"/>
+                  <a:t>C: Controla o </a:t>
+                </a:r>
+                <a:r>
+                  <a:rPr lang="pt-BR" i="1" dirty="0" smtClean="0"/>
+                  <a:t>trade-off</a:t>
+                </a:r>
+                <a:r>
+                  <a:rPr lang="pt-BR" dirty="0" smtClean="0"/>
+                  <a:t> entre minimizar erros de treinamento e controlar a complexidade do modelo.</a:t>
+                </a:r>
+              </a:p>
+              <a:p>
+                <a:endParaRPr lang="pt-BR" sz="1200" b="0" i="0" u="none" strike="noStrike" kern="1200" dirty="0" smtClean="0">
+                  <a:solidFill>
+                    <a:schemeClr val="tx1"/>
+                  </a:solidFill>
+                  <a:effectLst/>
+                  <a:latin typeface="+mn-lt"/>
+                  <a:ea typeface="+mn-ea"/>
+                  <a:cs typeface="+mn-cs"/>
+                </a:endParaRPr>
+              </a:p>
+              <a:p>
+                <a:r>
+                  <a:rPr lang="pt-BR" sz="1200" b="0" i="0" u="none" strike="noStrike" kern="1200" dirty="0" smtClean="0">
+                    <a:solidFill>
+                      <a:schemeClr val="tx1"/>
+                    </a:solidFill>
+                    <a:effectLst/>
+                    <a:latin typeface="+mn-lt"/>
+                    <a:ea typeface="+mn-ea"/>
+                    <a:cs typeface="+mn-cs"/>
+                  </a:rPr>
+                  <a:t>Para valores maiores de C, uma margem menor será aceita, se a função de decisão for melhor em classificar todos os pontos de treinamento corrente, porém implica no </a:t>
+                </a:r>
+                <a:r>
+                  <a:rPr lang="pt-BR" sz="1200" b="0" i="1" u="none" strike="noStrike" kern="1200" dirty="0" err="1" smtClean="0">
+                    <a:solidFill>
+                      <a:schemeClr val="tx1"/>
+                    </a:solidFill>
+                    <a:effectLst/>
+                    <a:latin typeface="+mn-lt"/>
+                    <a:ea typeface="+mn-ea"/>
+                    <a:cs typeface="+mn-cs"/>
+                  </a:rPr>
+                  <a:t>overfit</a:t>
+                </a:r>
+                <a:r>
+                  <a:rPr lang="pt-BR" sz="1200" b="0" i="0" u="none" strike="noStrike" kern="1200" dirty="0" smtClean="0">
+                    <a:solidFill>
+                      <a:schemeClr val="tx1"/>
+                    </a:solidFill>
+                    <a:effectLst/>
+                    <a:latin typeface="+mn-lt"/>
+                    <a:ea typeface="+mn-ea"/>
+                    <a:cs typeface="+mn-cs"/>
+                  </a:rPr>
+                  <a:t> do modelo. Já para valores menores de C, é preciso uma margem maior o que pode afetar a precisão do treinamento, causando mais erros de predição [27]. </a:t>
+                </a:r>
+              </a:p>
+              <a:p>
+                <a:endParaRPr lang="pt-BR" sz="1200" b="0" i="0" u="none" strike="noStrike" kern="1200" dirty="0" smtClean="0">
+                  <a:solidFill>
+                    <a:schemeClr val="tx1"/>
+                  </a:solidFill>
+                  <a:effectLst/>
+                  <a:latin typeface="+mn-lt"/>
+                  <a:ea typeface="+mn-ea"/>
+                  <a:cs typeface="+mn-cs"/>
+                </a:endParaRPr>
+              </a:p>
+              <a:p>
+                <a:r>
+                  <a:rPr lang="pt-BR" sz="1200" b="0" i="0" u="none" strike="noStrike" kern="1200" dirty="0" smtClean="0">
+                    <a:solidFill>
+                      <a:schemeClr val="tx1"/>
+                    </a:solidFill>
+                    <a:effectLst/>
+                    <a:latin typeface="+mn-lt"/>
+                    <a:ea typeface="+mn-ea"/>
+                    <a:cs typeface="+mn-cs"/>
+                  </a:rPr>
+                  <a:t>De acordo com (11) e (12), percebemos que e C definem a complexidade do modelo de treinamento do SVM. </a:t>
+                </a:r>
+                <a:endParaRPr lang="pt-BR" dirty="0"/>
+              </a:p>
+            </p:txBody>
+          </p:sp>
+        </mc:Choice>
+        <mc:Fallback xmlns="">
+          <p:sp>
+            <p:nvSpPr>
+              <p:cNvPr id="3" name="Notes Placeholder 2"/>
+              <p:cNvSpPr>
+                <a:spLocks noGrp="1"/>
+              </p:cNvSpPr>
+              <p:nvPr>
+                <p:ph type="body" idx="1"/>
+              </p:nvPr>
+            </p:nvSpPr>
+            <p:spPr/>
+            <p:txBody>
+              <a:bodyPr/>
+              <a:lstStyle/>
+              <a:p>
+                <a:pPr marL="0" marR="0" indent="0" algn="l" defTabSz="914400" rtl="0" eaLnBrk="1" fontAlgn="auto" latinLnBrk="0" hangingPunct="1">
+                  <a:lnSpc>
+                    <a:spcPct val="100000"/>
+                  </a:lnSpc>
+                  <a:spcBef>
+                    <a:spcPts val="0"/>
+                  </a:spcBef>
+                  <a:spcAft>
+                    <a:spcPts val="0"/>
+                  </a:spcAft>
+                  <a:buClrTx/>
+                  <a:buSzTx/>
+                  <a:buFontTx/>
+                  <a:buNone/>
+                  <a:tabLst/>
+                  <a:defRPr/>
+                </a:pPr>
+                <a:r>
+                  <a:rPr lang="pt-BR" dirty="0" smtClean="0"/>
+                  <a:t>Situações reais !=</a:t>
+                </a:r>
+                <a:r>
+                  <a:rPr lang="pt-BR" baseline="0" dirty="0" smtClean="0"/>
+                  <a:t> Problemas linearmente separáveis</a:t>
+                </a:r>
+                <a:endParaRPr lang="pt-BR" dirty="0" smtClean="0"/>
+              </a:p>
+              <a:p>
+                <a:pPr marL="0" marR="0" indent="0" algn="l" defTabSz="914400" rtl="0" eaLnBrk="1" fontAlgn="auto" latinLnBrk="0" hangingPunct="1">
+                  <a:lnSpc>
+                    <a:spcPct val="100000"/>
+                  </a:lnSpc>
+                  <a:spcBef>
+                    <a:spcPts val="0"/>
+                  </a:spcBef>
+                  <a:spcAft>
+                    <a:spcPts val="0"/>
+                  </a:spcAft>
+                  <a:buClrTx/>
+                  <a:buSzTx/>
+                  <a:buFontTx/>
+                  <a:buNone/>
+                  <a:tabLst/>
+                  <a:defRPr/>
+                </a:pPr>
+                <a:endParaRPr lang="pt-BR" dirty="0" smtClean="0"/>
+              </a:p>
+              <a:p>
+                <a:pPr marL="0" marR="0" indent="0" algn="l" defTabSz="914400" rtl="0" eaLnBrk="1" fontAlgn="auto" latinLnBrk="0" hangingPunct="1">
+                  <a:lnSpc>
+                    <a:spcPct val="100000"/>
+                  </a:lnSpc>
+                  <a:spcBef>
+                    <a:spcPts val="0"/>
+                  </a:spcBef>
+                  <a:spcAft>
+                    <a:spcPts val="0"/>
+                  </a:spcAft>
+                  <a:buClrTx/>
+                  <a:buSzTx/>
+                  <a:buFontTx/>
+                  <a:buNone/>
+                  <a:tabLst/>
+                  <a:defRPr/>
+                </a:pPr>
+                <a:r>
+                  <a:rPr lang="pt-BR" dirty="0" smtClean="0"/>
+                  <a:t>E: </a:t>
+                </a:r>
+                <a:r>
+                  <a:rPr lang="pt-BR" sz="1200" kern="1200" dirty="0" smtClean="0">
+                    <a:solidFill>
+                      <a:schemeClr val="tx1"/>
+                    </a:solidFill>
+                    <a:effectLst/>
+                    <a:latin typeface="+mn-lt"/>
+                    <a:ea typeface="+mn-ea"/>
+                    <a:cs typeface="+mn-cs"/>
+                  </a:rPr>
+                  <a:t>no qual tem o objetivo de encontrar uma função que tenha no máximo desvio </a:t>
+                </a:r>
+                <a:r>
+                  <a:rPr lang="pt-BR" sz="1200" i="0" kern="1200">
+                    <a:solidFill>
+                      <a:schemeClr val="tx1"/>
+                    </a:solidFill>
+                    <a:effectLst/>
+                    <a:latin typeface="+mn-lt"/>
+                    <a:ea typeface="+mn-ea"/>
+                    <a:cs typeface="+mn-cs"/>
+                  </a:rPr>
+                  <a:t>𝜀</a:t>
+                </a:r>
+                <a:r>
+                  <a:rPr lang="pt-BR" sz="1200" kern="1200" dirty="0">
+                    <a:solidFill>
+                      <a:schemeClr val="tx1"/>
+                    </a:solidFill>
+                    <a:effectLst/>
+                    <a:latin typeface="+mn-lt"/>
+                    <a:ea typeface="+mn-ea"/>
+                    <a:cs typeface="+mn-cs"/>
+                  </a:rPr>
+                  <a:t> do alvo real </a:t>
+                </a:r>
+                <a:r>
+                  <a:rPr lang="pt-BR" sz="1200" i="0" kern="1200">
+                    <a:solidFill>
+                      <a:schemeClr val="tx1"/>
+                    </a:solidFill>
+                    <a:effectLst/>
+                    <a:latin typeface="+mn-lt"/>
+                    <a:ea typeface="+mn-ea"/>
+                    <a:cs typeface="+mn-cs"/>
+                  </a:rPr>
+                  <a:t>𝑦_𝑖</a:t>
+                </a:r>
+                <a:r>
+                  <a:rPr lang="pt-BR" sz="1200" kern="1200" dirty="0">
+                    <a:solidFill>
+                      <a:schemeClr val="tx1"/>
+                    </a:solidFill>
+                    <a:effectLst/>
+                    <a:latin typeface="+mn-lt"/>
+                    <a:ea typeface="+mn-ea"/>
+                    <a:cs typeface="+mn-cs"/>
+                  </a:rPr>
+                  <a:t> para todos os dados de treinamento. Enfim, o algoritmo </a:t>
+                </a:r>
+                <a:r>
+                  <a:rPr lang="pt-BR" sz="1200" i="0" kern="1200">
+                    <a:solidFill>
+                      <a:schemeClr val="tx1"/>
+                    </a:solidFill>
+                    <a:effectLst/>
+                    <a:latin typeface="+mn-lt"/>
+                    <a:ea typeface="+mn-ea"/>
+                    <a:cs typeface="+mn-cs"/>
+                  </a:rPr>
+                  <a:t>𝜀</a:t>
+                </a:r>
+                <a:r>
+                  <a:rPr lang="pt-BR" sz="1200" kern="1200" dirty="0">
+                    <a:solidFill>
+                      <a:schemeClr val="tx1"/>
+                    </a:solidFill>
+                    <a:effectLst/>
+                    <a:latin typeface="+mn-lt"/>
+                    <a:ea typeface="+mn-ea"/>
+                    <a:cs typeface="+mn-cs"/>
+                  </a:rPr>
+                  <a:t>-SVR não aceita qualquer desvio maior que </a:t>
+                </a:r>
+                <a:r>
+                  <a:rPr lang="pt-BR" sz="1200" i="0" kern="1200">
+                    <a:solidFill>
+                      <a:schemeClr val="tx1"/>
+                    </a:solidFill>
+                    <a:effectLst/>
+                    <a:latin typeface="+mn-lt"/>
+                    <a:ea typeface="+mn-ea"/>
+                    <a:cs typeface="+mn-cs"/>
+                  </a:rPr>
+                  <a:t>𝜀</a:t>
+                </a:r>
+                <a:r>
+                  <a:rPr lang="pt-BR" sz="1200" kern="1200" dirty="0" smtClean="0">
+                    <a:solidFill>
+                      <a:schemeClr val="tx1"/>
+                    </a:solidFill>
+                    <a:effectLst/>
+                    <a:latin typeface="+mn-lt"/>
+                    <a:ea typeface="+mn-ea"/>
+                    <a:cs typeface="+mn-cs"/>
+                  </a:rPr>
+                  <a:t> entre o valor real e predito para os </a:t>
+                </a:r>
+              </a:p>
+              <a:p>
+                <a:pPr marL="0" marR="0" indent="0" algn="l" defTabSz="914400" rtl="0" eaLnBrk="1" fontAlgn="auto" latinLnBrk="0" hangingPunct="1">
+                  <a:lnSpc>
+                    <a:spcPct val="100000"/>
+                  </a:lnSpc>
+                  <a:spcBef>
+                    <a:spcPts val="0"/>
+                  </a:spcBef>
+                  <a:spcAft>
+                    <a:spcPts val="0"/>
+                  </a:spcAft>
+                  <a:buClrTx/>
+                  <a:buSzTx/>
+                  <a:buFontTx/>
+                  <a:buNone/>
+                  <a:tabLst/>
+                  <a:defRPr/>
+                </a:pPr>
+                <a:r>
+                  <a:rPr lang="pt-BR" sz="1200" kern="1200" dirty="0" smtClean="0">
+                    <a:solidFill>
+                      <a:schemeClr val="tx1"/>
+                    </a:solidFill>
+                    <a:effectLst/>
+                    <a:latin typeface="+mn-lt"/>
+                    <a:ea typeface="+mn-ea"/>
+                    <a:cs typeface="+mn-cs"/>
+                  </a:rPr>
+                  <a:t>Dados de treinamento </a:t>
+                </a:r>
+                <a:r>
+                  <a:rPr lang="pt-BR" sz="1200" kern="1200" dirty="0">
+                    <a:solidFill>
+                      <a:schemeClr val="tx1"/>
+                    </a:solidFill>
+                    <a:effectLst/>
+                    <a:latin typeface="+mn-lt"/>
+                    <a:ea typeface="+mn-ea"/>
+                    <a:cs typeface="+mn-cs"/>
+                  </a:rPr>
+                  <a:t>[6]</a:t>
+                </a:r>
+                <a:endParaRPr lang="pt-BR" dirty="0" smtClean="0"/>
+              </a:p>
+              <a:p>
+                <a:pPr marL="0" marR="0" indent="0" algn="l" defTabSz="914400" rtl="0" eaLnBrk="1" fontAlgn="auto" latinLnBrk="0" hangingPunct="1">
+                  <a:lnSpc>
+                    <a:spcPct val="100000"/>
+                  </a:lnSpc>
+                  <a:spcBef>
+                    <a:spcPts val="0"/>
+                  </a:spcBef>
+                  <a:spcAft>
+                    <a:spcPts val="0"/>
+                  </a:spcAft>
+                  <a:buClrTx/>
+                  <a:buSzTx/>
+                  <a:buFontTx/>
+                  <a:buNone/>
+                  <a:tabLst/>
+                  <a:defRPr/>
+                </a:pPr>
+                <a:endParaRPr lang="pt-BR" dirty="0" smtClean="0"/>
+              </a:p>
+              <a:p>
+                <a:pPr marL="0" marR="0" indent="0" algn="l" defTabSz="914400" rtl="0" eaLnBrk="1" fontAlgn="auto" latinLnBrk="0" hangingPunct="1">
+                  <a:lnSpc>
+                    <a:spcPct val="100000"/>
+                  </a:lnSpc>
+                  <a:spcBef>
+                    <a:spcPts val="0"/>
+                  </a:spcBef>
+                  <a:spcAft>
+                    <a:spcPts val="0"/>
+                  </a:spcAft>
+                  <a:buClrTx/>
+                  <a:buSzTx/>
+                  <a:buFontTx/>
+                  <a:buNone/>
+                  <a:tabLst/>
+                  <a:defRPr/>
+                </a:pPr>
+                <a:r>
+                  <a:rPr lang="pt-BR" dirty="0" smtClean="0"/>
+                  <a:t>C: Controla o </a:t>
+                </a:r>
+                <a:r>
+                  <a:rPr lang="pt-BR" i="1" dirty="0" smtClean="0"/>
+                  <a:t>trade-off</a:t>
+                </a:r>
+                <a:r>
+                  <a:rPr lang="pt-BR" dirty="0" smtClean="0"/>
+                  <a:t> entre minimizar erros de treinamento e controlar a complexidade do modelo.</a:t>
+                </a:r>
+              </a:p>
+              <a:p>
+                <a:endParaRPr lang="pt-BR" sz="1200" b="0" i="0" u="none" strike="noStrike" kern="1200" dirty="0" smtClean="0">
+                  <a:solidFill>
+                    <a:schemeClr val="tx1"/>
+                  </a:solidFill>
+                  <a:effectLst/>
+                  <a:latin typeface="+mn-lt"/>
+                  <a:ea typeface="+mn-ea"/>
+                  <a:cs typeface="+mn-cs"/>
+                </a:endParaRPr>
+              </a:p>
+              <a:p>
+                <a:r>
+                  <a:rPr lang="pt-BR" sz="1200" b="0" i="0" u="none" strike="noStrike" kern="1200" dirty="0" smtClean="0">
+                    <a:solidFill>
+                      <a:schemeClr val="tx1"/>
+                    </a:solidFill>
+                    <a:effectLst/>
+                    <a:latin typeface="+mn-lt"/>
+                    <a:ea typeface="+mn-ea"/>
+                    <a:cs typeface="+mn-cs"/>
+                  </a:rPr>
+                  <a:t>Para valores maiores de C, uma margem menor será aceita, se a função de decisão for melhor em classificar todos os pontos de treinamento corrente, porém implica no </a:t>
+                </a:r>
+                <a:r>
+                  <a:rPr lang="pt-BR" sz="1200" b="0" i="1" u="none" strike="noStrike" kern="1200" dirty="0" err="1" smtClean="0">
+                    <a:solidFill>
+                      <a:schemeClr val="tx1"/>
+                    </a:solidFill>
+                    <a:effectLst/>
+                    <a:latin typeface="+mn-lt"/>
+                    <a:ea typeface="+mn-ea"/>
+                    <a:cs typeface="+mn-cs"/>
+                  </a:rPr>
+                  <a:t>overfit</a:t>
+                </a:r>
+                <a:r>
+                  <a:rPr lang="pt-BR" sz="1200" b="0" i="0" u="none" strike="noStrike" kern="1200" dirty="0" smtClean="0">
+                    <a:solidFill>
+                      <a:schemeClr val="tx1"/>
+                    </a:solidFill>
+                    <a:effectLst/>
+                    <a:latin typeface="+mn-lt"/>
+                    <a:ea typeface="+mn-ea"/>
+                    <a:cs typeface="+mn-cs"/>
+                  </a:rPr>
+                  <a:t> do modelo. Já para valores menores de C, é preciso uma margem maior o que pode afetar a precisão do treinamento, causando mais erros de predição [27]. </a:t>
+                </a:r>
+              </a:p>
+              <a:p>
+                <a:endParaRPr lang="pt-BR" sz="1200" b="0" i="0" u="none" strike="noStrike" kern="1200" dirty="0" smtClean="0">
+                  <a:solidFill>
+                    <a:schemeClr val="tx1"/>
+                  </a:solidFill>
+                  <a:effectLst/>
+                  <a:latin typeface="+mn-lt"/>
+                  <a:ea typeface="+mn-ea"/>
+                  <a:cs typeface="+mn-cs"/>
+                </a:endParaRPr>
+              </a:p>
+              <a:p>
+                <a:r>
+                  <a:rPr lang="pt-BR" sz="1200" b="0" i="0" u="none" strike="noStrike" kern="1200" dirty="0" smtClean="0">
+                    <a:solidFill>
+                      <a:schemeClr val="tx1"/>
+                    </a:solidFill>
+                    <a:effectLst/>
+                    <a:latin typeface="+mn-lt"/>
+                    <a:ea typeface="+mn-ea"/>
+                    <a:cs typeface="+mn-cs"/>
+                  </a:rPr>
+                  <a:t>De acordo com (11) e (12), percebemos que e C definem a complexidade do modelo de treinamento do SVM. </a:t>
+                </a:r>
+                <a:endParaRPr lang="pt-BR" dirty="0"/>
+              </a:p>
+            </p:txBody>
+          </p:sp>
+        </mc:Fallback>
+      </mc:AlternateContent>
+      <p:sp>
+        <p:nvSpPr>
+          <p:cNvPr id="4" name="Slide Number Placeholder 3"/>
+          <p:cNvSpPr>
+            <a:spLocks noGrp="1"/>
+          </p:cNvSpPr>
+          <p:nvPr>
+            <p:ph type="sldNum" sz="quarter" idx="10"/>
+          </p:nvPr>
+        </p:nvSpPr>
+        <p:spPr/>
+        <p:txBody>
+          <a:bodyPr/>
+          <a:lstStyle/>
+          <a:p>
+            <a:fld id="{8E8EDB91-DF02-4E82-B269-99750289FC48}" type="slidenum">
+              <a:rPr lang="pt-BR" smtClean="0"/>
+              <a:t>10</a:t>
+            </a:fld>
+            <a:endParaRPr lang="pt-BR"/>
+          </a:p>
+        </p:txBody>
+      </p:sp>
+    </p:spTree>
+    <p:extLst>
+      <p:ext uri="{BB962C8B-B14F-4D97-AF65-F5344CB8AC3E}">
+        <p14:creationId xmlns:p14="http://schemas.microsoft.com/office/powerpoint/2010/main" val="4007390220"/>
       </p:ext>
     </p:extLst>
   </p:cSld>
@@ -814,7 +1930,7 @@
           <a:p>
             <a:fld id="{8E8EDB91-DF02-4E82-B269-99750289FC48}" type="slidenum">
               <a:rPr lang="pt-BR" smtClean="0"/>
-              <a:t>12</a:t>
+              <a:t>11</a:t>
             </a:fld>
             <a:endParaRPr lang="pt-BR"/>
           </a:p>
@@ -823,7 +1939,7 @@
     </p:spTree>
     <p:extLst>
       <p:ext uri="{BB962C8B-B14F-4D97-AF65-F5344CB8AC3E}">
-        <p14:creationId xmlns:p14="http://schemas.microsoft.com/office/powerpoint/2010/main" val="3747464946"/>
+        <p14:creationId xmlns:p14="http://schemas.microsoft.com/office/powerpoint/2010/main" val="3329854242"/>
       </p:ext>
     </p:extLst>
   </p:cSld>
@@ -877,42 +1993,6 @@
           <a:bodyPr/>
           <a:lstStyle/>
           <a:p>
-            <a:r>
-              <a:rPr lang="pt-BR" sz="1200" b="0" i="0" u="none" strike="noStrike" kern="1200" dirty="0" smtClean="0">
-                <a:solidFill>
-                  <a:schemeClr val="tx1"/>
-                </a:solidFill>
-                <a:effectLst/>
-                <a:latin typeface="+mn-lt"/>
-                <a:ea typeface="+mn-ea"/>
-                <a:cs typeface="+mn-cs"/>
-              </a:rPr>
-              <a:t>As duas técnicas GOSS e EFB lidam com um grande número de instâncias de dados e com um grande número de </a:t>
-            </a:r>
-            <a:r>
-              <a:rPr lang="pt-BR" sz="1200" b="0" i="1" u="none" strike="noStrike" kern="1200" dirty="0" smtClean="0">
-                <a:solidFill>
-                  <a:schemeClr val="tx1"/>
-                </a:solidFill>
-                <a:effectLst/>
-                <a:latin typeface="+mn-lt"/>
-                <a:ea typeface="+mn-ea"/>
-                <a:cs typeface="+mn-cs"/>
-              </a:rPr>
-              <a:t>features </a:t>
-            </a:r>
-            <a:r>
-              <a:rPr lang="pt-BR" sz="1200" b="0" i="0" u="none" strike="noStrike" kern="1200" dirty="0" smtClean="0">
-                <a:solidFill>
-                  <a:schemeClr val="tx1"/>
-                </a:solidFill>
-                <a:effectLst/>
-                <a:latin typeface="+mn-lt"/>
-                <a:ea typeface="+mn-ea"/>
-                <a:cs typeface="+mn-cs"/>
-              </a:rPr>
-              <a:t>respectivamente. </a:t>
-            </a:r>
             <a:endParaRPr lang="pt-BR" dirty="0"/>
           </a:p>
         </p:txBody>
@@ -934,7 +2014,7 @@
           <a:p>
             <a:fld id="{8E8EDB91-DF02-4E82-B269-99750289FC48}" type="slidenum">
               <a:rPr lang="pt-BR" smtClean="0"/>
-              <a:t>13</a:t>
+              <a:t>12</a:t>
             </a:fld>
             <a:endParaRPr lang="pt-BR"/>
           </a:p>
@@ -943,7 +2023,7 @@
     </p:spTree>
     <p:extLst>
       <p:ext uri="{BB962C8B-B14F-4D97-AF65-F5344CB8AC3E}">
-        <p14:creationId xmlns:p14="http://schemas.microsoft.com/office/powerpoint/2010/main" val="2938273024"/>
+        <p14:creationId xmlns:p14="http://schemas.microsoft.com/office/powerpoint/2010/main" val="594144818"/>
       </p:ext>
     </p:extLst>
   </p:cSld>
@@ -998,7 +2078,7 @@
           <a:lstStyle/>
           <a:p>
             <a:r>
-              <a:rPr lang="pt-BR" sz="1200" b="0" i="0" u="none" strike="noStrike" kern="1200" dirty="0" smtClean="0">
+              <a:rPr lang="pt-BR" sz="1200" kern="1200" dirty="0" smtClean="0">
                 <a:solidFill>
                   <a:schemeClr val="tx1"/>
                 </a:solidFill>
@@ -1007,55 +2087,7 @@
                 <a:ea typeface="+mn-ea"/>
                 <a:cs typeface="+mn-cs"/>
               </a:rPr>
-              <a:t>A grande maioria dos algoritmos de aprendizagem de árvore de decisão desenvolve árvores por </a:t>
-            </a:r>
-            <a:r>
-              <a:rPr lang="pt-BR" sz="1200" b="0" i="1" u="none" strike="noStrike" kern="1200" dirty="0" smtClean="0">
-                <a:solidFill>
-                  <a:schemeClr val="tx1"/>
-                </a:solidFill>
-                <a:effectLst/>
-                <a:latin typeface="+mn-lt"/>
-                <a:ea typeface="+mn-ea"/>
-                <a:cs typeface="+mn-cs"/>
-              </a:rPr>
-              <a:t>level (depth)-wise</a:t>
-            </a:r>
-            <a:r>
-              <a:rPr lang="pt-BR" sz="1200" b="0" i="0" u="none" strike="noStrike" kern="1200" dirty="0" smtClean="0">
-                <a:solidFill>
-                  <a:schemeClr val="tx1"/>
-                </a:solidFill>
-                <a:effectLst/>
-                <a:latin typeface="+mn-lt"/>
-                <a:ea typeface="+mn-ea"/>
-                <a:cs typeface="+mn-cs"/>
-              </a:rPr>
-              <a:t>, como </a:t>
-            </a:r>
-            <a:r>
-              <a:rPr lang="pt-BR" sz="1200" b="0" i="1" u="none" strike="noStrike" kern="1200" dirty="0" smtClean="0">
-                <a:solidFill>
-                  <a:schemeClr val="tx1"/>
-                </a:solidFill>
-                <a:effectLst/>
-                <a:latin typeface="+mn-lt"/>
-                <a:ea typeface="+mn-ea"/>
-                <a:cs typeface="+mn-cs"/>
-              </a:rPr>
-              <a:t>XGBoost</a:t>
-            </a:r>
-            <a:r>
-              <a:rPr lang="pt-BR" sz="1200" b="0" i="0" u="none" strike="noStrike" kern="1200" dirty="0" smtClean="0">
-                <a:solidFill>
-                  <a:schemeClr val="tx1"/>
-                </a:solidFill>
-                <a:effectLst/>
-                <a:latin typeface="+mn-lt"/>
-                <a:ea typeface="+mn-ea"/>
-                <a:cs typeface="+mn-cs"/>
-              </a:rPr>
-              <a:t> que é uma implementação do GBDT.</a:t>
+              <a:t>As instâncias com gradientes pequenos são bem treinadas (erro de treinamento pequeno), e as instâncias com gradientes grandes são mal treinadas (erro de treinamento grande). Então, o GOSS mantém todas as instâncias com gradientes grandes e realiza uma amostragem aleatória nas instâncias com gradientes pequenos [7].</a:t>
             </a:r>
             <a:endParaRPr lang="pt-BR" dirty="0"/>
           </a:p>
@@ -1078,7 +2110,7 @@
           <a:p>
             <a:fld id="{8E8EDB91-DF02-4E82-B269-99750289FC48}" type="slidenum">
               <a:rPr lang="pt-BR" smtClean="0"/>
-              <a:t>14</a:t>
+              <a:t>13</a:t>
             </a:fld>
             <a:endParaRPr lang="pt-BR"/>
           </a:p>
@@ -1087,7 +2119,7 @@
     </p:spTree>
     <p:extLst>
       <p:ext uri="{BB962C8B-B14F-4D97-AF65-F5344CB8AC3E}">
-        <p14:creationId xmlns:p14="http://schemas.microsoft.com/office/powerpoint/2010/main" val="518407949"/>
+        <p14:creationId xmlns:p14="http://schemas.microsoft.com/office/powerpoint/2010/main" val="3747464946"/>
       </p:ext>
     </p:extLst>
   </p:cSld>
@@ -1142,49 +2174,227 @@
           <a:lstStyle/>
           <a:p>
             <a:r>
+              <a:rPr lang="pt-BR" sz="1200" kern="1200" dirty="0" smtClean="0">
+                <a:solidFill>
+                  <a:schemeClr val="tx1"/>
+                </a:solidFill>
+                <a:effectLst/>
+                <a:latin typeface="+mn-lt"/>
+                <a:ea typeface="+mn-ea"/>
+                <a:cs typeface="+mn-cs"/>
+              </a:rPr>
+              <a:t>A redução de </a:t>
+            </a:r>
+            <a:r>
+              <a:rPr lang="pt-BR" sz="1200" i="1" kern="1200" dirty="0" smtClean="0">
+                <a:solidFill>
+                  <a:schemeClr val="tx1"/>
+                </a:solidFill>
+                <a:effectLst/>
+                <a:latin typeface="+mn-lt"/>
+                <a:ea typeface="+mn-ea"/>
+                <a:cs typeface="+mn-cs"/>
+              </a:rPr>
+              <a:t>features</a:t>
+            </a:r>
+            <a:r>
+              <a:rPr lang="pt-BR" sz="1200" kern="1200" dirty="0" smtClean="0">
+                <a:solidFill>
+                  <a:schemeClr val="tx1"/>
+                </a:solidFill>
+                <a:effectLst/>
+                <a:latin typeface="+mn-lt"/>
+                <a:ea typeface="+mn-ea"/>
+                <a:cs typeface="+mn-cs"/>
+              </a:rPr>
+              <a:t> torna-se necessária, pois o problema que ocorre é devido a grande dimensionalidade do conjunto de dados (dezenas a milhares de dimensões), que ocorre em várias aplicações que utilizam AM e são dificilmente tratáveis.</a:t>
+            </a:r>
+          </a:p>
+          <a:p>
+            <a:endParaRPr lang="pt-BR" sz="1200" kern="1200" dirty="0" smtClean="0">
+              <a:solidFill>
+                <a:schemeClr val="tx1"/>
+              </a:solidFill>
+              <a:effectLst/>
+              <a:latin typeface="+mn-lt"/>
+              <a:ea typeface="+mn-ea"/>
+              <a:cs typeface="+mn-cs"/>
+            </a:endParaRPr>
+          </a:p>
+          <a:p>
+            <a:r>
+              <a:rPr lang="pt-BR" sz="1200" kern="1200" dirty="0" smtClean="0">
+                <a:solidFill>
+                  <a:schemeClr val="tx1"/>
+                </a:solidFill>
+                <a:effectLst/>
+                <a:latin typeface="+mn-lt"/>
+                <a:ea typeface="+mn-ea"/>
+                <a:cs typeface="+mn-cs"/>
+              </a:rPr>
+              <a:t>nunca assumem valores diferentes de zero simultaneamente [7]</a:t>
+            </a:r>
+          </a:p>
+          <a:p>
+            <a:endParaRPr lang="pt-BR" sz="1200" kern="1200" dirty="0" smtClean="0">
+              <a:solidFill>
+                <a:schemeClr val="tx1"/>
+              </a:solidFill>
+              <a:effectLst/>
+              <a:latin typeface="+mn-lt"/>
+              <a:ea typeface="+mn-ea"/>
+              <a:cs typeface="+mn-cs"/>
+            </a:endParaRPr>
+          </a:p>
+          <a:p>
+            <a:endParaRPr lang="pt-BR" sz="1200" kern="1200" dirty="0" smtClean="0">
+              <a:solidFill>
+                <a:schemeClr val="tx1"/>
+              </a:solidFill>
+              <a:effectLst/>
+              <a:latin typeface="+mn-lt"/>
+              <a:ea typeface="+mn-ea"/>
+              <a:cs typeface="+mn-cs"/>
+            </a:endParaRPr>
+          </a:p>
+          <a:p>
+            <a:pPr marL="0" marR="0" indent="0" algn="l" defTabSz="914400" rtl="0" eaLnBrk="1" fontAlgn="auto" latinLnBrk="0" hangingPunct="1">
+              <a:lnSpc>
+                <a:spcPct val="100000"/>
+              </a:lnSpc>
+              <a:spcBef>
+                <a:spcPts val="0"/>
+              </a:spcBef>
+              <a:spcAft>
+                <a:spcPts val="0"/>
+              </a:spcAft>
+              <a:buClrTx/>
+              <a:buSzTx/>
+              <a:buFontTx/>
+              <a:buNone/>
+              <a:tabLst/>
+              <a:defRPr/>
+            </a:pPr>
+            <a:r>
+              <a:rPr lang="pt-BR" sz="1200" kern="1200" dirty="0" smtClean="0">
+                <a:solidFill>
+                  <a:schemeClr val="tx1"/>
+                </a:solidFill>
+                <a:effectLst/>
+                <a:latin typeface="+mn-lt"/>
+                <a:ea typeface="+mn-ea"/>
+                <a:cs typeface="+mn-cs"/>
+              </a:rPr>
+              <a:t>A 1ª parte pode ser provada com uma redução do problema de colorir o grafo [37], apresentada no Alg. 3 de [7], visto que o problema de identificar as </a:t>
+            </a:r>
+            <a:r>
+              <a:rPr lang="pt-BR" sz="1200" i="1" kern="1200" dirty="0" smtClean="0">
+                <a:solidFill>
+                  <a:schemeClr val="tx1"/>
+                </a:solidFill>
+                <a:effectLst/>
+                <a:latin typeface="+mn-lt"/>
+                <a:ea typeface="+mn-ea"/>
+                <a:cs typeface="+mn-cs"/>
+              </a:rPr>
+              <a:t>features</a:t>
+            </a:r>
+            <a:r>
+              <a:rPr lang="pt-BR" sz="1200" kern="1200" dirty="0" smtClean="0">
+                <a:solidFill>
+                  <a:schemeClr val="tx1"/>
+                </a:solidFill>
+                <a:effectLst/>
+                <a:latin typeface="+mn-lt"/>
+                <a:ea typeface="+mn-ea"/>
+                <a:cs typeface="+mn-cs"/>
+              </a:rPr>
+              <a:t> que podem ser agrupadas é </a:t>
+            </a:r>
+            <a:r>
+              <a:rPr lang="pt-BR" sz="1200" i="1" kern="1200" dirty="0" smtClean="0">
+                <a:solidFill>
+                  <a:schemeClr val="tx1"/>
+                </a:solidFill>
+                <a:effectLst/>
+                <a:latin typeface="+mn-lt"/>
+                <a:ea typeface="+mn-ea"/>
+                <a:cs typeface="+mn-cs"/>
+              </a:rPr>
+              <a:t>NP-hard</a:t>
+            </a:r>
+            <a:r>
+              <a:rPr lang="pt-BR" sz="1200" kern="1200" dirty="0" smtClean="0">
+                <a:solidFill>
+                  <a:schemeClr val="tx1"/>
+                </a:solidFill>
+                <a:effectLst/>
+                <a:latin typeface="+mn-lt"/>
+                <a:ea typeface="+mn-ea"/>
+                <a:cs typeface="+mn-cs"/>
+              </a:rPr>
+              <a:t>. Já a 2ª parte é a apresentada no Alg. 4 de [7].</a:t>
+            </a:r>
+          </a:p>
+          <a:p>
+            <a:endParaRPr lang="pt-BR" sz="1200" kern="1200" dirty="0" smtClean="0">
+              <a:solidFill>
+                <a:schemeClr val="tx1"/>
+              </a:solidFill>
+              <a:effectLst/>
+              <a:latin typeface="+mn-lt"/>
+              <a:ea typeface="+mn-ea"/>
+              <a:cs typeface="+mn-cs"/>
+            </a:endParaRPr>
+          </a:p>
+          <a:p>
+            <a:endParaRPr lang="pt-BR" sz="1200" kern="1200" dirty="0" smtClean="0">
+              <a:solidFill>
+                <a:schemeClr val="tx1"/>
+              </a:solidFill>
+              <a:effectLst/>
+              <a:latin typeface="+mn-lt"/>
+              <a:ea typeface="+mn-ea"/>
+              <a:cs typeface="+mn-cs"/>
+            </a:endParaRPr>
+          </a:p>
+          <a:p>
+            <a:pPr marL="0" marR="0" indent="0" algn="l" defTabSz="914400" rtl="0" eaLnBrk="1" fontAlgn="auto" latinLnBrk="0" hangingPunct="1">
+              <a:lnSpc>
+                <a:spcPct val="100000"/>
+              </a:lnSpc>
+              <a:spcBef>
+                <a:spcPts val="0"/>
+              </a:spcBef>
+              <a:spcAft>
+                <a:spcPts val="0"/>
+              </a:spcAft>
+              <a:buClrTx/>
+              <a:buSzTx/>
+              <a:buFontTx/>
+              <a:buNone/>
+              <a:tabLst/>
+              <a:defRPr/>
+            </a:pPr>
+            <a:r>
               <a:rPr lang="pt-BR" dirty="0" smtClean="0"/>
-              <a:t>Os algoritmos foram: SVR, </a:t>
-            </a:r>
-            <a:r>
-              <a:rPr lang="pt-BR" dirty="0" err="1" smtClean="0"/>
-              <a:t>kNN</a:t>
-            </a:r>
-            <a:r>
-              <a:rPr lang="pt-BR" dirty="0" smtClean="0"/>
-              <a:t> ponderado e não-ponderado, abordagem Bayesiana e </a:t>
-            </a:r>
-            <a:r>
-              <a:rPr lang="pt-BR" dirty="0" err="1" smtClean="0"/>
-              <a:t>perceptron</a:t>
-            </a:r>
-            <a:r>
-              <a:rPr lang="pt-BR" dirty="0" smtClean="0"/>
+              <a:t>Tempo de construção do histograma:</a:t>
+            </a:r>
+            <a:r>
+              <a:rPr lang="pt-BR" baseline="0" dirty="0" smtClean="0"/>
               <a:t> </a:t>
             </a:r>
             <a:r>
-              <a:rPr lang="pt-BR" dirty="0" err="1" smtClean="0"/>
-              <a:t>multi-camadas</a:t>
-            </a:r>
-            <a:r>
-              <a:rPr lang="pt-BR" dirty="0" smtClean="0"/>
-              <a:t>. Os melhores resultados foram obtidos com o SVR. </a:t>
-            </a:r>
-          </a:p>
-          <a:p>
-            <a:endParaRPr lang="pt-BR" dirty="0" smtClean="0"/>
-          </a:p>
-          <a:p>
-            <a:r>
-              <a:rPr lang="pt-BR" dirty="0" smtClean="0"/>
-              <a:t>Uso de teste manuais e Grid Search para ajuste</a:t>
-            </a:r>
-            <a:r>
-              <a:rPr lang="pt-BR" baseline="0" dirty="0" smtClean="0"/>
-              <a:t> dos paramentos dos algoritmos de machine </a:t>
-            </a:r>
-            <a:r>
-              <a:rPr lang="pt-BR" baseline="0" dirty="0" err="1" smtClean="0"/>
-              <a:t>learning</a:t>
+              <a:rPr lang="pt-BR" sz="1200" kern="1200" dirty="0" smtClean="0">
+                <a:solidFill>
+                  <a:schemeClr val="tx1"/>
+                </a:solidFill>
+                <a:effectLst/>
+                <a:latin typeface="+mn-lt"/>
+                <a:ea typeface="+mn-ea"/>
+                <a:cs typeface="+mn-cs"/>
+              </a:rPr>
+              <a:t>o que torna a construção do histograma mais rápida e acelera a aprendizagem da árvore.</a:t>
             </a:r>
             <a:endParaRPr lang="pt-BR" dirty="0"/>
           </a:p>
@@ -1207,7 +2417,7 @@
           <a:p>
             <a:fld id="{8E8EDB91-DF02-4E82-B269-99750289FC48}" type="slidenum">
               <a:rPr lang="pt-BR" smtClean="0"/>
-              <a:t>15</a:t>
+              <a:t>14</a:t>
             </a:fld>
             <a:endParaRPr lang="pt-BR"/>
           </a:p>
@@ -1216,7 +2426,7 @@
     </p:spTree>
     <p:extLst>
       <p:ext uri="{BB962C8B-B14F-4D97-AF65-F5344CB8AC3E}">
-        <p14:creationId xmlns:p14="http://schemas.microsoft.com/office/powerpoint/2010/main" val="2196595680"/>
+        <p14:creationId xmlns:p14="http://schemas.microsoft.com/office/powerpoint/2010/main" val="2938273024"/>
       </p:ext>
     </p:extLst>
   </p:cSld>
@@ -1255,133 +2465,311 @@
         </p:nvSpPr>
         <p:spPr/>
       </p:sp>
-      <p:sp>
-        <p:nvSpPr>
-          <p:cNvPr id="3" name="Notes Placeholder 2"/>
-          <p:cNvSpPr>
-            <a:spLocks noGrp="1"/>
-          </p:cNvSpPr>
-          <p:nvPr>
-            <p:ph type="body" idx="1"/>
-          </p:nvPr>
-        </p:nvSpPr>
-        <p:spPr/>
-        <p:txBody>
-          <a:bodyPr/>
-          <a:lstStyle/>
-          <a:p>
-            <a:r>
-              <a:rPr lang="pt-BR" sz="1200" b="0" i="0" u="none" strike="noStrike" kern="1200" dirty="0" smtClean="0">
-                <a:solidFill>
-                  <a:schemeClr val="tx1"/>
-                </a:solidFill>
-                <a:effectLst/>
-                <a:latin typeface="+mn-lt"/>
-                <a:ea typeface="+mn-ea"/>
-                <a:cs typeface="+mn-cs"/>
-              </a:rPr>
-              <a:t>PD é um parâmetro de atraso de onda (ida e volta), que corresponde ao tempo que um sinal demora para chegar à ERB de um telefone móvel. O seu valor é definido por um número inteiro que varia de 0 à 56. Cada valor é mapeado por um intervalo de distância em passos de 234 </a:t>
-            </a:r>
-            <a:r>
-              <a:rPr lang="pt-BR" sz="1200" b="0" i="1" u="none" strike="noStrike" kern="1200" dirty="0" smtClean="0">
-                <a:solidFill>
-                  <a:schemeClr val="tx1"/>
-                </a:solidFill>
-                <a:effectLst/>
-                <a:latin typeface="+mn-lt"/>
-                <a:ea typeface="+mn-ea"/>
-                <a:cs typeface="+mn-cs"/>
-              </a:rPr>
-              <a:t>m</a:t>
-            </a:r>
-            <a:r>
-              <a:rPr lang="pt-BR" sz="1200" b="0" i="0" u="none" strike="noStrike" kern="1200" dirty="0" smtClean="0">
-                <a:solidFill>
-                  <a:schemeClr val="tx1"/>
-                </a:solidFill>
-                <a:effectLst/>
-                <a:latin typeface="+mn-lt"/>
-                <a:ea typeface="+mn-ea"/>
-                <a:cs typeface="+mn-cs"/>
-              </a:rPr>
-              <a:t> da EM para a ERB. Por exemplo, para as distâncias de [0, 234[ </a:t>
-            </a:r>
-            <a:r>
-              <a:rPr lang="pt-BR" sz="1200" b="0" i="1" u="none" strike="noStrike" kern="1200" dirty="0" smtClean="0">
-                <a:solidFill>
-                  <a:schemeClr val="tx1"/>
-                </a:solidFill>
-                <a:effectLst/>
-                <a:latin typeface="+mn-lt"/>
-                <a:ea typeface="+mn-ea"/>
-                <a:cs typeface="+mn-cs"/>
-              </a:rPr>
-              <a:t>m</a:t>
-            </a:r>
-            <a:r>
-              <a:rPr lang="pt-BR" sz="1200" b="0" i="0" u="none" strike="noStrike" kern="1200" dirty="0" smtClean="0">
-                <a:solidFill>
-                  <a:schemeClr val="tx1"/>
-                </a:solidFill>
-                <a:effectLst/>
-                <a:latin typeface="+mn-lt"/>
-                <a:ea typeface="+mn-ea"/>
-                <a:cs typeface="+mn-cs"/>
-              </a:rPr>
-              <a:t> o valor de PD = 0, já para as distâncias de [234,468[ </a:t>
-            </a:r>
-            <a:r>
-              <a:rPr lang="pt-BR" sz="1200" b="0" i="1" u="none" strike="noStrike" kern="1200" dirty="0" smtClean="0">
-                <a:solidFill>
-                  <a:schemeClr val="tx1"/>
-                </a:solidFill>
-                <a:effectLst/>
-                <a:latin typeface="+mn-lt"/>
-                <a:ea typeface="+mn-ea"/>
-                <a:cs typeface="+mn-cs"/>
-              </a:rPr>
-              <a:t>m</a:t>
-            </a:r>
-            <a:r>
-              <a:rPr lang="pt-BR" sz="1200" b="0" i="0" u="none" strike="noStrike" kern="1200" dirty="0" smtClean="0">
-                <a:solidFill>
-                  <a:schemeClr val="tx1"/>
-                </a:solidFill>
-                <a:effectLst/>
-                <a:latin typeface="+mn-lt"/>
-                <a:ea typeface="+mn-ea"/>
-                <a:cs typeface="+mn-cs"/>
-              </a:rPr>
-              <a:t> o valor PD = 1 e assim sucessivamente. O último valor do PD é 56, e serve para todas as distâncias maiores que 13,1 </a:t>
-            </a:r>
-            <a:r>
-              <a:rPr lang="pt-BR" sz="1200" b="0" i="1" u="none" strike="noStrike" kern="1200" dirty="0" smtClean="0">
-                <a:solidFill>
-                  <a:schemeClr val="tx1"/>
-                </a:solidFill>
-                <a:effectLst/>
-                <a:latin typeface="+mn-lt"/>
-                <a:ea typeface="+mn-ea"/>
-                <a:cs typeface="+mn-cs"/>
-              </a:rPr>
-              <a:t>km</a:t>
-            </a:r>
-            <a:r>
-              <a:rPr lang="pt-BR" sz="1200" b="0" i="0" u="none" strike="noStrike" kern="1200" dirty="0" smtClean="0">
-                <a:solidFill>
-                  <a:schemeClr val="tx1"/>
-                </a:solidFill>
-                <a:effectLst/>
-                <a:latin typeface="+mn-lt"/>
-                <a:ea typeface="+mn-ea"/>
-                <a:cs typeface="+mn-cs"/>
-              </a:rPr>
-              <a:t> [16].</a:t>
-            </a:r>
-            <a:endParaRPr lang="pt-BR" dirty="0"/>
-          </a:p>
-        </p:txBody>
-      </p:sp>
+      <mc:AlternateContent xmlns:mc="http://schemas.openxmlformats.org/markup-compatibility/2006">
+        <mc:Choice xmlns:a14="http://schemas.microsoft.com/office/drawing/2010/main" Requires="a14">
+          <p:sp>
+            <p:nvSpPr>
+              <p:cNvPr id="3" name="Notes Placeholder 2"/>
+              <p:cNvSpPr>
+                <a:spLocks noGrp="1"/>
+              </p:cNvSpPr>
+              <p:nvPr>
+                <p:ph type="body" idx="1"/>
+              </p:nvPr>
+            </p:nvSpPr>
+            <p:spPr/>
+            <p:txBody>
+              <a:bodyPr/>
+              <a:lstStyle/>
+              <a:p>
+                <a:r>
+                  <a:rPr lang="pt-BR" sz="1200" kern="1200" dirty="0" smtClean="0">
+                    <a:solidFill>
+                      <a:schemeClr val="tx1"/>
+                    </a:solidFill>
+                    <a:effectLst/>
+                    <a:latin typeface="+mn-lt"/>
+                    <a:ea typeface="+mn-ea"/>
+                    <a:cs typeface="+mn-cs"/>
+                  </a:rPr>
+                  <a:t>O </a:t>
+                </a:r>
+                <a:r>
+                  <a:rPr lang="pt-BR" sz="1200" i="1" kern="1200" dirty="0">
+                    <a:solidFill>
+                      <a:schemeClr val="tx1"/>
+                    </a:solidFill>
+                    <a:effectLst/>
+                    <a:latin typeface="+mn-lt"/>
+                    <a:ea typeface="+mn-ea"/>
+                    <a:cs typeface="+mn-cs"/>
+                  </a:rPr>
+                  <a:t>num_leaves</a:t>
+                </a:r>
+                <a:r>
+                  <a:rPr lang="pt-BR" sz="1200" kern="1200" dirty="0">
+                    <a:solidFill>
+                      <a:schemeClr val="tx1"/>
+                    </a:solidFill>
+                    <a:effectLst/>
+                    <a:latin typeface="+mn-lt"/>
+                    <a:ea typeface="+mn-ea"/>
+                    <a:cs typeface="+mn-cs"/>
+                  </a:rPr>
+                  <a:t> determina o número máximo de folhas em uma árvore, esse valor deve ser menor ou igual à </a:t>
+                </a:r>
+                <a14:m>
+                  <m:oMath xmlns:m="http://schemas.openxmlformats.org/officeDocument/2006/math">
+                    <m:sSup>
+                      <m:sSupPr>
+                        <m:ctrlPr>
+                          <a:rPr lang="pt-BR" sz="1200" i="1" kern="1200">
+                            <a:solidFill>
+                              <a:schemeClr val="tx1"/>
+                            </a:solidFill>
+                            <a:effectLst/>
+                            <a:latin typeface="+mn-lt"/>
+                            <a:ea typeface="+mn-ea"/>
+                            <a:cs typeface="+mn-cs"/>
+                          </a:rPr>
+                        </m:ctrlPr>
+                      </m:sSupPr>
+                      <m:e>
+                        <m:r>
+                          <a:rPr lang="pt-BR" sz="1200" i="1" kern="1200">
+                            <a:solidFill>
+                              <a:schemeClr val="tx1"/>
+                            </a:solidFill>
+                            <a:effectLst/>
+                            <a:latin typeface="+mn-lt"/>
+                            <a:ea typeface="+mn-ea"/>
+                            <a:cs typeface="+mn-cs"/>
+                          </a:rPr>
+                          <m:t>2</m:t>
+                        </m:r>
+                      </m:e>
+                      <m:sup>
+                        <m:r>
+                          <a:rPr lang="pt-BR" sz="1200" i="1" kern="1200">
+                            <a:solidFill>
+                              <a:schemeClr val="tx1"/>
+                            </a:solidFill>
+                            <a:effectLst/>
+                            <a:latin typeface="+mn-lt"/>
+                            <a:ea typeface="+mn-ea"/>
+                            <a:cs typeface="+mn-cs"/>
+                          </a:rPr>
+                          <m:t>(</m:t>
+                        </m:r>
+                        <m:r>
+                          <a:rPr lang="pt-BR" sz="1200" i="1" kern="1200">
+                            <a:solidFill>
+                              <a:schemeClr val="tx1"/>
+                            </a:solidFill>
+                            <a:effectLst/>
+                            <a:latin typeface="+mn-lt"/>
+                            <a:ea typeface="+mn-ea"/>
+                            <a:cs typeface="+mn-cs"/>
+                          </a:rPr>
+                          <m:t>𝑚𝑎𝑥</m:t>
+                        </m:r>
+                        <m:r>
+                          <a:rPr lang="pt-BR" sz="1200" i="1" kern="1200">
+                            <a:solidFill>
+                              <a:schemeClr val="tx1"/>
+                            </a:solidFill>
+                            <a:effectLst/>
+                            <a:latin typeface="+mn-lt"/>
+                            <a:ea typeface="+mn-ea"/>
+                            <a:cs typeface="+mn-cs"/>
+                          </a:rPr>
+                          <m:t>_</m:t>
+                        </m:r>
+                        <m:r>
+                          <a:rPr lang="pt-BR" sz="1200" i="1" kern="1200">
+                            <a:solidFill>
+                              <a:schemeClr val="tx1"/>
+                            </a:solidFill>
+                            <a:effectLst/>
+                            <a:latin typeface="+mn-lt"/>
+                            <a:ea typeface="+mn-ea"/>
+                            <a:cs typeface="+mn-cs"/>
+                          </a:rPr>
+                          <m:t>𝑑𝑒𝑝𝑡h</m:t>
+                        </m:r>
+                        <m:r>
+                          <a:rPr lang="pt-BR" sz="1200" i="1" kern="1200">
+                            <a:solidFill>
+                              <a:schemeClr val="tx1"/>
+                            </a:solidFill>
+                            <a:effectLst/>
+                            <a:latin typeface="+mn-lt"/>
+                            <a:ea typeface="+mn-ea"/>
+                            <a:cs typeface="+mn-cs"/>
+                          </a:rPr>
+                          <m:t>)</m:t>
+                        </m:r>
+                      </m:sup>
+                    </m:sSup>
+                    <m:r>
+                      <a:rPr lang="pt-BR" sz="1200" i="1" kern="1200">
+                        <a:solidFill>
+                          <a:schemeClr val="tx1"/>
+                        </a:solidFill>
+                        <a:effectLst/>
+                        <a:latin typeface="+mn-lt"/>
+                        <a:ea typeface="+mn-ea"/>
+                        <a:cs typeface="+mn-cs"/>
+                      </a:rPr>
+                      <m:t>,</m:t>
+                    </m:r>
+                  </m:oMath>
+                </a14:m>
+                <a:r>
+                  <a:rPr lang="pt-BR" sz="1200" kern="1200" dirty="0">
+                    <a:solidFill>
+                      <a:schemeClr val="tx1"/>
+                    </a:solidFill>
+                    <a:effectLst/>
+                    <a:latin typeface="+mn-lt"/>
+                    <a:ea typeface="+mn-ea"/>
+                    <a:cs typeface="+mn-cs"/>
+                  </a:rPr>
+                  <a:t> um valor maior que isso pode causar </a:t>
+                </a:r>
+                <a:r>
+                  <a:rPr lang="pt-BR" sz="1200" i="1" kern="1200" dirty="0">
+                    <a:solidFill>
+                      <a:schemeClr val="tx1"/>
+                    </a:solidFill>
+                    <a:effectLst/>
+                    <a:latin typeface="+mn-lt"/>
+                    <a:ea typeface="+mn-ea"/>
+                    <a:cs typeface="+mn-cs"/>
+                  </a:rPr>
+                  <a:t>overfitting</a:t>
+                </a:r>
+                <a:r>
+                  <a:rPr lang="pt-BR" sz="1200" kern="1200" dirty="0">
+                    <a:solidFill>
+                      <a:schemeClr val="tx1"/>
+                    </a:solidFill>
+                    <a:effectLst/>
+                    <a:latin typeface="+mn-lt"/>
+                    <a:ea typeface="+mn-ea"/>
+                    <a:cs typeface="+mn-cs"/>
+                  </a:rPr>
+                  <a:t>. </a:t>
+                </a:r>
+              </a:p>
+            </p:txBody>
+          </p:sp>
+        </mc:Choice>
+        <mc:Fallback>
+          <p:sp>
+            <p:nvSpPr>
+              <p:cNvPr id="3" name="Notes Placeholder 2"/>
+              <p:cNvSpPr>
+                <a:spLocks noGrp="1"/>
+              </p:cNvSpPr>
+              <p:nvPr>
+                <p:ph type="body" idx="1"/>
+              </p:nvPr>
+            </p:nvSpPr>
+            <p:spPr/>
+            <p:txBody>
+              <a:bodyPr/>
+              <a:lstStyle/>
+              <a:p>
+                <a:r>
+                  <a:rPr lang="pt-BR" sz="1200" kern="1200" dirty="0" smtClean="0">
+                    <a:solidFill>
+                      <a:schemeClr val="tx1"/>
+                    </a:solidFill>
+                    <a:effectLst/>
+                    <a:latin typeface="+mn-lt"/>
+                    <a:ea typeface="+mn-ea"/>
+                    <a:cs typeface="+mn-cs"/>
+                  </a:rPr>
+                  <a:t>O </a:t>
+                </a:r>
+                <a:r>
+                  <a:rPr lang="pt-BR" sz="1200" i="1" kern="1200" dirty="0">
+                    <a:solidFill>
+                      <a:schemeClr val="tx1"/>
+                    </a:solidFill>
+                    <a:effectLst/>
+                    <a:latin typeface="+mn-lt"/>
+                    <a:ea typeface="+mn-ea"/>
+                    <a:cs typeface="+mn-cs"/>
+                  </a:rPr>
+                  <a:t>num_leaves</a:t>
+                </a:r>
+                <a:r>
+                  <a:rPr lang="pt-BR" sz="1200" kern="1200" dirty="0">
+                    <a:solidFill>
+                      <a:schemeClr val="tx1"/>
+                    </a:solidFill>
+                    <a:effectLst/>
+                    <a:latin typeface="+mn-lt"/>
+                    <a:ea typeface="+mn-ea"/>
+                    <a:cs typeface="+mn-cs"/>
+                  </a:rPr>
+                  <a:t> determina o número máximo de folhas em uma árvore, esse valor deve ser menor ou igual à </a:t>
+                </a:r>
+                <a:r>
+                  <a:rPr lang="pt-BR" sz="1200" i="0" kern="1200">
+                    <a:solidFill>
+                      <a:schemeClr val="tx1"/>
+                    </a:solidFill>
+                    <a:effectLst/>
+                    <a:latin typeface="+mn-lt"/>
+                    <a:ea typeface="+mn-ea"/>
+                    <a:cs typeface="+mn-cs"/>
+                  </a:rPr>
+                  <a:t>2^((𝑚𝑎𝑥_𝑑𝑒𝑝𝑡ℎ)),</a:t>
+                </a:r>
+                <a:r>
+                  <a:rPr lang="pt-BR" sz="1200" kern="1200" dirty="0">
+                    <a:solidFill>
+                      <a:schemeClr val="tx1"/>
+                    </a:solidFill>
+                    <a:effectLst/>
+                    <a:latin typeface="+mn-lt"/>
+                    <a:ea typeface="+mn-ea"/>
+                    <a:cs typeface="+mn-cs"/>
+                  </a:rPr>
+                  <a:t> um valor maior que isso pode causar </a:t>
+                </a:r>
+                <a:r>
+                  <a:rPr lang="pt-BR" sz="1200" i="1" kern="1200" dirty="0">
+                    <a:solidFill>
+                      <a:schemeClr val="tx1"/>
+                    </a:solidFill>
+                    <a:effectLst/>
+                    <a:latin typeface="+mn-lt"/>
+                    <a:ea typeface="+mn-ea"/>
+                    <a:cs typeface="+mn-cs"/>
+                  </a:rPr>
+                  <a:t>overfitting</a:t>
+                </a:r>
+                <a:r>
+                  <a:rPr lang="pt-BR" sz="1200" kern="1200" dirty="0">
+                    <a:solidFill>
+                      <a:schemeClr val="tx1"/>
+                    </a:solidFill>
+                    <a:effectLst/>
+                    <a:latin typeface="+mn-lt"/>
+                    <a:ea typeface="+mn-ea"/>
+                    <a:cs typeface="+mn-cs"/>
+                  </a:rPr>
+                  <a:t>. </a:t>
+                </a:r>
+              </a:p>
+            </p:txBody>
+          </p:sp>
+        </mc:Fallback>
+      </mc:AlternateContent>
       <p:sp>
         <p:nvSpPr>
           <p:cNvPr id="4" name="Slide Number Placeholder 3"/>
@@ -1399,7 +2787,7 @@
           <a:p>
             <a:fld id="{8E8EDB91-DF02-4E82-B269-99750289FC48}" type="slidenum">
               <a:rPr lang="pt-BR" smtClean="0"/>
-              <a:t>17</a:t>
+              <a:t>15</a:t>
             </a:fld>
             <a:endParaRPr lang="pt-BR"/>
           </a:p>
@@ -1408,7 +2796,7 @@
     </p:spTree>
     <p:extLst>
       <p:ext uri="{BB962C8B-B14F-4D97-AF65-F5344CB8AC3E}">
-        <p14:creationId xmlns:p14="http://schemas.microsoft.com/office/powerpoint/2010/main" val="2929363275"/>
+        <p14:creationId xmlns:p14="http://schemas.microsoft.com/office/powerpoint/2010/main" val="3746528391"/>
       </p:ext>
     </p:extLst>
   </p:cSld>
@@ -1462,57 +2850,66 @@
           <a:bodyPr/>
           <a:lstStyle/>
           <a:p>
-            <a:pPr marL="0" marR="0" indent="0" algn="l" defTabSz="914400" rtl="0" eaLnBrk="1" fontAlgn="auto" latinLnBrk="0" hangingPunct="1">
-              <a:lnSpc>
-                <a:spcPct val="100000"/>
-              </a:lnSpc>
-              <a:spcBef>
-                <a:spcPts val="0"/>
-              </a:spcBef>
-              <a:spcAft>
-                <a:spcPts val="0"/>
-              </a:spcAft>
-              <a:buClrTx/>
-              <a:buSzTx/>
-              <a:buFontTx/>
-              <a:buNone/>
-              <a:tabLst/>
-              <a:defRPr/>
-            </a:pPr>
-            <a:r>
-              <a:rPr lang="pt-BR" dirty="0" smtClean="0"/>
-              <a:t>Etapa 4: Construir o mapa de cobertura (CDB):</a:t>
-            </a:r>
-            <a:r>
-              <a:rPr lang="pt-BR" baseline="0" dirty="0" smtClean="0"/>
-              <a:t> Possui coordenada geográfica (latitude, longitude), RSSI e PDs</a:t>
-            </a:r>
-          </a:p>
-          <a:p>
-            <a:pPr marL="0" marR="0" indent="0" algn="l" defTabSz="914400" rtl="0" eaLnBrk="1" fontAlgn="auto" latinLnBrk="0" hangingPunct="1">
-              <a:lnSpc>
-                <a:spcPct val="100000"/>
-              </a:lnSpc>
-              <a:spcBef>
-                <a:spcPts val="0"/>
-              </a:spcBef>
-              <a:spcAft>
-                <a:spcPts val="0"/>
-              </a:spcAft>
-              <a:buClrTx/>
-              <a:buSzTx/>
-              <a:buFontTx/>
-              <a:buNone/>
-              <a:tabLst/>
-              <a:defRPr/>
-            </a:pPr>
-            <a:r>
-              <a:rPr lang="pt-BR" baseline="0" dirty="0" smtClean="0"/>
-              <a:t>Etapa 7: Distância euclidiana, algoritmo de matching.</a:t>
-            </a:r>
-            <a:endParaRPr lang="pt-BR" dirty="0" smtClean="0"/>
-          </a:p>
-          <a:p>
+            <a:r>
+              <a:rPr lang="pt-BR" sz="1200" b="0" i="0" u="none" strike="noStrike" kern="1200" dirty="0" smtClean="0">
+                <a:solidFill>
+                  <a:schemeClr val="tx1"/>
+                </a:solidFill>
+                <a:effectLst/>
+                <a:latin typeface="+mn-lt"/>
+                <a:ea typeface="+mn-ea"/>
+                <a:cs typeface="+mn-cs"/>
+              </a:rPr>
+              <a:t>A grande maioria dos algoritmos de aprendizagem de árvore de decisão desenvolve árvores por </a:t>
+            </a:r>
+            <a:r>
+              <a:rPr lang="pt-BR" sz="1200" b="0" i="1" u="none" strike="noStrike" kern="1200" dirty="0" smtClean="0">
+                <a:solidFill>
+                  <a:schemeClr val="tx1"/>
+                </a:solidFill>
+                <a:effectLst/>
+                <a:latin typeface="+mn-lt"/>
+                <a:ea typeface="+mn-ea"/>
+                <a:cs typeface="+mn-cs"/>
+              </a:rPr>
+              <a:t>level (depth)-wise</a:t>
+            </a:r>
+            <a:r>
+              <a:rPr lang="pt-BR" sz="1200" b="0" i="0" u="none" strike="noStrike" kern="1200" dirty="0" smtClean="0">
+                <a:solidFill>
+                  <a:schemeClr val="tx1"/>
+                </a:solidFill>
+                <a:effectLst/>
+                <a:latin typeface="+mn-lt"/>
+                <a:ea typeface="+mn-ea"/>
+                <a:cs typeface="+mn-cs"/>
+              </a:rPr>
+              <a:t>, como </a:t>
+            </a:r>
+            <a:r>
+              <a:rPr lang="pt-BR" sz="1200" b="0" i="1" u="none" strike="noStrike" kern="1200" dirty="0" smtClean="0">
+                <a:solidFill>
+                  <a:schemeClr val="tx1"/>
+                </a:solidFill>
+                <a:effectLst/>
+                <a:latin typeface="+mn-lt"/>
+                <a:ea typeface="+mn-ea"/>
+                <a:cs typeface="+mn-cs"/>
+              </a:rPr>
+              <a:t>XGBoost</a:t>
+            </a:r>
+            <a:r>
+              <a:rPr lang="pt-BR" sz="1200" b="0" i="0" u="none" strike="noStrike" kern="1200" dirty="0" smtClean="0">
+                <a:solidFill>
+                  <a:schemeClr val="tx1"/>
+                </a:solidFill>
+                <a:effectLst/>
+                <a:latin typeface="+mn-lt"/>
+                <a:ea typeface="+mn-ea"/>
+                <a:cs typeface="+mn-cs"/>
+              </a:rPr>
+              <a:t> que é uma implementação do GBDT.</a:t>
+            </a:r>
             <a:endParaRPr lang="pt-BR" dirty="0"/>
           </a:p>
         </p:txBody>
@@ -1534,7 +2931,7 @@
           <a:p>
             <a:fld id="{8E8EDB91-DF02-4E82-B269-99750289FC48}" type="slidenum">
               <a:rPr lang="pt-BR" smtClean="0"/>
-              <a:t>20</a:t>
+              <a:t>16</a:t>
             </a:fld>
             <a:endParaRPr lang="pt-BR"/>
           </a:p>
@@ -1543,7 +2940,136 @@
     </p:spTree>
     <p:extLst>
       <p:ext uri="{BB962C8B-B14F-4D97-AF65-F5344CB8AC3E}">
-        <p14:creationId xmlns:p14="http://schemas.microsoft.com/office/powerpoint/2010/main" val="4267544124"/>
+        <p14:creationId xmlns:p14="http://schemas.microsoft.com/office/powerpoint/2010/main" val="518407949"/>
+      </p:ext>
+    </p:extLst>
+  </p:cSld>
+  <p:clrMapOvr>
+    <a:masterClrMapping/>
+  </p:clrMapOvr>
+</p:notes>
+</file>
+
+<file path=ppt/notesSlides/notesSlide9.xml><?xml version="1.0" encoding="utf-8"?>
+<p:notes xmlns:a="http://schemas.openxmlformats.org/drawingml/2006/main" xmlns:r="http://schemas.openxmlformats.org/officeDocument/2006/relationships" xmlns:p="http://schemas.openxmlformats.org/presentationml/2006/main">
+  <p:cSld>
+    <p:spTree>
+      <p:nvGrpSpPr>
+        <p:cNvPr id="1" name=""/>
+        <p:cNvGrpSpPr/>
+        <p:nvPr/>
+      </p:nvGrpSpPr>
+      <p:grpSpPr>
+        <a:xfrm>
+          <a:off x="0" y="0"/>
+          <a:ext cx="0" cy="0"/>
+          <a:chOff x="0" y="0"/>
+          <a:chExt cx="0" cy="0"/>
+        </a:xfrm>
+      </p:grpSpPr>
+      <p:sp>
+        <p:nvSpPr>
+          <p:cNvPr id="2" name="Slide Image Placeholder 1"/>
+          <p:cNvSpPr>
+            <a:spLocks noGrp="1" noRot="1" noChangeAspect="1"/>
+          </p:cNvSpPr>
+          <p:nvPr>
+            <p:ph type="sldImg"/>
+          </p:nvPr>
+        </p:nvSpPr>
+        <p:spPr/>
+      </p:sp>
+      <p:sp>
+        <p:nvSpPr>
+          <p:cNvPr id="3" name="Notes Placeholder 2"/>
+          <p:cNvSpPr>
+            <a:spLocks noGrp="1"/>
+          </p:cNvSpPr>
+          <p:nvPr>
+            <p:ph type="body" idx="1"/>
+          </p:nvPr>
+        </p:nvSpPr>
+        <p:spPr/>
+        <p:txBody>
+          <a:bodyPr/>
+          <a:lstStyle/>
+          <a:p>
+            <a:r>
+              <a:rPr lang="pt-BR" dirty="0" smtClean="0"/>
+              <a:t>Os algoritmos foram: SVR, </a:t>
+            </a:r>
+            <a:r>
+              <a:rPr lang="pt-BR" dirty="0" err="1" smtClean="0"/>
+              <a:t>kNN</a:t>
+            </a:r>
+            <a:r>
+              <a:rPr lang="pt-BR" dirty="0" smtClean="0"/>
+              <a:t> ponderado e não-ponderado, abordagem Bayesiana e </a:t>
+            </a:r>
+            <a:r>
+              <a:rPr lang="pt-BR" dirty="0" err="1" smtClean="0"/>
+              <a:t>perceptron</a:t>
+            </a:r>
+            <a:r>
+              <a:rPr lang="pt-BR" dirty="0" smtClean="0"/>
+              <a:t> </a:t>
+            </a:r>
+            <a:r>
+              <a:rPr lang="pt-BR" dirty="0" err="1" smtClean="0"/>
+              <a:t>multi-camadas</a:t>
+            </a:r>
+            <a:r>
+              <a:rPr lang="pt-BR" dirty="0" smtClean="0"/>
+              <a:t>. Os melhores resultados foram obtidos com o SVR. </a:t>
+            </a:r>
+          </a:p>
+          <a:p>
+            <a:endParaRPr lang="pt-BR" dirty="0" smtClean="0"/>
+          </a:p>
+          <a:p>
+            <a:r>
+              <a:rPr lang="pt-BR" dirty="0" smtClean="0"/>
+              <a:t>Uso de teste manuais e Grid Search para ajuste</a:t>
+            </a:r>
+            <a:r>
+              <a:rPr lang="pt-BR" baseline="0" dirty="0" smtClean="0"/>
+              <a:t> dos paramentos dos algoritmos de machine </a:t>
+            </a:r>
+            <a:r>
+              <a:rPr lang="pt-BR" baseline="0" dirty="0" err="1" smtClean="0"/>
+              <a:t>learning</a:t>
+            </a:r>
+            <a:endParaRPr lang="pt-BR" dirty="0"/>
+          </a:p>
+        </p:txBody>
+      </p:sp>
+      <p:sp>
+        <p:nvSpPr>
+          <p:cNvPr id="4" name="Slide Number Placeholder 3"/>
+          <p:cNvSpPr>
+            <a:spLocks noGrp="1"/>
+          </p:cNvSpPr>
+          <p:nvPr>
+            <p:ph type="sldNum" sz="quarter" idx="10"/>
+          </p:nvPr>
+        </p:nvSpPr>
+        <p:spPr/>
+        <p:txBody>
+          <a:bodyPr/>
+          <a:lstStyle/>
+          <a:p>
+            <a:fld id="{8E8EDB91-DF02-4E82-B269-99750289FC48}" type="slidenum">
+              <a:rPr lang="pt-BR" smtClean="0"/>
+              <a:t>17</a:t>
+            </a:fld>
+            <a:endParaRPr lang="pt-BR"/>
+          </a:p>
+        </p:txBody>
+      </p:sp>
+    </p:spTree>
+    <p:extLst>
+      <p:ext uri="{BB962C8B-B14F-4D97-AF65-F5344CB8AC3E}">
+        <p14:creationId xmlns:p14="http://schemas.microsoft.com/office/powerpoint/2010/main" val="2196595680"/>
       </p:ext>
     </p:extLst>
   </p:cSld>
@@ -1684,7 +3210,7 @@
           <a:p>
             <a:fld id="{6E29202C-A5B6-4562-B338-5BE8F533F3AC}" type="datetimeFigureOut">
               <a:rPr lang="pt-BR" smtClean="0"/>
-              <a:t>23/10/2020</a:t>
+              <a:t>24/10/2020</a:t>
             </a:fld>
             <a:endParaRPr lang="pt-BR"/>
           </a:p>
@@ -1854,7 +3380,7 @@
           <a:p>
             <a:fld id="{6E29202C-A5B6-4562-B338-5BE8F533F3AC}" type="datetimeFigureOut">
               <a:rPr lang="pt-BR" smtClean="0"/>
-              <a:t>23/10/2020</a:t>
+              <a:t>24/10/2020</a:t>
             </a:fld>
             <a:endParaRPr lang="pt-BR"/>
           </a:p>
@@ -2034,7 +3560,7 @@
           <a:p>
             <a:fld id="{6E29202C-A5B6-4562-B338-5BE8F533F3AC}" type="datetimeFigureOut">
               <a:rPr lang="pt-BR" smtClean="0"/>
-              <a:t>23/10/2020</a:t>
+              <a:t>24/10/2020</a:t>
             </a:fld>
             <a:endParaRPr lang="pt-BR"/>
           </a:p>
@@ -2204,7 +3730,7 @@
           <a:p>
             <a:fld id="{6E29202C-A5B6-4562-B338-5BE8F533F3AC}" type="datetimeFigureOut">
               <a:rPr lang="pt-BR" smtClean="0"/>
-              <a:t>23/10/2020</a:t>
+              <a:t>24/10/2020</a:t>
             </a:fld>
             <a:endParaRPr lang="pt-BR"/>
           </a:p>
@@ -2450,7 +3976,7 @@
           <a:p>
             <a:fld id="{6E29202C-A5B6-4562-B338-5BE8F533F3AC}" type="datetimeFigureOut">
               <a:rPr lang="pt-BR" smtClean="0"/>
-              <a:t>23/10/2020</a:t>
+              <a:t>24/10/2020</a:t>
             </a:fld>
             <a:endParaRPr lang="pt-BR"/>
           </a:p>
@@ -2682,7 +4208,7 @@
           <a:p>
             <a:fld id="{6E29202C-A5B6-4562-B338-5BE8F533F3AC}" type="datetimeFigureOut">
               <a:rPr lang="pt-BR" smtClean="0"/>
-              <a:t>23/10/2020</a:t>
+              <a:t>24/10/2020</a:t>
             </a:fld>
             <a:endParaRPr lang="pt-BR"/>
           </a:p>
@@ -3049,7 +4575,7 @@
           <a:p>
             <a:fld id="{6E29202C-A5B6-4562-B338-5BE8F533F3AC}" type="datetimeFigureOut">
               <a:rPr lang="pt-BR" smtClean="0"/>
-              <a:t>23/10/2020</a:t>
+              <a:t>24/10/2020</a:t>
             </a:fld>
             <a:endParaRPr lang="pt-BR"/>
           </a:p>
@@ -3167,7 +4693,7 @@
           <a:p>
             <a:fld id="{6E29202C-A5B6-4562-B338-5BE8F533F3AC}" type="datetimeFigureOut">
               <a:rPr lang="pt-BR" smtClean="0"/>
-              <a:t>23/10/2020</a:t>
+              <a:t>24/10/2020</a:t>
             </a:fld>
             <a:endParaRPr lang="pt-BR"/>
           </a:p>
@@ -3262,7 +4788,7 @@
           <a:p>
             <a:fld id="{6E29202C-A5B6-4562-B338-5BE8F533F3AC}" type="datetimeFigureOut">
               <a:rPr lang="pt-BR" smtClean="0"/>
-              <a:t>23/10/2020</a:t>
+              <a:t>24/10/2020</a:t>
             </a:fld>
             <a:endParaRPr lang="pt-BR"/>
           </a:p>
@@ -3539,7 +5065,7 @@
           <a:p>
             <a:fld id="{6E29202C-A5B6-4562-B338-5BE8F533F3AC}" type="datetimeFigureOut">
               <a:rPr lang="pt-BR" smtClean="0"/>
-              <a:t>23/10/2020</a:t>
+              <a:t>24/10/2020</a:t>
             </a:fld>
             <a:endParaRPr lang="pt-BR"/>
           </a:p>
@@ -3792,7 +5318,7 @@
           <a:p>
             <a:fld id="{6E29202C-A5B6-4562-B338-5BE8F533F3AC}" type="datetimeFigureOut">
               <a:rPr lang="pt-BR" smtClean="0"/>
-              <a:t>23/10/2020</a:t>
+              <a:t>24/10/2020</a:t>
             </a:fld>
             <a:endParaRPr lang="pt-BR"/>
           </a:p>
@@ -4005,7 +5531,7 @@
           <a:p>
             <a:fld id="{6E29202C-A5B6-4562-B338-5BE8F533F3AC}" type="datetimeFigureOut">
               <a:rPr lang="pt-BR" smtClean="0"/>
-              <a:t>23/10/2020</a:t>
+              <a:t>24/10/2020</a:t>
             </a:fld>
             <a:endParaRPr lang="pt-BR"/>
           </a:p>
@@ -4852,6 +6378,802 @@
           <a:lstStyle/>
           <a:p>
             <a:r>
+              <a:rPr lang="pt-BR" b="1" dirty="0" smtClean="0">
+                <a:solidFill>
+                  <a:srgbClr val="FF182C"/>
+                </a:solidFill>
+                <a:latin typeface="Noto Sans" panose="020B0502040504020204" pitchFamily="34"/>
+                <a:ea typeface="Noto Sans" panose="020B0502040504020204" pitchFamily="34"/>
+                <a:cs typeface="Noto Sans" panose="020B0502040504020204" pitchFamily="34"/>
+              </a:rPr>
+              <a:t>Support Vector Machine (SVM)</a:t>
+            </a:r>
+            <a:endParaRPr lang="pt-BR" b="1" dirty="0">
+              <a:solidFill>
+                <a:srgbClr val="FF182C"/>
+              </a:solidFill>
+              <a:latin typeface="Noto Sans" panose="020B0502040504020204" pitchFamily="34"/>
+              <a:ea typeface="Noto Sans" panose="020B0502040504020204" pitchFamily="34"/>
+              <a:cs typeface="Noto Sans" panose="020B0502040504020204" pitchFamily="34"/>
+            </a:endParaRPr>
+          </a:p>
+        </p:txBody>
+      </p:sp>
+      <mc:AlternateContent xmlns:mc="http://schemas.openxmlformats.org/markup-compatibility/2006">
+        <mc:Choice xmlns:a14="http://schemas.microsoft.com/office/drawing/2010/main" Requires="a14">
+          <p:sp>
+            <p:nvSpPr>
+              <p:cNvPr id="2" name="Content Placeholder 1"/>
+              <p:cNvSpPr>
+                <a:spLocks noGrp="1"/>
+              </p:cNvSpPr>
+              <p:nvPr>
+                <p:ph sz="half" idx="1"/>
+              </p:nvPr>
+            </p:nvSpPr>
+            <p:spPr>
+              <a:xfrm>
+                <a:off x="838199" y="1825625"/>
+                <a:ext cx="10882745" cy="4351338"/>
+              </a:xfrm>
+            </p:spPr>
+            <p:txBody>
+              <a:bodyPr>
+                <a:normAutofit/>
+              </a:bodyPr>
+              <a:lstStyle/>
+              <a:p>
+                <a:r>
+                  <a:rPr lang="pt-BR" b="1" dirty="0">
+                    <a:ea typeface="Cambria Math" panose="02040503050406030204" pitchFamily="18" charset="0"/>
+                  </a:rPr>
+                  <a:t>RBF: </a:t>
+                </a:r>
+                <a:r>
+                  <a:rPr lang="pt-BR" dirty="0">
+                    <a:ea typeface="Cambria Math" panose="02040503050406030204" pitchFamily="18" charset="0"/>
+                  </a:rPr>
+                  <a:t>Função de Kernel </a:t>
+                </a:r>
+                <a14:m>
+                  <m:oMath xmlns:m="http://schemas.openxmlformats.org/officeDocument/2006/math">
+                    <m:r>
+                      <a:rPr lang="pt-BR" i="1">
+                        <a:latin typeface="Cambria Math" panose="02040503050406030204" pitchFamily="18" charset="0"/>
+                        <a:ea typeface="Cambria Math" panose="02040503050406030204" pitchFamily="18" charset="0"/>
+                      </a:rPr>
+                      <m:t>𝑘</m:t>
+                    </m:r>
+                    <m:d>
+                      <m:dPr>
+                        <m:ctrlPr>
+                          <a:rPr lang="pt-BR" i="1">
+                            <a:latin typeface="Cambria Math" panose="02040503050406030204" pitchFamily="18" charset="0"/>
+                            <a:ea typeface="Cambria Math" panose="02040503050406030204" pitchFamily="18" charset="0"/>
+                          </a:rPr>
+                        </m:ctrlPr>
+                      </m:dPr>
+                      <m:e>
+                        <m:sSub>
+                          <m:sSubPr>
+                            <m:ctrlPr>
+                              <a:rPr lang="pt-BR" i="1">
+                                <a:latin typeface="Cambria Math" panose="02040503050406030204" pitchFamily="18" charset="0"/>
+                                <a:ea typeface="Cambria Math" panose="02040503050406030204" pitchFamily="18" charset="0"/>
+                              </a:rPr>
+                            </m:ctrlPr>
+                          </m:sSubPr>
+                          <m:e>
+                            <m:r>
+                              <a:rPr lang="pt-BR" i="1">
+                                <a:latin typeface="Cambria Math" panose="02040503050406030204" pitchFamily="18" charset="0"/>
+                                <a:ea typeface="Cambria Math" panose="02040503050406030204" pitchFamily="18" charset="0"/>
+                              </a:rPr>
+                              <m:t>𝑥</m:t>
+                            </m:r>
+                          </m:e>
+                          <m:sub>
+                            <m:r>
+                              <a:rPr lang="pt-BR" i="1">
+                                <a:latin typeface="Cambria Math" panose="02040503050406030204" pitchFamily="18" charset="0"/>
+                                <a:ea typeface="Cambria Math" panose="02040503050406030204" pitchFamily="18" charset="0"/>
+                              </a:rPr>
+                              <m:t>𝑖</m:t>
+                            </m:r>
+                          </m:sub>
+                        </m:sSub>
+                        <m:r>
+                          <a:rPr lang="pt-BR" i="1">
+                            <a:latin typeface="Cambria Math" panose="02040503050406030204" pitchFamily="18" charset="0"/>
+                            <a:ea typeface="Cambria Math" panose="02040503050406030204" pitchFamily="18" charset="0"/>
+                          </a:rPr>
+                          <m:t>,</m:t>
+                        </m:r>
+                        <m:sSub>
+                          <m:sSubPr>
+                            <m:ctrlPr>
+                              <a:rPr lang="pt-BR" i="1">
+                                <a:latin typeface="Cambria Math" panose="02040503050406030204" pitchFamily="18" charset="0"/>
+                                <a:ea typeface="Cambria Math" panose="02040503050406030204" pitchFamily="18" charset="0"/>
+                              </a:rPr>
+                            </m:ctrlPr>
+                          </m:sSubPr>
+                          <m:e>
+                            <m:r>
+                              <a:rPr lang="pt-BR" i="1">
+                                <a:latin typeface="Cambria Math" panose="02040503050406030204" pitchFamily="18" charset="0"/>
+                                <a:ea typeface="Cambria Math" panose="02040503050406030204" pitchFamily="18" charset="0"/>
+                              </a:rPr>
+                              <m:t>𝑥</m:t>
+                            </m:r>
+                          </m:e>
+                          <m:sub>
+                            <m:r>
+                              <a:rPr lang="pt-BR" i="1">
+                                <a:latin typeface="Cambria Math" panose="02040503050406030204" pitchFamily="18" charset="0"/>
+                                <a:ea typeface="Cambria Math" panose="02040503050406030204" pitchFamily="18" charset="0"/>
+                              </a:rPr>
+                              <m:t>𝑗</m:t>
+                            </m:r>
+                          </m:sub>
+                        </m:sSub>
+                      </m:e>
+                    </m:d>
+                    <m:r>
+                      <a:rPr lang="pt-BR" i="1">
+                        <a:latin typeface="Cambria Math" panose="02040503050406030204" pitchFamily="18" charset="0"/>
+                        <a:ea typeface="Cambria Math" panose="02040503050406030204" pitchFamily="18" charset="0"/>
+                      </a:rPr>
+                      <m:t>=</m:t>
+                    </m:r>
+                    <m:sSup>
+                      <m:sSupPr>
+                        <m:ctrlPr>
+                          <a:rPr lang="pt-BR" i="1">
+                            <a:latin typeface="Cambria Math" panose="02040503050406030204" pitchFamily="18" charset="0"/>
+                            <a:ea typeface="Cambria Math" panose="02040503050406030204" pitchFamily="18" charset="0"/>
+                          </a:rPr>
+                        </m:ctrlPr>
+                      </m:sSupPr>
+                      <m:e>
+                        <m:r>
+                          <a:rPr lang="pt-BR" i="1">
+                            <a:latin typeface="Cambria Math" panose="02040503050406030204" pitchFamily="18" charset="0"/>
+                            <a:ea typeface="Cambria Math" panose="02040503050406030204" pitchFamily="18" charset="0"/>
+                          </a:rPr>
+                          <m:t>𝑒</m:t>
+                        </m:r>
+                      </m:e>
+                      <m:sup>
+                        <m:sSup>
+                          <m:sSupPr>
+                            <m:ctrlPr>
+                              <a:rPr lang="pt-BR" i="1">
+                                <a:latin typeface="Cambria Math" panose="02040503050406030204" pitchFamily="18" charset="0"/>
+                                <a:ea typeface="Cambria Math" panose="02040503050406030204" pitchFamily="18" charset="0"/>
+                              </a:rPr>
+                            </m:ctrlPr>
+                          </m:sSupPr>
+                          <m:e>
+                            <m:r>
+                              <a:rPr lang="pt-BR" i="1">
+                                <a:latin typeface="Cambria Math" panose="02040503050406030204" pitchFamily="18" charset="0"/>
+                                <a:ea typeface="Cambria Math" panose="02040503050406030204" pitchFamily="18" charset="0"/>
+                              </a:rPr>
+                              <m:t>(−</m:t>
+                            </m:r>
+                            <m:r>
+                              <a:rPr lang="pt-BR" i="1">
+                                <a:latin typeface="Cambria Math" panose="02040503050406030204" pitchFamily="18" charset="0"/>
+                                <a:ea typeface="Cambria Math" panose="02040503050406030204" pitchFamily="18" charset="0"/>
+                              </a:rPr>
+                              <m:t>𝛾</m:t>
+                            </m:r>
+                            <m:r>
+                              <a:rPr lang="pt-BR" i="1">
+                                <a:latin typeface="Cambria Math" panose="02040503050406030204" pitchFamily="18" charset="0"/>
+                                <a:ea typeface="Cambria Math" panose="02040503050406030204" pitchFamily="18" charset="0"/>
+                              </a:rPr>
+                              <m:t>|</m:t>
+                            </m:r>
+                            <m:sSub>
+                              <m:sSubPr>
+                                <m:ctrlPr>
+                                  <a:rPr lang="pt-BR" i="1">
+                                    <a:latin typeface="Cambria Math" panose="02040503050406030204" pitchFamily="18" charset="0"/>
+                                    <a:ea typeface="Cambria Math" panose="02040503050406030204" pitchFamily="18" charset="0"/>
+                                  </a:rPr>
+                                </m:ctrlPr>
+                              </m:sSubPr>
+                              <m:e>
+                                <m:r>
+                                  <a:rPr lang="pt-BR" i="1">
+                                    <a:latin typeface="Cambria Math" panose="02040503050406030204" pitchFamily="18" charset="0"/>
+                                    <a:ea typeface="Cambria Math" panose="02040503050406030204" pitchFamily="18" charset="0"/>
+                                  </a:rPr>
+                                  <m:t>𝑥</m:t>
+                                </m:r>
+                              </m:e>
+                              <m:sub>
+                                <m:r>
+                                  <a:rPr lang="pt-BR" i="1">
+                                    <a:latin typeface="Cambria Math" panose="02040503050406030204" pitchFamily="18" charset="0"/>
+                                    <a:ea typeface="Cambria Math" panose="02040503050406030204" pitchFamily="18" charset="0"/>
+                                  </a:rPr>
+                                  <m:t>𝑖</m:t>
+                                </m:r>
+                              </m:sub>
+                            </m:sSub>
+                            <m:r>
+                              <a:rPr lang="pt-BR" i="1">
+                                <a:latin typeface="Cambria Math" panose="02040503050406030204" pitchFamily="18" charset="0"/>
+                                <a:ea typeface="Cambria Math" panose="02040503050406030204" pitchFamily="18" charset="0"/>
+                              </a:rPr>
+                              <m:t>−</m:t>
+                            </m:r>
+                            <m:sSub>
+                              <m:sSubPr>
+                                <m:ctrlPr>
+                                  <a:rPr lang="pt-BR" i="1">
+                                    <a:latin typeface="Cambria Math" panose="02040503050406030204" pitchFamily="18" charset="0"/>
+                                    <a:ea typeface="Cambria Math" panose="02040503050406030204" pitchFamily="18" charset="0"/>
+                                  </a:rPr>
+                                </m:ctrlPr>
+                              </m:sSubPr>
+                              <m:e>
+                                <m:r>
+                                  <a:rPr lang="pt-BR" i="1">
+                                    <a:latin typeface="Cambria Math" panose="02040503050406030204" pitchFamily="18" charset="0"/>
+                                    <a:ea typeface="Cambria Math" panose="02040503050406030204" pitchFamily="18" charset="0"/>
+                                  </a:rPr>
+                                  <m:t>𝑥</m:t>
+                                </m:r>
+                              </m:e>
+                              <m:sub>
+                                <m:r>
+                                  <a:rPr lang="pt-BR" i="1">
+                                    <a:latin typeface="Cambria Math" panose="02040503050406030204" pitchFamily="18" charset="0"/>
+                                    <a:ea typeface="Cambria Math" panose="02040503050406030204" pitchFamily="18" charset="0"/>
+                                  </a:rPr>
+                                  <m:t>𝑗</m:t>
+                                </m:r>
+                              </m:sub>
+                            </m:sSub>
+                            <m:r>
+                              <a:rPr lang="pt-BR" i="1">
+                                <a:latin typeface="Cambria Math" panose="02040503050406030204" pitchFamily="18" charset="0"/>
+                                <a:ea typeface="Cambria Math" panose="02040503050406030204" pitchFamily="18" charset="0"/>
+                              </a:rPr>
+                              <m:t>|)</m:t>
+                            </m:r>
+                          </m:e>
+                          <m:sup>
+                            <m:r>
+                              <a:rPr lang="pt-BR" i="1">
+                                <a:latin typeface="Cambria Math" panose="02040503050406030204" pitchFamily="18" charset="0"/>
+                                <a:ea typeface="Cambria Math" panose="02040503050406030204" pitchFamily="18" charset="0"/>
+                              </a:rPr>
+                              <m:t>2</m:t>
+                            </m:r>
+                          </m:sup>
+                        </m:sSup>
+                      </m:sup>
+                    </m:sSup>
+                  </m:oMath>
+                </a14:m>
+                <a:endParaRPr lang="pt-BR" dirty="0"/>
+              </a:p>
+              <a:p>
+                <a:r>
+                  <a:rPr lang="pt-BR" b="1" dirty="0"/>
+                  <a:t>Maximizar: </a:t>
+                </a:r>
+                <a14:m>
+                  <m:oMath xmlns:m="http://schemas.openxmlformats.org/officeDocument/2006/math">
+                    <m:r>
+                      <a:rPr lang="pt-BR" i="1">
+                        <a:latin typeface="Cambria Math" panose="02040503050406030204" pitchFamily="18" charset="0"/>
+                      </a:rPr>
+                      <m:t>𝑚𝑎𝑟𝑔𝑒𝑚</m:t>
+                    </m:r>
+                    <m:r>
+                      <a:rPr lang="pt-BR" i="1">
+                        <a:latin typeface="Cambria Math" panose="02040503050406030204" pitchFamily="18" charset="0"/>
+                      </a:rPr>
+                      <m:t>= </m:t>
+                    </m:r>
+                    <m:f>
+                      <m:fPr>
+                        <m:ctrlPr>
+                          <a:rPr lang="pt-BR" i="1">
+                            <a:latin typeface="Cambria Math" panose="02040503050406030204" pitchFamily="18" charset="0"/>
+                          </a:rPr>
+                        </m:ctrlPr>
+                      </m:fPr>
+                      <m:num>
+                        <m:r>
+                          <a:rPr lang="pt-BR" i="1">
+                            <a:latin typeface="Cambria Math" panose="02040503050406030204" pitchFamily="18" charset="0"/>
+                          </a:rPr>
+                          <m:t>1</m:t>
+                        </m:r>
+                      </m:num>
+                      <m:den>
+                        <m:r>
+                          <a:rPr lang="pt-BR" i="1">
+                            <a:latin typeface="Cambria Math" panose="02040503050406030204" pitchFamily="18" charset="0"/>
+                          </a:rPr>
+                          <m:t>2</m:t>
+                        </m:r>
+                      </m:den>
+                    </m:f>
+                    <m:sSup>
+                      <m:sSupPr>
+                        <m:ctrlPr>
+                          <a:rPr lang="pt-BR" i="1">
+                            <a:latin typeface="Cambria Math" panose="02040503050406030204" pitchFamily="18" charset="0"/>
+                          </a:rPr>
+                        </m:ctrlPr>
+                      </m:sSupPr>
+                      <m:e>
+                        <m:r>
+                          <a:rPr lang="pt-BR" i="1">
+                            <a:latin typeface="Cambria Math" panose="02040503050406030204" pitchFamily="18" charset="0"/>
+                          </a:rPr>
+                          <m:t>||</m:t>
+                        </m:r>
+                        <m:r>
+                          <a:rPr lang="pt-BR" i="1">
+                            <a:latin typeface="Cambria Math" panose="02040503050406030204" pitchFamily="18" charset="0"/>
+                          </a:rPr>
+                          <m:t>𝑤</m:t>
+                        </m:r>
+                        <m:r>
+                          <a:rPr lang="pt-BR" i="1">
+                            <a:latin typeface="Cambria Math" panose="02040503050406030204" pitchFamily="18" charset="0"/>
+                          </a:rPr>
+                          <m:t>||</m:t>
+                        </m:r>
+                      </m:e>
+                      <m:sup>
+                        <m:r>
+                          <a:rPr lang="pt-BR" i="1">
+                            <a:latin typeface="Cambria Math" panose="02040503050406030204" pitchFamily="18" charset="0"/>
+                          </a:rPr>
+                          <m:t>2</m:t>
+                        </m:r>
+                      </m:sup>
+                    </m:sSup>
+                    <m:r>
+                      <a:rPr lang="pt-BR" i="1">
+                        <a:latin typeface="Cambria Math" panose="02040503050406030204" pitchFamily="18" charset="0"/>
+                      </a:rPr>
+                      <m:t>+</m:t>
+                    </m:r>
+                    <m:r>
+                      <a:rPr lang="pt-BR" i="1">
+                        <a:latin typeface="Cambria Math" panose="02040503050406030204" pitchFamily="18" charset="0"/>
+                      </a:rPr>
+                      <m:t>𝐶</m:t>
+                    </m:r>
+                    <m:nary>
+                      <m:naryPr>
+                        <m:chr m:val="∑"/>
+                        <m:ctrlPr>
+                          <a:rPr lang="pt-BR" i="1">
+                            <a:latin typeface="Cambria Math" panose="02040503050406030204" pitchFamily="18" charset="0"/>
+                          </a:rPr>
+                        </m:ctrlPr>
+                      </m:naryPr>
+                      <m:sub>
+                        <m:r>
+                          <m:rPr>
+                            <m:brk m:alnAt="23"/>
+                          </m:rPr>
+                          <a:rPr lang="pt-BR" i="1">
+                            <a:latin typeface="Cambria Math" panose="02040503050406030204" pitchFamily="18" charset="0"/>
+                          </a:rPr>
+                          <m:t>𝑛</m:t>
+                        </m:r>
+                        <m:r>
+                          <a:rPr lang="pt-BR" i="1">
+                            <a:latin typeface="Cambria Math" panose="02040503050406030204" pitchFamily="18" charset="0"/>
+                          </a:rPr>
+                          <m:t>=1</m:t>
+                        </m:r>
+                      </m:sub>
+                      <m:sup>
+                        <m:r>
+                          <a:rPr lang="pt-BR" i="1">
+                            <a:latin typeface="Cambria Math" panose="02040503050406030204" pitchFamily="18" charset="0"/>
+                          </a:rPr>
+                          <m:t>𝑁</m:t>
+                        </m:r>
+                      </m:sup>
+                      <m:e>
+                        <m:sSub>
+                          <m:sSubPr>
+                            <m:ctrlPr>
+                              <a:rPr lang="pt-BR" i="1">
+                                <a:latin typeface="Cambria Math" panose="02040503050406030204" pitchFamily="18" charset="0"/>
+                              </a:rPr>
+                            </m:ctrlPr>
+                          </m:sSubPr>
+                          <m:e>
+                            <m:r>
+                              <a:rPr lang="pt-BR" i="1">
+                                <a:latin typeface="Cambria Math" panose="02040503050406030204" pitchFamily="18" charset="0"/>
+                                <a:ea typeface="Cambria Math" panose="02040503050406030204" pitchFamily="18" charset="0"/>
+                              </a:rPr>
+                              <m:t>𝜀</m:t>
+                            </m:r>
+                          </m:e>
+                          <m:sub>
+                            <m:r>
+                              <a:rPr lang="pt-BR" i="1">
+                                <a:latin typeface="Cambria Math" panose="02040503050406030204" pitchFamily="18" charset="0"/>
+                              </a:rPr>
+                              <m:t>𝑛</m:t>
+                            </m:r>
+                          </m:sub>
+                        </m:sSub>
+                      </m:e>
+                    </m:nary>
+                  </m:oMath>
+                </a14:m>
+                <a:endParaRPr lang="pt-BR" i="1" dirty="0" smtClean="0">
+                  <a:latin typeface="Cambria Math" panose="02040503050406030204" pitchFamily="18" charset="0"/>
+                  <a:ea typeface="Cambria Math" panose="02040503050406030204" pitchFamily="18" charset="0"/>
+                </a:endParaRPr>
+              </a:p>
+              <a:p>
+                <a14:m>
+                  <m:oMath xmlns:m="http://schemas.openxmlformats.org/officeDocument/2006/math">
+                    <m:r>
+                      <a:rPr lang="pt-BR" b="1" i="1" smtClean="0">
+                        <a:latin typeface="Cambria Math" panose="02040503050406030204" pitchFamily="18" charset="0"/>
+                        <a:ea typeface="Cambria Math" panose="02040503050406030204" pitchFamily="18" charset="0"/>
+                      </a:rPr>
+                      <m:t>𝜺</m:t>
+                    </m:r>
+                  </m:oMath>
+                </a14:m>
+                <a:r>
+                  <a:rPr lang="pt-BR" b="1" dirty="0" smtClean="0"/>
+                  <a:t>: </a:t>
+                </a:r>
+                <a:r>
+                  <a:rPr lang="pt-BR" dirty="0" smtClean="0"/>
+                  <a:t>Aumenta a sensibilidade do SVM</a:t>
+                </a:r>
+              </a:p>
+              <a:p>
+                <a:r>
+                  <a:rPr lang="pt-BR" b="1" dirty="0" smtClean="0"/>
+                  <a:t>C: </a:t>
+                </a:r>
+                <a:r>
+                  <a:rPr lang="pt-BR" dirty="0" smtClean="0"/>
+                  <a:t>Controla o comprometimento entre as margens grandes e pequenas violações de margem</a:t>
+                </a:r>
+              </a:p>
+              <a:p>
+                <a14:m>
+                  <m:oMath xmlns:m="http://schemas.openxmlformats.org/officeDocument/2006/math">
+                    <m:r>
+                      <a:rPr lang="pt-BR" b="1" i="1" smtClean="0">
+                        <a:latin typeface="Cambria Math" panose="02040503050406030204" pitchFamily="18" charset="0"/>
+                        <a:ea typeface="Cambria Math" panose="02040503050406030204" pitchFamily="18" charset="0"/>
+                      </a:rPr>
+                      <m:t>𝜸</m:t>
+                    </m:r>
+                  </m:oMath>
+                </a14:m>
+                <a:r>
+                  <a:rPr lang="pt-BR" b="1" dirty="0" smtClean="0"/>
+                  <a:t>: </a:t>
+                </a:r>
+                <a:r>
+                  <a:rPr lang="pt-BR" dirty="0" smtClean="0"/>
+                  <a:t>Define até onde um único exemplo de treinamento influência no modelo.</a:t>
+                </a:r>
+                <a:r>
+                  <a:rPr lang="pt-BR" dirty="0">
+                    <a:ea typeface="Cambria Math" panose="02040503050406030204" pitchFamily="18" charset="0"/>
+                  </a:rPr>
+                  <a:t> </a:t>
+                </a:r>
+                <a:endParaRPr lang="pt-BR" dirty="0" smtClean="0">
+                  <a:ea typeface="Cambria Math" panose="02040503050406030204" pitchFamily="18" charset="0"/>
+                </a:endParaRPr>
+              </a:p>
+              <a:p>
+                <a:endParaRPr lang="pt-BR" dirty="0" smtClean="0"/>
+              </a:p>
+              <a:p>
+                <a:endParaRPr lang="pt-BR" dirty="0" smtClean="0"/>
+              </a:p>
+            </p:txBody>
+          </p:sp>
+        </mc:Choice>
+        <mc:Fallback>
+          <p:sp>
+            <p:nvSpPr>
+              <p:cNvPr id="2" name="Content Placeholder 1"/>
+              <p:cNvSpPr>
+                <a:spLocks noGrp="1" noRot="1" noChangeAspect="1" noMove="1" noResize="1" noEditPoints="1" noAdjustHandles="1" noChangeArrowheads="1" noChangeShapeType="1" noTextEdit="1"/>
+              </p:cNvSpPr>
+              <p:nvPr>
+                <p:ph sz="half" idx="1"/>
+              </p:nvPr>
+            </p:nvSpPr>
+            <p:spPr>
+              <a:xfrm>
+                <a:off x="838199" y="1825625"/>
+                <a:ext cx="10882745" cy="4351338"/>
+              </a:xfrm>
+              <a:blipFill>
+                <a:blip r:embed="rId4"/>
+                <a:stretch>
+                  <a:fillRect l="-952" t="-560"/>
+                </a:stretch>
+              </a:blipFill>
+            </p:spPr>
+            <p:txBody>
+              <a:bodyPr/>
+              <a:lstStyle/>
+              <a:p>
+                <a:r>
+                  <a:rPr lang="pt-BR">
+                    <a:noFill/>
+                  </a:rPr>
+                  <a:t> </a:t>
+                </a:r>
+              </a:p>
+            </p:txBody>
+          </p:sp>
+        </mc:Fallback>
+      </mc:AlternateContent>
+      <p:grpSp>
+        <p:nvGrpSpPr>
+          <p:cNvPr id="10" name="Group 9"/>
+          <p:cNvGrpSpPr/>
+          <p:nvPr/>
+        </p:nvGrpSpPr>
+        <p:grpSpPr>
+          <a:xfrm>
+            <a:off x="304800" y="6013799"/>
+            <a:ext cx="2710543" cy="576000"/>
+            <a:chOff x="304800" y="6013799"/>
+            <a:chExt cx="2710543" cy="580164"/>
+          </a:xfrm>
+        </p:grpSpPr>
+        <p:pic>
+          <p:nvPicPr>
+            <p:cNvPr id="11" name="Picture 10"/>
+            <p:cNvPicPr>
+              <a:picLocks noChangeAspect="1"/>
+            </p:cNvPicPr>
+            <p:nvPr/>
+          </p:nvPicPr>
+          <p:blipFill>
+            <a:blip r:embed="rId5">
+              <a:extLst>
+                <a:ext uri="{28A0092B-C50C-407E-A947-70E740481C1C}">
+                  <a14:useLocalDpi xmlns:a14="http://schemas.microsoft.com/office/drawing/2010/main" val="0"/>
+                </a:ext>
+              </a:extLst>
+            </a:blip>
+            <a:stretch>
+              <a:fillRect/>
+            </a:stretch>
+          </p:blipFill>
+          <p:spPr>
+            <a:xfrm>
+              <a:off x="304800" y="6017963"/>
+              <a:ext cx="1396364" cy="576000"/>
+            </a:xfrm>
+            <a:prstGeom prst="rect">
+              <a:avLst/>
+            </a:prstGeom>
+          </p:spPr>
+        </p:pic>
+        <p:pic>
+          <p:nvPicPr>
+            <p:cNvPr id="12" name="Picture 11"/>
+            <p:cNvPicPr>
+              <a:picLocks noChangeAspect="1"/>
+            </p:cNvPicPr>
+            <p:nvPr/>
+          </p:nvPicPr>
+          <p:blipFill>
+            <a:blip r:embed="rId6" cstate="print">
+              <a:extLst>
+                <a:ext uri="{28A0092B-C50C-407E-A947-70E740481C1C}">
+                  <a14:useLocalDpi xmlns:a14="http://schemas.microsoft.com/office/drawing/2010/main" val="0"/>
+                </a:ext>
+              </a:extLst>
+            </a:blip>
+            <a:stretch>
+              <a:fillRect/>
+            </a:stretch>
+          </p:blipFill>
+          <p:spPr>
+            <a:xfrm>
+              <a:off x="1928551" y="6013799"/>
+              <a:ext cx="1086792" cy="576000"/>
+            </a:xfrm>
+            <a:prstGeom prst="rect">
+              <a:avLst/>
+            </a:prstGeom>
+          </p:spPr>
+        </p:pic>
+      </p:grpSp>
+    </p:spTree>
+    <p:extLst>
+      <p:ext uri="{BB962C8B-B14F-4D97-AF65-F5344CB8AC3E}">
+        <p14:creationId xmlns:p14="http://schemas.microsoft.com/office/powerpoint/2010/main" val="2482109071"/>
+      </p:ext>
+    </p:extLst>
+  </p:cSld>
+  <p:clrMapOvr>
+    <a:masterClrMapping/>
+  </p:clrMapOvr>
+  <p:timing>
+    <p:tnLst>
+      <p:par>
+        <p:cTn id="1" dur="indefinite" restart="never" nodeType="tmRoot"/>
+      </p:par>
+    </p:tnLst>
+  </p:timing>
+</p:sld>
+</file>
+
+<file path=ppt/slides/slide11.xml><?xml version="1.0" encoding="utf-8"?>
+<p:sld xmlns:a="http://schemas.openxmlformats.org/drawingml/2006/main" xmlns:r="http://schemas.openxmlformats.org/officeDocument/2006/relationships" xmlns:p="http://schemas.openxmlformats.org/presentationml/2006/main">
+  <p:cSld>
+    <p:spTree>
+      <p:nvGrpSpPr>
+        <p:cNvPr id="1" name=""/>
+        <p:cNvGrpSpPr/>
+        <p:nvPr/>
+      </p:nvGrpSpPr>
+      <p:grpSpPr>
+        <a:xfrm>
+          <a:off x="0" y="0"/>
+          <a:ext cx="0" cy="0"/>
+          <a:chOff x="0" y="0"/>
+          <a:chExt cx="0" cy="0"/>
+        </a:xfrm>
+      </p:grpSpPr>
+      <p:pic>
+        <p:nvPicPr>
+          <p:cNvPr id="4" name="Picture 3"/>
+          <p:cNvPicPr>
+            <a:picLocks noChangeAspect="1"/>
+          </p:cNvPicPr>
+          <p:nvPr/>
+        </p:nvPicPr>
+        <p:blipFill>
+          <a:blip r:embed="rId3" cstate="print">
+            <a:extLst>
+              <a:ext uri="{28A0092B-C50C-407E-A947-70E740481C1C}">
+                <a14:useLocalDpi xmlns:a14="http://schemas.microsoft.com/office/drawing/2010/main" val="0"/>
+              </a:ext>
+            </a:extLst>
+          </a:blip>
+          <a:stretch>
+            <a:fillRect/>
+          </a:stretch>
+        </p:blipFill>
+        <p:spPr>
+          <a:xfrm>
+            <a:off x="304800" y="138835"/>
+            <a:ext cx="983528" cy="983528"/>
+          </a:xfrm>
+          <a:prstGeom prst="rect">
+            <a:avLst/>
+          </a:prstGeom>
+        </p:spPr>
+      </p:pic>
+      <p:cxnSp>
+        <p:nvCxnSpPr>
+          <p:cNvPr id="8" name="Straight Connector 7"/>
+          <p:cNvCxnSpPr/>
+          <p:nvPr/>
+        </p:nvCxnSpPr>
+        <p:spPr>
+          <a:xfrm>
+            <a:off x="0" y="6677891"/>
+            <a:ext cx="12192000" cy="0"/>
+          </a:xfrm>
+          <a:prstGeom prst="line">
+            <a:avLst/>
+          </a:prstGeom>
+          <a:ln>
+            <a:solidFill>
+              <a:schemeClr val="tx1"/>
+            </a:solidFill>
+          </a:ln>
+        </p:spPr>
+        <p:style>
+          <a:lnRef idx="1">
+            <a:schemeClr val="accent1"/>
+          </a:lnRef>
+          <a:fillRef idx="0">
+            <a:schemeClr val="accent1"/>
+          </a:fillRef>
+          <a:effectRef idx="0">
+            <a:schemeClr val="accent1"/>
+          </a:effectRef>
+          <a:fontRef idx="minor">
+            <a:schemeClr val="tx1"/>
+          </a:fontRef>
+        </p:style>
+      </p:cxnSp>
+      <p:sp>
+        <p:nvSpPr>
+          <p:cNvPr id="9" name="TextBox 8"/>
+          <p:cNvSpPr txBox="1"/>
+          <p:nvPr/>
+        </p:nvSpPr>
+        <p:spPr>
+          <a:xfrm>
+            <a:off x="10668000" y="6392488"/>
+            <a:ext cx="1234633" cy="369332"/>
+          </a:xfrm>
+          <a:prstGeom prst="rect">
+            <a:avLst/>
+          </a:prstGeom>
+          <a:noFill/>
+        </p:spPr>
+        <p:txBody>
+          <a:bodyPr wrap="none" rtlCol="0">
+            <a:spAutoFit/>
+          </a:bodyPr>
+          <a:lstStyle/>
+          <a:p>
+            <a:r>
+              <a:rPr lang="pt-BR" dirty="0" smtClean="0">
+                <a:solidFill>
+                  <a:schemeClr val="bg1">
+                    <a:lumMod val="50000"/>
+                  </a:schemeClr>
+                </a:solidFill>
+              </a:rPr>
+              <a:t>CIn.ufpe.br</a:t>
+            </a:r>
+            <a:endParaRPr lang="pt-BR" dirty="0">
+              <a:solidFill>
+                <a:schemeClr val="bg1">
+                  <a:lumMod val="50000"/>
+                </a:schemeClr>
+              </a:solidFill>
+            </a:endParaRPr>
+          </a:p>
+        </p:txBody>
+      </p:sp>
+      <p:sp>
+        <p:nvSpPr>
+          <p:cNvPr id="7" name="Title 6"/>
+          <p:cNvSpPr>
+            <a:spLocks noGrp="1"/>
+          </p:cNvSpPr>
+          <p:nvPr>
+            <p:ph type="title"/>
+          </p:nvPr>
+        </p:nvSpPr>
+        <p:spPr>
+          <a:xfrm>
+            <a:off x="1791854" y="138836"/>
+            <a:ext cx="9561945" cy="983528"/>
+          </a:xfrm>
+        </p:spPr>
+        <p:txBody>
+          <a:bodyPr/>
+          <a:lstStyle/>
+          <a:p>
+            <a:r>
               <a:rPr lang="pt-BR" b="1" dirty="0" err="1" smtClean="0">
                 <a:solidFill>
                   <a:srgbClr val="FF182C"/>
@@ -4955,7 +7277,7 @@
               <a:t>Baseado em dois algoritmos </a:t>
             </a:r>
             <a:r>
-              <a:rPr lang="en-US" i="1" dirty="0"/>
+              <a:rPr lang="en-US" b="1" i="1" dirty="0"/>
               <a:t>Gradient-based One Side Sampling</a:t>
             </a:r>
             <a:r>
@@ -4963,12 +7285,16 @@
               <a:t> (GOSS) e </a:t>
             </a:r>
             <a:r>
-              <a:rPr lang="en-US" i="1" dirty="0"/>
+              <a:rPr lang="en-US" b="1" i="1" dirty="0"/>
               <a:t>Exclusive Feature Bundling</a:t>
             </a:r>
             <a:r>
+              <a:rPr lang="en-US" b="1" dirty="0"/>
+              <a:t> </a:t>
+            </a:r>
+            <a:r>
               <a:rPr lang="en-US" dirty="0"/>
-              <a:t> (EFB</a:t>
+              <a:t>(EFB</a:t>
             </a:r>
             <a:r>
               <a:rPr lang="en-US" dirty="0" smtClean="0"/>
@@ -5079,6 +7405,29 @@
           </p:spPr>
         </p:pic>
       </p:grpSp>
+      <p:pic>
+        <p:nvPicPr>
+          <p:cNvPr id="6" name="Picture 5"/>
+          <p:cNvPicPr>
+            <a:picLocks noChangeAspect="1"/>
+          </p:cNvPicPr>
+          <p:nvPr/>
+        </p:nvPicPr>
+        <p:blipFill rotWithShape="1">
+          <a:blip r:embed="rId6"/>
+          <a:srcRect l="945" t="3756" r="984" b="9512"/>
+          <a:stretch/>
+        </p:blipFill>
+        <p:spPr>
+          <a:xfrm>
+            <a:off x="7013253" y="1825625"/>
+            <a:ext cx="1847635" cy="415157"/>
+          </a:xfrm>
+          <a:prstGeom prst="rect">
+            <a:avLst/>
+          </a:prstGeom>
+        </p:spPr>
+      </p:pic>
     </p:spTree>
     <p:extLst>
       <p:ext uri="{BB962C8B-B14F-4D97-AF65-F5344CB8AC3E}">
@@ -5099,7 +7448,7 @@
 </p:sld>
 </file>
 
-<file path=ppt/slides/slide11.xml><?xml version="1.0" encoding="utf-8"?>
+<file path=ppt/slides/slide12.xml><?xml version="1.0" encoding="utf-8"?>
 <p:sld xmlns:a="http://schemas.openxmlformats.org/drawingml/2006/main" xmlns:r="http://schemas.openxmlformats.org/officeDocument/2006/relationships" xmlns:p="http://schemas.openxmlformats.org/presentationml/2006/main">
   <p:cSld>
     <p:spTree>
@@ -5619,310 +7968,6 @@
 </p:sld>
 </file>
 
-<file path=ppt/slides/slide12.xml><?xml version="1.0" encoding="utf-8"?>
-<p:sld xmlns:a="http://schemas.openxmlformats.org/drawingml/2006/main" xmlns:r="http://schemas.openxmlformats.org/officeDocument/2006/relationships" xmlns:p="http://schemas.openxmlformats.org/presentationml/2006/main">
-  <p:cSld>
-    <p:spTree>
-      <p:nvGrpSpPr>
-        <p:cNvPr id="1" name=""/>
-        <p:cNvGrpSpPr/>
-        <p:nvPr/>
-      </p:nvGrpSpPr>
-      <p:grpSpPr>
-        <a:xfrm>
-          <a:off x="0" y="0"/>
-          <a:ext cx="0" cy="0"/>
-          <a:chOff x="0" y="0"/>
-          <a:chExt cx="0" cy="0"/>
-        </a:xfrm>
-      </p:grpSpPr>
-      <p:pic>
-        <p:nvPicPr>
-          <p:cNvPr id="4" name="Picture 3"/>
-          <p:cNvPicPr>
-            <a:picLocks noChangeAspect="1"/>
-          </p:cNvPicPr>
-          <p:nvPr/>
-        </p:nvPicPr>
-        <p:blipFill>
-          <a:blip r:embed="rId3" cstate="print">
-            <a:extLst>
-              <a:ext uri="{28A0092B-C50C-407E-A947-70E740481C1C}">
-                <a14:useLocalDpi xmlns:a14="http://schemas.microsoft.com/office/drawing/2010/main" val="0"/>
-              </a:ext>
-            </a:extLst>
-          </a:blip>
-          <a:stretch>
-            <a:fillRect/>
-          </a:stretch>
-        </p:blipFill>
-        <p:spPr>
-          <a:xfrm>
-            <a:off x="304800" y="138835"/>
-            <a:ext cx="983528" cy="983528"/>
-          </a:xfrm>
-          <a:prstGeom prst="rect">
-            <a:avLst/>
-          </a:prstGeom>
-        </p:spPr>
-      </p:pic>
-      <p:cxnSp>
-        <p:nvCxnSpPr>
-          <p:cNvPr id="8" name="Straight Connector 7"/>
-          <p:cNvCxnSpPr/>
-          <p:nvPr/>
-        </p:nvCxnSpPr>
-        <p:spPr>
-          <a:xfrm>
-            <a:off x="0" y="6677891"/>
-            <a:ext cx="12192000" cy="0"/>
-          </a:xfrm>
-          <a:prstGeom prst="line">
-            <a:avLst/>
-          </a:prstGeom>
-          <a:ln>
-            <a:solidFill>
-              <a:schemeClr val="tx1"/>
-            </a:solidFill>
-          </a:ln>
-        </p:spPr>
-        <p:style>
-          <a:lnRef idx="1">
-            <a:schemeClr val="accent1"/>
-          </a:lnRef>
-          <a:fillRef idx="0">
-            <a:schemeClr val="accent1"/>
-          </a:fillRef>
-          <a:effectRef idx="0">
-            <a:schemeClr val="accent1"/>
-          </a:effectRef>
-          <a:fontRef idx="minor">
-            <a:schemeClr val="tx1"/>
-          </a:fontRef>
-        </p:style>
-      </p:cxnSp>
-      <p:sp>
-        <p:nvSpPr>
-          <p:cNvPr id="9" name="TextBox 8"/>
-          <p:cNvSpPr txBox="1"/>
-          <p:nvPr/>
-        </p:nvSpPr>
-        <p:spPr>
-          <a:xfrm>
-            <a:off x="10668000" y="6392488"/>
-            <a:ext cx="1234633" cy="369332"/>
-          </a:xfrm>
-          <a:prstGeom prst="rect">
-            <a:avLst/>
-          </a:prstGeom>
-          <a:noFill/>
-        </p:spPr>
-        <p:txBody>
-          <a:bodyPr wrap="none" rtlCol="0">
-            <a:spAutoFit/>
-          </a:bodyPr>
-          <a:lstStyle/>
-          <a:p>
-            <a:r>
-              <a:rPr lang="pt-BR" dirty="0" smtClean="0">
-                <a:solidFill>
-                  <a:schemeClr val="bg1">
-                    <a:lumMod val="50000"/>
-                  </a:schemeClr>
-                </a:solidFill>
-              </a:rPr>
-              <a:t>CIn.ufpe.br</a:t>
-            </a:r>
-            <a:endParaRPr lang="pt-BR" dirty="0">
-              <a:solidFill>
-                <a:schemeClr val="bg1">
-                  <a:lumMod val="50000"/>
-                </a:schemeClr>
-              </a:solidFill>
-            </a:endParaRPr>
-          </a:p>
-        </p:txBody>
-      </p:sp>
-      <p:sp>
-        <p:nvSpPr>
-          <p:cNvPr id="7" name="Title 6"/>
-          <p:cNvSpPr>
-            <a:spLocks noGrp="1"/>
-          </p:cNvSpPr>
-          <p:nvPr>
-            <p:ph type="title"/>
-          </p:nvPr>
-        </p:nvSpPr>
-        <p:spPr>
-          <a:xfrm>
-            <a:off x="1791854" y="138836"/>
-            <a:ext cx="9561945" cy="983528"/>
-          </a:xfrm>
-        </p:spPr>
-        <p:txBody>
-          <a:bodyPr>
-            <a:normAutofit fontScale="90000"/>
-          </a:bodyPr>
-          <a:lstStyle/>
-          <a:p>
-            <a:pPr algn="ctr"/>
-            <a:r>
-              <a:rPr lang="en-US" b="1" i="1" dirty="0">
-                <a:solidFill>
-                  <a:srgbClr val="FF0000"/>
-                </a:solidFill>
-                <a:latin typeface="Noto Sans" panose="020B0502040504020204" pitchFamily="34"/>
-                <a:ea typeface="Noto Sans" panose="020B0502040504020204" pitchFamily="34"/>
-                <a:cs typeface="Noto Sans" panose="020B0502040504020204" pitchFamily="34"/>
-              </a:rPr>
-              <a:t>Gradient-based One Side Sampling</a:t>
-            </a:r>
-            <a:r>
-              <a:rPr lang="en-US" b="1" dirty="0">
-                <a:solidFill>
-                  <a:srgbClr val="FF0000"/>
-                </a:solidFill>
-                <a:latin typeface="Noto Sans" panose="020B0502040504020204" pitchFamily="34"/>
-                <a:ea typeface="Noto Sans" panose="020B0502040504020204" pitchFamily="34"/>
-                <a:cs typeface="Noto Sans" panose="020B0502040504020204" pitchFamily="34"/>
-              </a:rPr>
-              <a:t> (GOSS)</a:t>
-            </a:r>
-            <a:endParaRPr lang="pt-BR" b="1" dirty="0">
-              <a:solidFill>
-                <a:srgbClr val="FF0000"/>
-              </a:solidFill>
-              <a:latin typeface="Noto Sans" panose="020B0502040504020204" pitchFamily="34"/>
-              <a:ea typeface="Noto Sans" panose="020B0502040504020204" pitchFamily="34"/>
-              <a:cs typeface="Noto Sans" panose="020B0502040504020204" pitchFamily="34"/>
-            </a:endParaRPr>
-          </a:p>
-        </p:txBody>
-      </p:sp>
-      <p:sp>
-        <p:nvSpPr>
-          <p:cNvPr id="2" name="Content Placeholder 1"/>
-          <p:cNvSpPr>
-            <a:spLocks noGrp="1"/>
-          </p:cNvSpPr>
-          <p:nvPr>
-            <p:ph sz="half" idx="1"/>
-          </p:nvPr>
-        </p:nvSpPr>
-        <p:spPr>
-          <a:xfrm>
-            <a:off x="838199" y="1825625"/>
-            <a:ext cx="10882745" cy="4351338"/>
-          </a:xfrm>
-        </p:spPr>
-        <p:txBody>
-          <a:bodyPr>
-            <a:normAutofit/>
-          </a:bodyPr>
-          <a:lstStyle/>
-          <a:p>
-            <a:r>
-              <a:rPr lang="pt-BR" dirty="0" smtClean="0"/>
-              <a:t>Responsável por encontrar um equilíbrio entre reduzir os números de instâncias e manter a acurácia da árvore de decisão;</a:t>
-            </a:r>
-          </a:p>
-        </p:txBody>
-      </p:sp>
-      <p:grpSp>
-        <p:nvGrpSpPr>
-          <p:cNvPr id="10" name="Group 9"/>
-          <p:cNvGrpSpPr/>
-          <p:nvPr/>
-        </p:nvGrpSpPr>
-        <p:grpSpPr>
-          <a:xfrm>
-            <a:off x="304800" y="6013799"/>
-            <a:ext cx="2710543" cy="576000"/>
-            <a:chOff x="304800" y="6013799"/>
-            <a:chExt cx="2710543" cy="580164"/>
-          </a:xfrm>
-        </p:grpSpPr>
-        <p:pic>
-          <p:nvPicPr>
-            <p:cNvPr id="11" name="Picture 10"/>
-            <p:cNvPicPr>
-              <a:picLocks noChangeAspect="1"/>
-            </p:cNvPicPr>
-            <p:nvPr/>
-          </p:nvPicPr>
-          <p:blipFill>
-            <a:blip r:embed="rId4">
-              <a:extLst>
-                <a:ext uri="{28A0092B-C50C-407E-A947-70E740481C1C}">
-                  <a14:useLocalDpi xmlns:a14="http://schemas.microsoft.com/office/drawing/2010/main" val="0"/>
-                </a:ext>
-              </a:extLst>
-            </a:blip>
-            <a:stretch>
-              <a:fillRect/>
-            </a:stretch>
-          </p:blipFill>
-          <p:spPr>
-            <a:xfrm>
-              <a:off x="304800" y="6017963"/>
-              <a:ext cx="1396364" cy="576000"/>
-            </a:xfrm>
-            <a:prstGeom prst="rect">
-              <a:avLst/>
-            </a:prstGeom>
-          </p:spPr>
-        </p:pic>
-        <p:pic>
-          <p:nvPicPr>
-            <p:cNvPr id="12" name="Picture 11"/>
-            <p:cNvPicPr>
-              <a:picLocks noChangeAspect="1"/>
-            </p:cNvPicPr>
-            <p:nvPr/>
-          </p:nvPicPr>
-          <p:blipFill>
-            <a:blip r:embed="rId5" cstate="print">
-              <a:extLst>
-                <a:ext uri="{28A0092B-C50C-407E-A947-70E740481C1C}">
-                  <a14:useLocalDpi xmlns:a14="http://schemas.microsoft.com/office/drawing/2010/main" val="0"/>
-                </a:ext>
-              </a:extLst>
-            </a:blip>
-            <a:stretch>
-              <a:fillRect/>
-            </a:stretch>
-          </p:blipFill>
-          <p:spPr>
-            <a:xfrm>
-              <a:off x="1928551" y="6013799"/>
-              <a:ext cx="1086792" cy="576000"/>
-            </a:xfrm>
-            <a:prstGeom prst="rect">
-              <a:avLst/>
-            </a:prstGeom>
-          </p:spPr>
-        </p:pic>
-      </p:grpSp>
-    </p:spTree>
-    <p:extLst>
-      <p:ext uri="{BB962C8B-B14F-4D97-AF65-F5344CB8AC3E}">
-        <p14:creationId xmlns:p14="http://schemas.microsoft.com/office/powerpoint/2010/main" val="2753332002"/>
-      </p:ext>
-    </p:extLst>
-  </p:cSld>
-  <p:clrMapOvr>
-    <a:masterClrMapping/>
-  </p:clrMapOvr>
-  <p:timing>
-    <p:tnLst>
-      <p:par>
-        <p:cTn id="1" dur="indefinite" restart="never" nodeType="tmRoot"/>
-      </p:par>
-    </p:tnLst>
-  </p:timing>
-</p:sld>
-</file>
-
 <file path=ppt/slides/slide13.xml><?xml version="1.0" encoding="utf-8"?>
 <p:sld xmlns:a="http://schemas.openxmlformats.org/drawingml/2006/main" xmlns:r="http://schemas.openxmlformats.org/officeDocument/2006/relationships" xmlns:p="http://schemas.openxmlformats.org/presentationml/2006/main">
   <p:cSld>
@@ -6065,7 +8110,7 @@
         </p:spPr>
         <p:txBody>
           <a:bodyPr>
-            <a:normAutofit/>
+            <a:normAutofit fontScale="90000"/>
           </a:bodyPr>
           <a:lstStyle/>
           <a:p>
@@ -6079,7 +8124,7 @@
                 <a:ea typeface="Noto Sans" panose="020B0502040504020204" pitchFamily="34"/>
                 <a:cs typeface="Noto Sans" panose="020B0502040504020204" pitchFamily="34"/>
               </a:rPr>
-              <a:t>Exclusive Feature Bundling</a:t>
+              <a:t>Gradient-based One Side Sampling</a:t>
             </a:r>
             <a:r>
               <a:rPr lang="en-US" b="1" dirty="0">
@@ -6090,18 +8135,7 @@
                 <a:ea typeface="Noto Sans" panose="020B0502040504020204" pitchFamily="34"/>
                 <a:cs typeface="Noto Sans" panose="020B0502040504020204" pitchFamily="34"/>
               </a:rPr>
-              <a:t> (EFB</a:t>
-            </a:r>
-            <a:r>
-              <a:rPr lang="en-US" b="1" dirty="0" smtClean="0">
-                <a:solidFill>
-                  <a:srgbClr val="FF0000"/>
-                </a:solidFill>
-                <a:latin typeface="Noto Sans" panose="020B0502040504020204" pitchFamily="34"/>
-                <a:ea typeface="Noto Sans" panose="020B0502040504020204" pitchFamily="34"/>
-                <a:cs typeface="Noto Sans" panose="020B0502040504020204" pitchFamily="34"/>
-              </a:rPr>
-              <a:t>):</a:t>
+              <a:t> (GOSS)</a:t>
             </a:r>
             <a:endParaRPr lang="pt-BR" b="1" dirty="0">
               <a:solidFill>
@@ -6136,9 +8170,36 @@
           </a:bodyPr>
           <a:lstStyle/>
           <a:p>
-            <a:pPr marL="0" indent="0">
-              <a:buNone/>
+            <a:r>
+              <a:rPr lang="pt-BR" dirty="0" smtClean="0"/>
+              <a:t>Responsável por encontrar um equilíbrio entre reduzir os números de instâncias e manter a acurácia da árvore de decisão</a:t>
+            </a:r>
+            <a:r>
+              <a:rPr lang="pt-BR" dirty="0" smtClean="0"/>
+              <a:t>;</a:t>
+            </a:r>
+          </a:p>
+          <a:p>
+            <a:r>
+              <a:rPr lang="pt-BR" dirty="0" smtClean="0"/>
+              <a:t>Faz amostragem das instâncias com base nos gradientes:</a:t>
+            </a:r>
+          </a:p>
+          <a:p>
+            <a:pPr lvl="1">
+              <a:buFont typeface="Wingdings" panose="05000000000000000000" pitchFamily="2" charset="2"/>
+              <a:buChar char="Ø"/>
             </a:pPr>
+            <a:r>
+              <a:rPr lang="pt-BR" dirty="0"/>
+              <a:t> </a:t>
+            </a:r>
+            <a:r>
+              <a:rPr lang="pt-BR" dirty="0" smtClean="0"/>
+              <a:t>Feito para garantir que não altere a distribuição dos dados</a:t>
+            </a:r>
+          </a:p>
+          <a:p>
             <a:endParaRPr lang="pt-BR" dirty="0" smtClean="0"/>
           </a:p>
         </p:txBody>
@@ -6221,7 +8282,7 @@
     </p:spTree>
     <p:extLst>
       <p:ext uri="{BB962C8B-B14F-4D97-AF65-F5344CB8AC3E}">
-        <p14:creationId xmlns:p14="http://schemas.microsoft.com/office/powerpoint/2010/main" val="406615060"/>
+        <p14:creationId xmlns:p14="http://schemas.microsoft.com/office/powerpoint/2010/main" val="2753332002"/>
       </p:ext>
     </p:extLst>
   </p:cSld>
@@ -6364,7 +8425,7 @@
       </p:sp>
       <p:sp>
         <p:nvSpPr>
-          <p:cNvPr id="5" name="Title 4"/>
+          <p:cNvPr id="7" name="Title 6"/>
           <p:cNvSpPr>
             <a:spLocks noGrp="1"/>
           </p:cNvSpPr>
@@ -6372,25 +8433,55 @@
             <p:ph type="title"/>
           </p:nvPr>
         </p:nvSpPr>
-        <p:spPr/>
+        <p:spPr>
+          <a:xfrm>
+            <a:off x="1791854" y="138836"/>
+            <a:ext cx="9561945" cy="983528"/>
+          </a:xfrm>
+        </p:spPr>
         <p:txBody>
-          <a:bodyPr/>
+          <a:bodyPr>
+            <a:normAutofit/>
+          </a:bodyPr>
           <a:lstStyle/>
           <a:p>
-            <a:r>
-              <a:rPr lang="pt-BR" b="1" dirty="0" smtClean="0">
+            <a:pPr algn="ctr"/>
+            <a:r>
+              <a:rPr lang="en-US" b="1" i="1" dirty="0">
                 <a:solidFill>
-                  <a:srgbClr val="FF182C"/>
+                  <a:srgbClr val="FF0000"/>
                 </a:solidFill>
                 <a:latin typeface="Noto Sans" panose="020B0502040504020204" pitchFamily="34"/>
                 <a:ea typeface="Noto Sans" panose="020B0502040504020204" pitchFamily="34"/>
                 <a:cs typeface="Noto Sans" panose="020B0502040504020204" pitchFamily="34"/>
               </a:rPr>
-              <a:t>Trabalho Relacionados</a:t>
+              <a:t>Exclusive Feature Bundling</a:t>
+            </a:r>
+            <a:r>
+              <a:rPr lang="en-US" b="1" dirty="0">
+                <a:solidFill>
+                  <a:srgbClr val="FF0000"/>
+                </a:solidFill>
+                <a:latin typeface="Noto Sans" panose="020B0502040504020204" pitchFamily="34"/>
+                <a:ea typeface="Noto Sans" panose="020B0502040504020204" pitchFamily="34"/>
+                <a:cs typeface="Noto Sans" panose="020B0502040504020204" pitchFamily="34"/>
+              </a:rPr>
+              <a:t> (EFB</a:t>
+            </a:r>
+            <a:r>
+              <a:rPr lang="en-US" b="1" dirty="0" smtClean="0">
+                <a:solidFill>
+                  <a:srgbClr val="FF0000"/>
+                </a:solidFill>
+                <a:latin typeface="Noto Sans" panose="020B0502040504020204" pitchFamily="34"/>
+                <a:ea typeface="Noto Sans" panose="020B0502040504020204" pitchFamily="34"/>
+                <a:cs typeface="Noto Sans" panose="020B0502040504020204" pitchFamily="34"/>
+              </a:rPr>
+              <a:t>):</a:t>
             </a:r>
             <a:endParaRPr lang="pt-BR" b="1" dirty="0">
               <a:solidFill>
-                <a:srgbClr val="FF182C"/>
+                <a:srgbClr val="FF0000"/>
               </a:solidFill>
               <a:latin typeface="Noto Sans" panose="020B0502040504020204" pitchFamily="34"/>
               <a:ea typeface="Noto Sans" panose="020B0502040504020204" pitchFamily="34"/>
@@ -6399,28 +8490,313 @@
           </a:p>
         </p:txBody>
       </p:sp>
-      <p:sp>
-        <p:nvSpPr>
-          <p:cNvPr id="6" name="Text Placeholder 5"/>
-          <p:cNvSpPr>
-            <a:spLocks noGrp="1"/>
-          </p:cNvSpPr>
-          <p:nvPr>
-            <p:ph type="body" idx="1"/>
-          </p:nvPr>
-        </p:nvSpPr>
-        <p:spPr/>
-        <p:txBody>
-          <a:bodyPr/>
-          <a:lstStyle/>
-          <a:p>
-            <a:endParaRPr lang="pt-BR" dirty="0"/>
-          </a:p>
-        </p:txBody>
-      </p:sp>
+      <mc:AlternateContent xmlns:mc="http://schemas.openxmlformats.org/markup-compatibility/2006">
+        <mc:Choice xmlns:a14="http://schemas.microsoft.com/office/drawing/2010/main" Requires="a14">
+          <p:sp>
+            <p:nvSpPr>
+              <p:cNvPr id="2" name="Content Placeholder 1"/>
+              <p:cNvSpPr>
+                <a:spLocks noGrp="1"/>
+              </p:cNvSpPr>
+              <p:nvPr>
+                <p:ph sz="half" idx="1"/>
+              </p:nvPr>
+            </p:nvSpPr>
+            <p:spPr>
+              <a:xfrm>
+                <a:off x="838199" y="1825625"/>
+                <a:ext cx="10882745" cy="4351338"/>
+              </a:xfrm>
+            </p:spPr>
+            <p:txBody>
+              <a:bodyPr>
+                <a:normAutofit lnSpcReduction="10000"/>
+              </a:bodyPr>
+              <a:lstStyle/>
+              <a:p>
+                <a:r>
+                  <a:rPr lang="pt-BR" dirty="0" smtClean="0"/>
+                  <a:t>Responsável por reduzir o número de </a:t>
+                </a:r>
+                <a:r>
+                  <a:rPr lang="pt-BR" i="1" dirty="0" smtClean="0"/>
+                  <a:t>features:</a:t>
+                </a:r>
+              </a:p>
+              <a:p>
+                <a:pPr lvl="1">
+                  <a:buFont typeface="Wingdings" panose="05000000000000000000" pitchFamily="2" charset="2"/>
+                  <a:buChar char="Ø"/>
+                </a:pPr>
+                <a:r>
+                  <a:rPr lang="pt-BR" i="1" dirty="0"/>
+                  <a:t> </a:t>
+                </a:r>
+                <a:r>
+                  <a:rPr lang="pt-BR" dirty="0" smtClean="0"/>
+                  <a:t>Muitas </a:t>
+                </a:r>
+                <a:r>
+                  <a:rPr lang="pt-BR" i="1" dirty="0" smtClean="0"/>
+                  <a:t>features</a:t>
+                </a:r>
+                <a:r>
+                  <a:rPr lang="pt-BR" dirty="0" smtClean="0"/>
+                  <a:t> são mutuamente exclusivas;</a:t>
+                </a:r>
+              </a:p>
+              <a:p>
+                <a:pPr lvl="1">
+                  <a:buFont typeface="Wingdings" panose="05000000000000000000" pitchFamily="2" charset="2"/>
+                  <a:buChar char="Ø"/>
+                </a:pPr>
+                <a:r>
+                  <a:rPr lang="pt-BR" i="1" dirty="0"/>
+                  <a:t> </a:t>
+                </a:r>
+                <a:r>
+                  <a:rPr lang="pt-BR" dirty="0" smtClean="0"/>
+                  <a:t>É possível agrupar as features que são mutuamente exclusivas em uma única </a:t>
+                </a:r>
+                <a:r>
+                  <a:rPr lang="pt-BR" i="1" dirty="0" smtClean="0"/>
+                  <a:t>feature;</a:t>
+                </a:r>
+              </a:p>
+              <a:p>
+                <a:pPr lvl="1">
+                  <a:buFont typeface="Wingdings" panose="05000000000000000000" pitchFamily="2" charset="2"/>
+                  <a:buChar char="Ø"/>
+                </a:pPr>
+                <a:r>
+                  <a:rPr lang="pt-BR" dirty="0" smtClean="0"/>
+                  <a:t>O agrupamento é conhecido como </a:t>
+                </a:r>
+                <a:r>
+                  <a:rPr lang="pt-BR" i="1" dirty="0" smtClean="0"/>
+                  <a:t>bundle</a:t>
+                </a:r>
+                <a:r>
+                  <a:rPr lang="pt-BR" dirty="0" smtClean="0"/>
+                  <a:t>, no qual, #</a:t>
+                </a:r>
+                <a:r>
+                  <a:rPr lang="pt-BR" i="1" dirty="0" smtClean="0"/>
+                  <a:t>bundle</a:t>
+                </a:r>
+                <a:r>
+                  <a:rPr lang="pt-BR" dirty="0" smtClean="0"/>
+                  <a:t> &lt;&lt; #</a:t>
+                </a:r>
+                <a:r>
+                  <a:rPr lang="pt-BR" i="1" dirty="0" smtClean="0"/>
+                  <a:t>feature.</a:t>
+                </a:r>
+              </a:p>
+              <a:p>
+                <a:r>
+                  <a:rPr lang="pt-BR" dirty="0" smtClean="0"/>
+                  <a:t>EFB divide-se em duas partes:</a:t>
+                </a:r>
+              </a:p>
+              <a:p>
+                <a:pPr lvl="1">
+                  <a:buFont typeface="Wingdings" panose="05000000000000000000" pitchFamily="2" charset="2"/>
+                  <a:buChar char="Ø"/>
+                </a:pPr>
+                <a:r>
+                  <a:rPr lang="pt-BR" dirty="0" smtClean="0"/>
+                  <a:t>Identificar as </a:t>
+                </a:r>
+                <a:r>
+                  <a:rPr lang="pt-BR" i="1" dirty="0" smtClean="0"/>
+                  <a:t>features </a:t>
+                </a:r>
+                <a:r>
+                  <a:rPr lang="pt-BR" dirty="0" smtClean="0"/>
+                  <a:t> que são podem ser agrupadas;</a:t>
+                </a:r>
+              </a:p>
+              <a:p>
+                <a:pPr lvl="1">
+                  <a:buFont typeface="Wingdings" panose="05000000000000000000" pitchFamily="2" charset="2"/>
+                  <a:buChar char="Ø"/>
+                </a:pPr>
+                <a:r>
+                  <a:rPr lang="pt-BR" dirty="0" smtClean="0"/>
+                  <a:t>Utilizar um algoritmo para mesclar as </a:t>
+                </a:r>
+                <a:r>
+                  <a:rPr lang="pt-BR" i="1" dirty="0" smtClean="0"/>
+                  <a:t>features.</a:t>
+                </a:r>
+                <a:endParaRPr lang="pt-BR" dirty="0"/>
+              </a:p>
+              <a:p>
+                <a:r>
+                  <a:rPr lang="pt-BR" dirty="0" smtClean="0"/>
+                  <a:t>Tempo de construção do histograma:</a:t>
+                </a:r>
+              </a:p>
+              <a:p>
+                <a:pPr lvl="1">
+                  <a:buFont typeface="Wingdings" panose="05000000000000000000" pitchFamily="2" charset="2"/>
+                  <a:buChar char="Ø"/>
+                </a:pPr>
+                <a:r>
+                  <a:rPr lang="pt-BR" dirty="0" smtClean="0"/>
+                  <a:t>Antes: </a:t>
+                </a:r>
+                <a14:m>
+                  <m:oMath xmlns:m="http://schemas.openxmlformats.org/officeDocument/2006/math">
+                    <m:r>
+                      <a:rPr lang="pt-BR" b="0" i="1" smtClean="0">
+                        <a:latin typeface="Cambria Math" panose="02040503050406030204" pitchFamily="18" charset="0"/>
+                      </a:rPr>
+                      <m:t>𝑂</m:t>
+                    </m:r>
+                    <m:d>
+                      <m:dPr>
+                        <m:ctrlPr>
+                          <a:rPr lang="pt-BR" b="0" i="1" smtClean="0">
+                            <a:latin typeface="Cambria Math" panose="02040503050406030204" pitchFamily="18" charset="0"/>
+                          </a:rPr>
+                        </m:ctrlPr>
+                      </m:dPr>
+                      <m:e>
+                        <m:r>
+                          <a:rPr lang="pt-BR" b="0" i="1" smtClean="0">
+                            <a:latin typeface="Cambria Math" panose="02040503050406030204" pitchFamily="18" charset="0"/>
+                          </a:rPr>
+                          <m:t>#</m:t>
+                        </m:r>
+                        <m:r>
+                          <a:rPr lang="pt-BR" b="0" i="1" smtClean="0">
+                            <a:latin typeface="Cambria Math" panose="02040503050406030204" pitchFamily="18" charset="0"/>
+                          </a:rPr>
+                          <m:t>𝑑𝑎𝑑𝑜𝑠</m:t>
+                        </m:r>
+                        <m:r>
+                          <a:rPr lang="pt-BR" b="0" i="1" smtClean="0">
+                            <a:latin typeface="Cambria Math" panose="02040503050406030204" pitchFamily="18" charset="0"/>
+                          </a:rPr>
+                          <m:t> ∗ #</m:t>
+                        </m:r>
+                        <m:r>
+                          <a:rPr lang="pt-BR" b="0" i="1" smtClean="0">
+                            <a:latin typeface="Cambria Math" panose="02040503050406030204" pitchFamily="18" charset="0"/>
+                          </a:rPr>
+                          <m:t>𝑓𝑒𝑎𝑡𝑢𝑟𝑒𝑠</m:t>
+                        </m:r>
+                      </m:e>
+                    </m:d>
+                  </m:oMath>
+                </a14:m>
+                <a:endParaRPr lang="pt-BR" b="0" dirty="0" smtClean="0"/>
+              </a:p>
+              <a:p>
+                <a:pPr lvl="1">
+                  <a:buFont typeface="Wingdings" panose="05000000000000000000" pitchFamily="2" charset="2"/>
+                  <a:buChar char="Ø"/>
+                </a:pPr>
+                <a:r>
+                  <a:rPr lang="pt-BR" dirty="0" smtClean="0"/>
+                  <a:t>Depois: </a:t>
+                </a:r>
+                <a14:m>
+                  <m:oMath xmlns:m="http://schemas.openxmlformats.org/officeDocument/2006/math">
+                    <m:r>
+                      <a:rPr lang="pt-BR" i="1">
+                        <a:latin typeface="Cambria Math" panose="02040503050406030204" pitchFamily="18" charset="0"/>
+                      </a:rPr>
+                      <m:t>𝑂</m:t>
+                    </m:r>
+                    <m:d>
+                      <m:dPr>
+                        <m:ctrlPr>
+                          <a:rPr lang="pt-BR" i="1">
+                            <a:latin typeface="Cambria Math" panose="02040503050406030204" pitchFamily="18" charset="0"/>
+                          </a:rPr>
+                        </m:ctrlPr>
+                      </m:dPr>
+                      <m:e>
+                        <m:r>
+                          <a:rPr lang="pt-BR" i="1">
+                            <a:latin typeface="Cambria Math" panose="02040503050406030204" pitchFamily="18" charset="0"/>
+                          </a:rPr>
+                          <m:t>#</m:t>
+                        </m:r>
+                        <m:r>
+                          <a:rPr lang="pt-BR" i="1">
+                            <a:latin typeface="Cambria Math" panose="02040503050406030204" pitchFamily="18" charset="0"/>
+                          </a:rPr>
+                          <m:t>𝑑𝑎𝑑𝑜𝑠</m:t>
+                        </m:r>
+                        <m:r>
+                          <a:rPr lang="pt-BR" i="1">
+                            <a:latin typeface="Cambria Math" panose="02040503050406030204" pitchFamily="18" charset="0"/>
+                          </a:rPr>
+                          <m:t> ∗ #</m:t>
+                        </m:r>
+                        <m:r>
+                          <a:rPr lang="pt-BR" b="0" i="1" smtClean="0">
+                            <a:latin typeface="Cambria Math" panose="02040503050406030204" pitchFamily="18" charset="0"/>
+                          </a:rPr>
+                          <m:t>𝑏𝑢𝑛𝑑𝑙𝑒</m:t>
+                        </m:r>
+                      </m:e>
+                    </m:d>
+                  </m:oMath>
+                </a14:m>
+                <a:endParaRPr lang="pt-BR" dirty="0" smtClean="0"/>
+              </a:p>
+              <a:p>
+                <a:endParaRPr lang="pt-BR" dirty="0" smtClean="0"/>
+              </a:p>
+            </p:txBody>
+          </p:sp>
+        </mc:Choice>
+        <mc:Fallback>
+          <p:sp>
+            <p:nvSpPr>
+              <p:cNvPr id="2" name="Content Placeholder 1"/>
+              <p:cNvSpPr>
+                <a:spLocks noGrp="1" noRot="1" noChangeAspect="1" noMove="1" noResize="1" noEditPoints="1" noAdjustHandles="1" noChangeArrowheads="1" noChangeShapeType="1" noTextEdit="1"/>
+              </p:cNvSpPr>
+              <p:nvPr>
+                <p:ph sz="half" idx="1"/>
+              </p:nvPr>
+            </p:nvSpPr>
+            <p:spPr>
+              <a:xfrm>
+                <a:off x="838199" y="1825625"/>
+                <a:ext cx="10882745" cy="4351338"/>
+              </a:xfrm>
+              <a:blipFill>
+                <a:blip r:embed="rId4"/>
+                <a:stretch>
+                  <a:fillRect l="-952" t="-3081"/>
+                </a:stretch>
+              </a:blipFill>
+            </p:spPr>
+            <p:txBody>
+              <a:bodyPr/>
+              <a:lstStyle/>
+              <a:p>
+                <a:r>
+                  <a:rPr lang="pt-BR">
+                    <a:noFill/>
+                  </a:rPr>
+                  <a:t> </a:t>
+                </a:r>
+              </a:p>
+            </p:txBody>
+          </p:sp>
+        </mc:Fallback>
+      </mc:AlternateContent>
       <p:grpSp>
         <p:nvGrpSpPr>
-          <p:cNvPr id="7" name="Group 6"/>
+          <p:cNvPr id="10" name="Group 9"/>
           <p:cNvGrpSpPr/>
           <p:nvPr/>
         </p:nvGrpSpPr>
@@ -6434,14 +8810,14 @@
         </p:grpSpPr>
         <p:pic>
           <p:nvPicPr>
-            <p:cNvPr id="10" name="Picture 9"/>
+            <p:cNvPr id="11" name="Picture 10"/>
             <p:cNvPicPr>
               <a:picLocks noChangeAspect="1"/>
             </p:cNvPicPr>
             <p:nvPr/>
           </p:nvPicPr>
           <p:blipFill>
-            <a:blip r:embed="rId4">
+            <a:blip r:embed="rId5">
               <a:extLst>
                 <a:ext uri="{28A0092B-C50C-407E-A947-70E740481C1C}">
                   <a14:useLocalDpi xmlns:a14="http://schemas.microsoft.com/office/drawing/2010/main" val="0"/>
@@ -6464,14 +8840,14 @@
         </p:pic>
         <p:pic>
           <p:nvPicPr>
-            <p:cNvPr id="11" name="Picture 10"/>
+            <p:cNvPr id="12" name="Picture 11"/>
             <p:cNvPicPr>
               <a:picLocks noChangeAspect="1"/>
             </p:cNvPicPr>
             <p:nvPr/>
           </p:nvPicPr>
           <p:blipFill>
-            <a:blip r:embed="rId5" cstate="print">
+            <a:blip r:embed="rId6" cstate="print">
               <a:extLst>
                 <a:ext uri="{28A0092B-C50C-407E-A947-70E740481C1C}">
                   <a14:useLocalDpi xmlns:a14="http://schemas.microsoft.com/office/drawing/2010/main" val="0"/>
@@ -6496,7 +8872,7 @@
     </p:spTree>
     <p:extLst>
       <p:ext uri="{BB962C8B-B14F-4D97-AF65-F5344CB8AC3E}">
-        <p14:creationId xmlns:p14="http://schemas.microsoft.com/office/powerpoint/2010/main" val="1954251699"/>
+        <p14:creationId xmlns:p14="http://schemas.microsoft.com/office/powerpoint/2010/main" val="406615060"/>
       </p:ext>
     </p:extLst>
   </p:cSld>
@@ -6654,6 +9030,852 @@
           </a:xfrm>
         </p:spPr>
         <p:txBody>
+          <a:bodyPr>
+            <a:normAutofit/>
+          </a:bodyPr>
+          <a:lstStyle/>
+          <a:p>
+            <a:pPr algn="ctr"/>
+            <a:r>
+              <a:rPr lang="en-US" b="1" i="1" dirty="0" err="1" smtClean="0">
+                <a:solidFill>
+                  <a:srgbClr val="FF0000"/>
+                </a:solidFill>
+                <a:latin typeface="Noto Sans" panose="020B0502040504020204" pitchFamily="34"/>
+                <a:ea typeface="Noto Sans" panose="020B0502040504020204" pitchFamily="34"/>
+                <a:cs typeface="Noto Sans" panose="020B0502040504020204" pitchFamily="34"/>
+              </a:rPr>
+              <a:t>Parâmetros</a:t>
+            </a:r>
+            <a:r>
+              <a:rPr lang="en-US" b="1" i="1" dirty="0" smtClean="0">
+                <a:solidFill>
+                  <a:srgbClr val="FF0000"/>
+                </a:solidFill>
+                <a:latin typeface="Noto Sans" panose="020B0502040504020204" pitchFamily="34"/>
+                <a:ea typeface="Noto Sans" panose="020B0502040504020204" pitchFamily="34"/>
+                <a:cs typeface="Noto Sans" panose="020B0502040504020204" pitchFamily="34"/>
+              </a:rPr>
+              <a:t> do </a:t>
+            </a:r>
+            <a:r>
+              <a:rPr lang="en-US" b="1" i="1" dirty="0" err="1" smtClean="0">
+                <a:solidFill>
+                  <a:srgbClr val="FF0000"/>
+                </a:solidFill>
+                <a:latin typeface="Noto Sans" panose="020B0502040504020204" pitchFamily="34"/>
+                <a:ea typeface="Noto Sans" panose="020B0502040504020204" pitchFamily="34"/>
+                <a:cs typeface="Noto Sans" panose="020B0502040504020204" pitchFamily="34"/>
+              </a:rPr>
+              <a:t>LightGBM</a:t>
+            </a:r>
+            <a:endParaRPr lang="pt-BR" b="1" dirty="0">
+              <a:solidFill>
+                <a:srgbClr val="FF0000"/>
+              </a:solidFill>
+              <a:latin typeface="Noto Sans" panose="020B0502040504020204" pitchFamily="34"/>
+              <a:ea typeface="Noto Sans" panose="020B0502040504020204" pitchFamily="34"/>
+              <a:cs typeface="Noto Sans" panose="020B0502040504020204" pitchFamily="34"/>
+            </a:endParaRPr>
+          </a:p>
+        </p:txBody>
+      </p:sp>
+      <mc:AlternateContent xmlns:mc="http://schemas.openxmlformats.org/markup-compatibility/2006">
+        <mc:Choice xmlns:a14="http://schemas.microsoft.com/office/drawing/2010/main" Requires="a14">
+          <p:sp>
+            <p:nvSpPr>
+              <p:cNvPr id="2" name="Content Placeholder 1"/>
+              <p:cNvSpPr>
+                <a:spLocks noGrp="1"/>
+              </p:cNvSpPr>
+              <p:nvPr>
+                <p:ph sz="half" idx="1"/>
+              </p:nvPr>
+            </p:nvSpPr>
+            <p:spPr>
+              <a:xfrm>
+                <a:off x="838199" y="1825625"/>
+                <a:ext cx="10882745" cy="4188173"/>
+              </a:xfrm>
+            </p:spPr>
+            <p:txBody>
+              <a:bodyPr>
+                <a:normAutofit fontScale="92500" lnSpcReduction="20000"/>
+              </a:bodyPr>
+              <a:lstStyle/>
+              <a:p>
+                <a:r>
+                  <a:rPr lang="pt-BR" b="1" i="1" dirty="0" smtClean="0"/>
+                  <a:t>Max_depth: </a:t>
+                </a:r>
+                <a:r>
+                  <a:rPr lang="pt-BR" dirty="0" smtClean="0"/>
+                  <a:t>Limita a profundidade da árvore;</a:t>
+                </a:r>
+                <a:endParaRPr lang="pt-BR" i="1" dirty="0" smtClean="0"/>
+              </a:p>
+              <a:p>
+                <a:r>
+                  <a:rPr lang="pt-BR" b="1" i="1" dirty="0" smtClean="0"/>
+                  <a:t>Num_leaves</a:t>
+                </a:r>
+                <a:r>
+                  <a:rPr lang="pt-BR" b="1" i="1" dirty="0" smtClean="0"/>
+                  <a:t>: </a:t>
+                </a:r>
+                <a:r>
+                  <a:rPr lang="pt-BR" dirty="0" smtClean="0"/>
+                  <a:t>Número máximo de folhas em uma árvore. Valor &lt; </a:t>
+                </a:r>
+                <a14:m>
+                  <m:oMath xmlns:m="http://schemas.openxmlformats.org/officeDocument/2006/math">
+                    <m:sSup>
+                      <m:sSupPr>
+                        <m:ctrlPr>
+                          <a:rPr lang="pt-BR" i="1" smtClean="0">
+                            <a:latin typeface="Cambria Math" panose="02040503050406030204" pitchFamily="18" charset="0"/>
+                          </a:rPr>
+                        </m:ctrlPr>
+                      </m:sSupPr>
+                      <m:e>
+                        <m:r>
+                          <a:rPr lang="pt-BR" b="0" i="1" smtClean="0">
+                            <a:latin typeface="Cambria Math" panose="02040503050406030204" pitchFamily="18" charset="0"/>
+                          </a:rPr>
+                          <m:t>2</m:t>
+                        </m:r>
+                      </m:e>
+                      <m:sup>
+                        <m:r>
+                          <a:rPr lang="pt-BR" b="0" i="1" smtClean="0">
+                            <a:latin typeface="Cambria Math" panose="02040503050406030204" pitchFamily="18" charset="0"/>
+                          </a:rPr>
+                          <m:t>(</m:t>
+                        </m:r>
+                        <m:r>
+                          <m:rPr>
+                            <m:sty m:val="p"/>
+                          </m:rPr>
+                          <a:rPr lang="pt-BR" b="0" i="0" smtClean="0">
+                            <a:latin typeface="Cambria Math" panose="02040503050406030204" pitchFamily="18" charset="0"/>
+                          </a:rPr>
+                          <m:t>max</m:t>
+                        </m:r>
+                        <m:r>
+                          <a:rPr lang="pt-BR" b="0" i="1" smtClean="0">
+                            <a:latin typeface="Cambria Math" panose="02040503050406030204" pitchFamily="18" charset="0"/>
+                          </a:rPr>
+                          <m:t>⁡_</m:t>
+                        </m:r>
+                        <m:r>
+                          <a:rPr lang="pt-BR" b="0" i="1" smtClean="0">
+                            <a:latin typeface="Cambria Math" panose="02040503050406030204" pitchFamily="18" charset="0"/>
+                          </a:rPr>
+                          <m:t>𝑑𝑒𝑝𝑡h</m:t>
+                        </m:r>
+                        <m:r>
+                          <a:rPr lang="pt-BR" b="0" i="1" smtClean="0">
+                            <a:latin typeface="Cambria Math" panose="02040503050406030204" pitchFamily="18" charset="0"/>
+                          </a:rPr>
+                          <m:t>)</m:t>
+                        </m:r>
+                      </m:sup>
+                    </m:sSup>
+                  </m:oMath>
+                </a14:m>
+                <a:endParaRPr lang="pt-BR" i="1" dirty="0" smtClean="0"/>
+              </a:p>
+              <a:p>
+                <a:r>
+                  <a:rPr lang="pt-BR" b="1" i="1" dirty="0" smtClean="0"/>
+                  <a:t>Min_data_in_leaf</a:t>
+                </a:r>
+                <a:r>
+                  <a:rPr lang="pt-BR" b="1" i="1" dirty="0" smtClean="0"/>
+                  <a:t>:</a:t>
+                </a:r>
+                <a:r>
+                  <a:rPr lang="pt-BR" b="1" dirty="0" smtClean="0"/>
+                  <a:t> </a:t>
+                </a:r>
+                <a:r>
+                  <a:rPr lang="pt-BR" dirty="0" smtClean="0"/>
+                  <a:t>Número mínimo de registos que uma folha pode ter.</a:t>
+                </a:r>
+                <a:endParaRPr lang="pt-BR" b="1" i="1" dirty="0" smtClean="0"/>
+              </a:p>
+              <a:p>
+                <a:r>
+                  <a:rPr lang="pt-BR" b="1" i="1" dirty="0" smtClean="0"/>
+                  <a:t>Feature_fraction</a:t>
+                </a:r>
+                <a:r>
+                  <a:rPr lang="pt-BR" b="1" i="1" dirty="0" smtClean="0"/>
+                  <a:t>: </a:t>
+                </a:r>
+                <a:r>
+                  <a:rPr lang="pt-BR" dirty="0" smtClean="0"/>
+                  <a:t>Seleciona uma porcentagem de </a:t>
+                </a:r>
+                <a:r>
+                  <a:rPr lang="pt-BR" i="1" dirty="0" smtClean="0"/>
+                  <a:t>features</a:t>
+                </a:r>
+                <a:r>
+                  <a:rPr lang="pt-BR" dirty="0" smtClean="0"/>
+                  <a:t> a cada interação para a construção das árvores;</a:t>
+                </a:r>
+                <a:endParaRPr lang="pt-BR" dirty="0" smtClean="0"/>
+              </a:p>
+              <a:p>
+                <a:r>
+                  <a:rPr lang="pt-BR" b="1" i="1" dirty="0" smtClean="0"/>
+                  <a:t>Lambda_l1 e Lambda_l2</a:t>
+                </a:r>
+                <a:r>
+                  <a:rPr lang="pt-BR" b="1" i="1" dirty="0" smtClean="0"/>
+                  <a:t>: </a:t>
+                </a:r>
+                <a:r>
+                  <a:rPr lang="pt-BR" dirty="0" smtClean="0"/>
+                  <a:t>Controlam a regularização L1 e L2;</a:t>
+                </a:r>
+                <a:endParaRPr lang="pt-BR" b="1" i="1" dirty="0" smtClean="0"/>
+              </a:p>
+              <a:p>
+                <a:r>
+                  <a:rPr lang="pt-BR" b="1" i="1" dirty="0" smtClean="0"/>
+                  <a:t>Min_split_gain</a:t>
+                </a:r>
+                <a:r>
+                  <a:rPr lang="pt-BR" b="1" i="1" dirty="0" smtClean="0"/>
+                  <a:t>: </a:t>
+                </a:r>
+                <a:r>
+                  <a:rPr lang="pt-BR" dirty="0" smtClean="0"/>
+                  <a:t>Defini o ganho mínimo para realizar o </a:t>
+                </a:r>
+                <a:r>
+                  <a:rPr lang="pt-BR" i="1" dirty="0" smtClean="0"/>
+                  <a:t>split</a:t>
+                </a:r>
+                <a:r>
+                  <a:rPr lang="pt-BR" dirty="0" smtClean="0"/>
+                  <a:t>;</a:t>
+                </a:r>
+                <a:endParaRPr lang="pt-BR" b="1" i="1" dirty="0" smtClean="0"/>
+              </a:p>
+              <a:p>
+                <a:r>
+                  <a:rPr lang="pt-BR" b="1" i="1" dirty="0" smtClean="0"/>
+                  <a:t>Min_child_weight</a:t>
+                </a:r>
+                <a:r>
+                  <a:rPr lang="pt-BR" b="1" i="1" dirty="0" smtClean="0"/>
+                  <a:t>: </a:t>
+                </a:r>
+                <a:r>
+                  <a:rPr lang="pt-BR" dirty="0" smtClean="0"/>
+                  <a:t>É o </a:t>
+                </a:r>
+                <a:r>
+                  <a:rPr lang="pt-BR" i="1" dirty="0" smtClean="0"/>
+                  <a:t>hessian</a:t>
+                </a:r>
+                <a:r>
+                  <a:rPr lang="pt-BR" dirty="0" smtClean="0"/>
+                  <a:t> da soma mínima em uma folha;</a:t>
+                </a:r>
+                <a:endParaRPr lang="pt-BR" b="1" i="1" dirty="0" smtClean="0"/>
+              </a:p>
+              <a:p>
+                <a:r>
+                  <a:rPr lang="pt-BR" b="1" i="1" dirty="0" smtClean="0"/>
+                  <a:t>Top_rate</a:t>
+                </a:r>
+                <a:r>
+                  <a:rPr lang="pt-BR" b="1" i="1" dirty="0" smtClean="0"/>
+                  <a:t>: </a:t>
+                </a:r>
+                <a:r>
+                  <a:rPr lang="pt-BR" dirty="0" smtClean="0"/>
+                  <a:t>Faz a retenção de dados de gradientes grandes;</a:t>
+                </a:r>
+                <a:endParaRPr lang="pt-BR" b="1" i="1" dirty="0" smtClean="0"/>
+              </a:p>
+              <a:p>
+                <a:r>
+                  <a:rPr lang="pt-BR" b="1" i="1" dirty="0" smtClean="0"/>
+                  <a:t>Other_rate</a:t>
+                </a:r>
+                <a:r>
+                  <a:rPr lang="pt-BR" b="1" i="1" dirty="0" smtClean="0"/>
+                  <a:t>: </a:t>
+                </a:r>
+                <a:r>
+                  <a:rPr lang="pt-BR" dirty="0" smtClean="0"/>
+                  <a:t>Faz a retenção de dados de gradientes pequenos.</a:t>
+                </a:r>
+                <a:endParaRPr lang="pt-BR" b="1" i="1" dirty="0" smtClean="0"/>
+              </a:p>
+              <a:p>
+                <a:pPr marL="0" indent="0">
+                  <a:buNone/>
+                </a:pPr>
+                <a:endParaRPr lang="pt-BR" dirty="0" smtClean="0"/>
+              </a:p>
+            </p:txBody>
+          </p:sp>
+        </mc:Choice>
+        <mc:Fallback>
+          <p:sp>
+            <p:nvSpPr>
+              <p:cNvPr id="2" name="Content Placeholder 1"/>
+              <p:cNvSpPr>
+                <a:spLocks noGrp="1" noRot="1" noChangeAspect="1" noMove="1" noResize="1" noEditPoints="1" noAdjustHandles="1" noChangeArrowheads="1" noChangeShapeType="1" noTextEdit="1"/>
+              </p:cNvSpPr>
+              <p:nvPr>
+                <p:ph sz="half" idx="1"/>
+              </p:nvPr>
+            </p:nvSpPr>
+            <p:spPr>
+              <a:xfrm>
+                <a:off x="838199" y="1825625"/>
+                <a:ext cx="10882745" cy="4188173"/>
+              </a:xfrm>
+              <a:blipFill>
+                <a:blip r:embed="rId4"/>
+                <a:stretch>
+                  <a:fillRect l="-840" t="-3634"/>
+                </a:stretch>
+              </a:blipFill>
+            </p:spPr>
+            <p:txBody>
+              <a:bodyPr/>
+              <a:lstStyle/>
+              <a:p>
+                <a:r>
+                  <a:rPr lang="pt-BR">
+                    <a:noFill/>
+                  </a:rPr>
+                  <a:t> </a:t>
+                </a:r>
+              </a:p>
+            </p:txBody>
+          </p:sp>
+        </mc:Fallback>
+      </mc:AlternateContent>
+      <p:grpSp>
+        <p:nvGrpSpPr>
+          <p:cNvPr id="10" name="Group 9"/>
+          <p:cNvGrpSpPr/>
+          <p:nvPr/>
+        </p:nvGrpSpPr>
+        <p:grpSpPr>
+          <a:xfrm>
+            <a:off x="304800" y="6013799"/>
+            <a:ext cx="2710543" cy="576000"/>
+            <a:chOff x="304800" y="6013799"/>
+            <a:chExt cx="2710543" cy="580164"/>
+          </a:xfrm>
+        </p:grpSpPr>
+        <p:pic>
+          <p:nvPicPr>
+            <p:cNvPr id="11" name="Picture 10"/>
+            <p:cNvPicPr>
+              <a:picLocks noChangeAspect="1"/>
+            </p:cNvPicPr>
+            <p:nvPr/>
+          </p:nvPicPr>
+          <p:blipFill>
+            <a:blip r:embed="rId5">
+              <a:extLst>
+                <a:ext uri="{28A0092B-C50C-407E-A947-70E740481C1C}">
+                  <a14:useLocalDpi xmlns:a14="http://schemas.microsoft.com/office/drawing/2010/main" val="0"/>
+                </a:ext>
+              </a:extLst>
+            </a:blip>
+            <a:stretch>
+              <a:fillRect/>
+            </a:stretch>
+          </p:blipFill>
+          <p:spPr>
+            <a:xfrm>
+              <a:off x="304800" y="6017963"/>
+              <a:ext cx="1396364" cy="576000"/>
+            </a:xfrm>
+            <a:prstGeom prst="rect">
+              <a:avLst/>
+            </a:prstGeom>
+          </p:spPr>
+        </p:pic>
+        <p:pic>
+          <p:nvPicPr>
+            <p:cNvPr id="12" name="Picture 11"/>
+            <p:cNvPicPr>
+              <a:picLocks noChangeAspect="1"/>
+            </p:cNvPicPr>
+            <p:nvPr/>
+          </p:nvPicPr>
+          <p:blipFill>
+            <a:blip r:embed="rId6" cstate="print">
+              <a:extLst>
+                <a:ext uri="{28A0092B-C50C-407E-A947-70E740481C1C}">
+                  <a14:useLocalDpi xmlns:a14="http://schemas.microsoft.com/office/drawing/2010/main" val="0"/>
+                </a:ext>
+              </a:extLst>
+            </a:blip>
+            <a:stretch>
+              <a:fillRect/>
+            </a:stretch>
+          </p:blipFill>
+          <p:spPr>
+            <a:xfrm>
+              <a:off x="1928551" y="6013799"/>
+              <a:ext cx="1086792" cy="576000"/>
+            </a:xfrm>
+            <a:prstGeom prst="rect">
+              <a:avLst/>
+            </a:prstGeom>
+          </p:spPr>
+        </p:pic>
+      </p:grpSp>
+    </p:spTree>
+    <p:extLst>
+      <p:ext uri="{BB962C8B-B14F-4D97-AF65-F5344CB8AC3E}">
+        <p14:creationId xmlns:p14="http://schemas.microsoft.com/office/powerpoint/2010/main" val="2367275405"/>
+      </p:ext>
+    </p:extLst>
+  </p:cSld>
+  <p:clrMapOvr>
+    <a:masterClrMapping/>
+  </p:clrMapOvr>
+  <p:timing>
+    <p:tnLst>
+      <p:par>
+        <p:cTn id="1" dur="indefinite" restart="never" nodeType="tmRoot"/>
+      </p:par>
+    </p:tnLst>
+  </p:timing>
+</p:sld>
+</file>
+
+<file path=ppt/slides/slide16.xml><?xml version="1.0" encoding="utf-8"?>
+<p:sld xmlns:a="http://schemas.openxmlformats.org/drawingml/2006/main" xmlns:r="http://schemas.openxmlformats.org/officeDocument/2006/relationships" xmlns:p="http://schemas.openxmlformats.org/presentationml/2006/main">
+  <p:cSld>
+    <p:spTree>
+      <p:nvGrpSpPr>
+        <p:cNvPr id="1" name=""/>
+        <p:cNvGrpSpPr/>
+        <p:nvPr/>
+      </p:nvGrpSpPr>
+      <p:grpSpPr>
+        <a:xfrm>
+          <a:off x="0" y="0"/>
+          <a:ext cx="0" cy="0"/>
+          <a:chOff x="0" y="0"/>
+          <a:chExt cx="0" cy="0"/>
+        </a:xfrm>
+      </p:grpSpPr>
+      <p:pic>
+        <p:nvPicPr>
+          <p:cNvPr id="4" name="Picture 3"/>
+          <p:cNvPicPr>
+            <a:picLocks noChangeAspect="1"/>
+          </p:cNvPicPr>
+          <p:nvPr/>
+        </p:nvPicPr>
+        <p:blipFill>
+          <a:blip r:embed="rId3" cstate="print">
+            <a:extLst>
+              <a:ext uri="{28A0092B-C50C-407E-A947-70E740481C1C}">
+                <a14:useLocalDpi xmlns:a14="http://schemas.microsoft.com/office/drawing/2010/main" val="0"/>
+              </a:ext>
+            </a:extLst>
+          </a:blip>
+          <a:stretch>
+            <a:fillRect/>
+          </a:stretch>
+        </p:blipFill>
+        <p:spPr>
+          <a:xfrm>
+            <a:off x="304800" y="138835"/>
+            <a:ext cx="983528" cy="983528"/>
+          </a:xfrm>
+          <a:prstGeom prst="rect">
+            <a:avLst/>
+          </a:prstGeom>
+        </p:spPr>
+      </p:pic>
+      <p:cxnSp>
+        <p:nvCxnSpPr>
+          <p:cNvPr id="8" name="Straight Connector 7"/>
+          <p:cNvCxnSpPr/>
+          <p:nvPr/>
+        </p:nvCxnSpPr>
+        <p:spPr>
+          <a:xfrm>
+            <a:off x="0" y="6677891"/>
+            <a:ext cx="12192000" cy="0"/>
+          </a:xfrm>
+          <a:prstGeom prst="line">
+            <a:avLst/>
+          </a:prstGeom>
+          <a:ln>
+            <a:solidFill>
+              <a:schemeClr val="tx1"/>
+            </a:solidFill>
+          </a:ln>
+        </p:spPr>
+        <p:style>
+          <a:lnRef idx="1">
+            <a:schemeClr val="accent1"/>
+          </a:lnRef>
+          <a:fillRef idx="0">
+            <a:schemeClr val="accent1"/>
+          </a:fillRef>
+          <a:effectRef idx="0">
+            <a:schemeClr val="accent1"/>
+          </a:effectRef>
+          <a:fontRef idx="minor">
+            <a:schemeClr val="tx1"/>
+          </a:fontRef>
+        </p:style>
+      </p:cxnSp>
+      <p:sp>
+        <p:nvSpPr>
+          <p:cNvPr id="9" name="TextBox 8"/>
+          <p:cNvSpPr txBox="1"/>
+          <p:nvPr/>
+        </p:nvSpPr>
+        <p:spPr>
+          <a:xfrm>
+            <a:off x="10668000" y="6392488"/>
+            <a:ext cx="1234633" cy="369332"/>
+          </a:xfrm>
+          <a:prstGeom prst="rect">
+            <a:avLst/>
+          </a:prstGeom>
+          <a:noFill/>
+        </p:spPr>
+        <p:txBody>
+          <a:bodyPr wrap="none" rtlCol="0">
+            <a:spAutoFit/>
+          </a:bodyPr>
+          <a:lstStyle/>
+          <a:p>
+            <a:r>
+              <a:rPr lang="pt-BR" dirty="0" smtClean="0">
+                <a:solidFill>
+                  <a:schemeClr val="bg1">
+                    <a:lumMod val="50000"/>
+                  </a:schemeClr>
+                </a:solidFill>
+              </a:rPr>
+              <a:t>CIn.ufpe.br</a:t>
+            </a:r>
+            <a:endParaRPr lang="pt-BR" dirty="0">
+              <a:solidFill>
+                <a:schemeClr val="bg1">
+                  <a:lumMod val="50000"/>
+                </a:schemeClr>
+              </a:solidFill>
+            </a:endParaRPr>
+          </a:p>
+        </p:txBody>
+      </p:sp>
+      <p:sp>
+        <p:nvSpPr>
+          <p:cNvPr id="5" name="Title 4"/>
+          <p:cNvSpPr>
+            <a:spLocks noGrp="1"/>
+          </p:cNvSpPr>
+          <p:nvPr>
+            <p:ph type="title"/>
+          </p:nvPr>
+        </p:nvSpPr>
+        <p:spPr/>
+        <p:txBody>
+          <a:bodyPr/>
+          <a:lstStyle/>
+          <a:p>
+            <a:r>
+              <a:rPr lang="pt-BR" b="1" dirty="0" smtClean="0">
+                <a:solidFill>
+                  <a:srgbClr val="FF182C"/>
+                </a:solidFill>
+                <a:latin typeface="Noto Sans" panose="020B0502040504020204" pitchFamily="34"/>
+                <a:ea typeface="Noto Sans" panose="020B0502040504020204" pitchFamily="34"/>
+                <a:cs typeface="Noto Sans" panose="020B0502040504020204" pitchFamily="34"/>
+              </a:rPr>
+              <a:t>Trabalho Relacionados</a:t>
+            </a:r>
+            <a:endParaRPr lang="pt-BR" b="1" dirty="0">
+              <a:solidFill>
+                <a:srgbClr val="FF182C"/>
+              </a:solidFill>
+              <a:latin typeface="Noto Sans" panose="020B0502040504020204" pitchFamily="34"/>
+              <a:ea typeface="Noto Sans" panose="020B0502040504020204" pitchFamily="34"/>
+              <a:cs typeface="Noto Sans" panose="020B0502040504020204" pitchFamily="34"/>
+            </a:endParaRPr>
+          </a:p>
+        </p:txBody>
+      </p:sp>
+      <p:sp>
+        <p:nvSpPr>
+          <p:cNvPr id="6" name="Text Placeholder 5"/>
+          <p:cNvSpPr>
+            <a:spLocks noGrp="1"/>
+          </p:cNvSpPr>
+          <p:nvPr>
+            <p:ph type="body" idx="1"/>
+          </p:nvPr>
+        </p:nvSpPr>
+        <p:spPr/>
+        <p:txBody>
+          <a:bodyPr/>
+          <a:lstStyle/>
+          <a:p>
+            <a:endParaRPr lang="pt-BR" dirty="0"/>
+          </a:p>
+        </p:txBody>
+      </p:sp>
+      <p:grpSp>
+        <p:nvGrpSpPr>
+          <p:cNvPr id="7" name="Group 6"/>
+          <p:cNvGrpSpPr/>
+          <p:nvPr/>
+        </p:nvGrpSpPr>
+        <p:grpSpPr>
+          <a:xfrm>
+            <a:off x="304800" y="6013799"/>
+            <a:ext cx="2710543" cy="576000"/>
+            <a:chOff x="304800" y="6013799"/>
+            <a:chExt cx="2710543" cy="580164"/>
+          </a:xfrm>
+        </p:grpSpPr>
+        <p:pic>
+          <p:nvPicPr>
+            <p:cNvPr id="10" name="Picture 9"/>
+            <p:cNvPicPr>
+              <a:picLocks noChangeAspect="1"/>
+            </p:cNvPicPr>
+            <p:nvPr/>
+          </p:nvPicPr>
+          <p:blipFill>
+            <a:blip r:embed="rId4">
+              <a:extLst>
+                <a:ext uri="{28A0092B-C50C-407E-A947-70E740481C1C}">
+                  <a14:useLocalDpi xmlns:a14="http://schemas.microsoft.com/office/drawing/2010/main" val="0"/>
+                </a:ext>
+              </a:extLst>
+            </a:blip>
+            <a:stretch>
+              <a:fillRect/>
+            </a:stretch>
+          </p:blipFill>
+          <p:spPr>
+            <a:xfrm>
+              <a:off x="304800" y="6017963"/>
+              <a:ext cx="1396364" cy="576000"/>
+            </a:xfrm>
+            <a:prstGeom prst="rect">
+              <a:avLst/>
+            </a:prstGeom>
+          </p:spPr>
+        </p:pic>
+        <p:pic>
+          <p:nvPicPr>
+            <p:cNvPr id="11" name="Picture 10"/>
+            <p:cNvPicPr>
+              <a:picLocks noChangeAspect="1"/>
+            </p:cNvPicPr>
+            <p:nvPr/>
+          </p:nvPicPr>
+          <p:blipFill>
+            <a:blip r:embed="rId5" cstate="print">
+              <a:extLst>
+                <a:ext uri="{28A0092B-C50C-407E-A947-70E740481C1C}">
+                  <a14:useLocalDpi xmlns:a14="http://schemas.microsoft.com/office/drawing/2010/main" val="0"/>
+                </a:ext>
+              </a:extLst>
+            </a:blip>
+            <a:stretch>
+              <a:fillRect/>
+            </a:stretch>
+          </p:blipFill>
+          <p:spPr>
+            <a:xfrm>
+              <a:off x="1928551" y="6013799"/>
+              <a:ext cx="1086792" cy="576000"/>
+            </a:xfrm>
+            <a:prstGeom prst="rect">
+              <a:avLst/>
+            </a:prstGeom>
+          </p:spPr>
+        </p:pic>
+      </p:grpSp>
+    </p:spTree>
+    <p:extLst>
+      <p:ext uri="{BB962C8B-B14F-4D97-AF65-F5344CB8AC3E}">
+        <p14:creationId xmlns:p14="http://schemas.microsoft.com/office/powerpoint/2010/main" val="1954251699"/>
+      </p:ext>
+    </p:extLst>
+  </p:cSld>
+  <p:clrMapOvr>
+    <a:masterClrMapping/>
+  </p:clrMapOvr>
+  <p:timing>
+    <p:tnLst>
+      <p:par>
+        <p:cTn id="1" dur="indefinite" restart="never" nodeType="tmRoot"/>
+      </p:par>
+    </p:tnLst>
+  </p:timing>
+</p:sld>
+</file>
+
+<file path=ppt/slides/slide17.xml><?xml version="1.0" encoding="utf-8"?>
+<p:sld xmlns:a="http://schemas.openxmlformats.org/drawingml/2006/main" xmlns:r="http://schemas.openxmlformats.org/officeDocument/2006/relationships" xmlns:p="http://schemas.openxmlformats.org/presentationml/2006/main">
+  <p:cSld>
+    <p:spTree>
+      <p:nvGrpSpPr>
+        <p:cNvPr id="1" name=""/>
+        <p:cNvGrpSpPr/>
+        <p:nvPr/>
+      </p:nvGrpSpPr>
+      <p:grpSpPr>
+        <a:xfrm>
+          <a:off x="0" y="0"/>
+          <a:ext cx="0" cy="0"/>
+          <a:chOff x="0" y="0"/>
+          <a:chExt cx="0" cy="0"/>
+        </a:xfrm>
+      </p:grpSpPr>
+      <p:pic>
+        <p:nvPicPr>
+          <p:cNvPr id="4" name="Picture 3"/>
+          <p:cNvPicPr>
+            <a:picLocks noChangeAspect="1"/>
+          </p:cNvPicPr>
+          <p:nvPr/>
+        </p:nvPicPr>
+        <p:blipFill>
+          <a:blip r:embed="rId3" cstate="print">
+            <a:extLst>
+              <a:ext uri="{28A0092B-C50C-407E-A947-70E740481C1C}">
+                <a14:useLocalDpi xmlns:a14="http://schemas.microsoft.com/office/drawing/2010/main" val="0"/>
+              </a:ext>
+            </a:extLst>
+          </a:blip>
+          <a:stretch>
+            <a:fillRect/>
+          </a:stretch>
+        </p:blipFill>
+        <p:spPr>
+          <a:xfrm>
+            <a:off x="304800" y="138835"/>
+            <a:ext cx="983528" cy="983528"/>
+          </a:xfrm>
+          <a:prstGeom prst="rect">
+            <a:avLst/>
+          </a:prstGeom>
+        </p:spPr>
+      </p:pic>
+      <p:cxnSp>
+        <p:nvCxnSpPr>
+          <p:cNvPr id="8" name="Straight Connector 7"/>
+          <p:cNvCxnSpPr/>
+          <p:nvPr/>
+        </p:nvCxnSpPr>
+        <p:spPr>
+          <a:xfrm>
+            <a:off x="0" y="6677891"/>
+            <a:ext cx="12192000" cy="0"/>
+          </a:xfrm>
+          <a:prstGeom prst="line">
+            <a:avLst/>
+          </a:prstGeom>
+          <a:ln>
+            <a:solidFill>
+              <a:schemeClr val="tx1"/>
+            </a:solidFill>
+          </a:ln>
+        </p:spPr>
+        <p:style>
+          <a:lnRef idx="1">
+            <a:schemeClr val="accent1"/>
+          </a:lnRef>
+          <a:fillRef idx="0">
+            <a:schemeClr val="accent1"/>
+          </a:fillRef>
+          <a:effectRef idx="0">
+            <a:schemeClr val="accent1"/>
+          </a:effectRef>
+          <a:fontRef idx="minor">
+            <a:schemeClr val="tx1"/>
+          </a:fontRef>
+        </p:style>
+      </p:cxnSp>
+      <p:sp>
+        <p:nvSpPr>
+          <p:cNvPr id="9" name="TextBox 8"/>
+          <p:cNvSpPr txBox="1"/>
+          <p:nvPr/>
+        </p:nvSpPr>
+        <p:spPr>
+          <a:xfrm>
+            <a:off x="10668000" y="6392488"/>
+            <a:ext cx="1234633" cy="369332"/>
+          </a:xfrm>
+          <a:prstGeom prst="rect">
+            <a:avLst/>
+          </a:prstGeom>
+          <a:noFill/>
+        </p:spPr>
+        <p:txBody>
+          <a:bodyPr wrap="none" rtlCol="0">
+            <a:spAutoFit/>
+          </a:bodyPr>
+          <a:lstStyle/>
+          <a:p>
+            <a:r>
+              <a:rPr lang="pt-BR" dirty="0" smtClean="0">
+                <a:solidFill>
+                  <a:schemeClr val="bg1">
+                    <a:lumMod val="50000"/>
+                  </a:schemeClr>
+                </a:solidFill>
+              </a:rPr>
+              <a:t>CIn.ufpe.br</a:t>
+            </a:r>
+            <a:endParaRPr lang="pt-BR" dirty="0">
+              <a:solidFill>
+                <a:schemeClr val="bg1">
+                  <a:lumMod val="50000"/>
+                </a:schemeClr>
+              </a:solidFill>
+            </a:endParaRPr>
+          </a:p>
+        </p:txBody>
+      </p:sp>
+      <p:sp>
+        <p:nvSpPr>
+          <p:cNvPr id="7" name="Title 6"/>
+          <p:cNvSpPr>
+            <a:spLocks noGrp="1"/>
+          </p:cNvSpPr>
+          <p:nvPr>
+            <p:ph type="title"/>
+          </p:nvPr>
+        </p:nvSpPr>
+        <p:spPr>
+          <a:xfrm>
+            <a:off x="1791854" y="138836"/>
+            <a:ext cx="9561945" cy="983528"/>
+          </a:xfrm>
+        </p:spPr>
+        <p:txBody>
           <a:bodyPr/>
           <a:lstStyle/>
           <a:p>
@@ -6703,15 +9925,23 @@
           <a:p>
             <a:pPr algn="just"/>
             <a:r>
+              <a:rPr lang="pt-BR" b="1" dirty="0" smtClean="0"/>
+              <a:t>2002: </a:t>
+            </a:r>
+            <a:r>
               <a:rPr lang="pt-BR" dirty="0" smtClean="0"/>
-              <a:t>2002: Foi realizada uma comparação de cincos algoritmo de regressão para o problema de localização móvel, usando o RSSI das estações bases. Os melhores resultados foram obtidos com o SVR.</a:t>
+              <a:t>Foi realizada uma comparação de cincos algoritmo de regressão para o problema de localização móvel, usando o RSSI das estações bases. Os melhores resultados foram obtidos com o SVR.</a:t>
             </a:r>
           </a:p>
           <a:p>
             <a:pPr algn="just"/>
             <a:r>
+              <a:rPr lang="pt-BR" b="1" dirty="0" smtClean="0"/>
+              <a:t>2016: </a:t>
+            </a:r>
+            <a:r>
               <a:rPr lang="pt-BR" dirty="0" smtClean="0"/>
-              <a:t>2016: SVR utilizando a abordagem fingerprinting baseada em RSSI para estimar a posição de uma EM </a:t>
+              <a:t>SVR utilizando a abordagem fingerprinting baseada em RSSI para estimar a posição de uma EM </a:t>
             </a:r>
             <a:r>
               <a:rPr lang="pt-BR" dirty="0" err="1" smtClean="0"/>
@@ -6725,7 +9955,7 @@
           <a:p>
             <a:pPr algn="just"/>
             <a:r>
-              <a:rPr lang="pt-BR" dirty="0" smtClean="0"/>
+              <a:rPr lang="pt-BR" b="1" dirty="0" smtClean="0"/>
               <a:t>2018: </a:t>
             </a:r>
             <a:r>
@@ -6852,7 +10082,7 @@
 </p:sld>
 </file>
 
-<file path=ppt/slides/slide16.xml><?xml version="1.0" encoding="utf-8"?>
+<file path=ppt/slides/slide18.xml><?xml version="1.0" encoding="utf-8"?>
 <p:sld xmlns:a="http://schemas.openxmlformats.org/drawingml/2006/main" xmlns:r="http://schemas.openxmlformats.org/officeDocument/2006/relationships" xmlns:p="http://schemas.openxmlformats.org/presentationml/2006/main">
   <p:cSld>
     <p:spTree>
@@ -7127,7 +10357,7 @@
 </p:sld>
 </file>
 
-<file path=ppt/slides/slide17.xml><?xml version="1.0" encoding="utf-8"?>
+<file path=ppt/slides/slide19.xml><?xml version="1.0" encoding="utf-8"?>
 <p:sld xmlns:a="http://schemas.openxmlformats.org/drawingml/2006/main" xmlns:r="http://schemas.openxmlformats.org/officeDocument/2006/relationships" xmlns:p="http://schemas.openxmlformats.org/presentationml/2006/main">
   <p:cSld>
     <p:spTree>
@@ -7850,7 +11080,340 @@
 </p:sld>
 </file>
 
-<file path=ppt/slides/slide18.xml><?xml version="1.0" encoding="utf-8"?>
+<file path=ppt/slides/slide2.xml><?xml version="1.0" encoding="utf-8"?>
+<p:sld xmlns:a="http://schemas.openxmlformats.org/drawingml/2006/main" xmlns:r="http://schemas.openxmlformats.org/officeDocument/2006/relationships" xmlns:p="http://schemas.openxmlformats.org/presentationml/2006/main">
+  <p:cSld>
+    <p:spTree>
+      <p:nvGrpSpPr>
+        <p:cNvPr id="1" name=""/>
+        <p:cNvGrpSpPr/>
+        <p:nvPr/>
+      </p:nvGrpSpPr>
+      <p:grpSpPr>
+        <a:xfrm>
+          <a:off x="0" y="0"/>
+          <a:ext cx="0" cy="0"/>
+          <a:chOff x="0" y="0"/>
+          <a:chExt cx="0" cy="0"/>
+        </a:xfrm>
+      </p:grpSpPr>
+      <p:pic>
+        <p:nvPicPr>
+          <p:cNvPr id="4" name="Picture 3"/>
+          <p:cNvPicPr>
+            <a:picLocks noChangeAspect="1"/>
+          </p:cNvPicPr>
+          <p:nvPr/>
+        </p:nvPicPr>
+        <p:blipFill>
+          <a:blip r:embed="rId2" cstate="print">
+            <a:extLst>
+              <a:ext uri="{28A0092B-C50C-407E-A947-70E740481C1C}">
+                <a14:useLocalDpi xmlns:a14="http://schemas.microsoft.com/office/drawing/2010/main" val="0"/>
+              </a:ext>
+            </a:extLst>
+          </a:blip>
+          <a:stretch>
+            <a:fillRect/>
+          </a:stretch>
+        </p:blipFill>
+        <p:spPr>
+          <a:xfrm>
+            <a:off x="304800" y="138835"/>
+            <a:ext cx="983528" cy="983528"/>
+          </a:xfrm>
+          <a:prstGeom prst="rect">
+            <a:avLst/>
+          </a:prstGeom>
+        </p:spPr>
+      </p:pic>
+      <p:cxnSp>
+        <p:nvCxnSpPr>
+          <p:cNvPr id="8" name="Straight Connector 7"/>
+          <p:cNvCxnSpPr/>
+          <p:nvPr/>
+        </p:nvCxnSpPr>
+        <p:spPr>
+          <a:xfrm>
+            <a:off x="0" y="6677891"/>
+            <a:ext cx="12192000" cy="0"/>
+          </a:xfrm>
+          <a:prstGeom prst="line">
+            <a:avLst/>
+          </a:prstGeom>
+          <a:ln>
+            <a:solidFill>
+              <a:schemeClr val="tx1"/>
+            </a:solidFill>
+          </a:ln>
+        </p:spPr>
+        <p:style>
+          <a:lnRef idx="1">
+            <a:schemeClr val="accent1"/>
+          </a:lnRef>
+          <a:fillRef idx="0">
+            <a:schemeClr val="accent1"/>
+          </a:fillRef>
+          <a:effectRef idx="0">
+            <a:schemeClr val="accent1"/>
+          </a:effectRef>
+          <a:fontRef idx="minor">
+            <a:schemeClr val="tx1"/>
+          </a:fontRef>
+        </p:style>
+      </p:cxnSp>
+      <p:sp>
+        <p:nvSpPr>
+          <p:cNvPr id="9" name="TextBox 8"/>
+          <p:cNvSpPr txBox="1"/>
+          <p:nvPr/>
+        </p:nvSpPr>
+        <p:spPr>
+          <a:xfrm>
+            <a:off x="10668000" y="6392488"/>
+            <a:ext cx="1234633" cy="369332"/>
+          </a:xfrm>
+          <a:prstGeom prst="rect">
+            <a:avLst/>
+          </a:prstGeom>
+          <a:noFill/>
+        </p:spPr>
+        <p:txBody>
+          <a:bodyPr wrap="none" rtlCol="0">
+            <a:spAutoFit/>
+          </a:bodyPr>
+          <a:lstStyle/>
+          <a:p>
+            <a:r>
+              <a:rPr lang="pt-BR" dirty="0" smtClean="0">
+                <a:solidFill>
+                  <a:schemeClr val="bg1">
+                    <a:lumMod val="50000"/>
+                  </a:schemeClr>
+                </a:solidFill>
+              </a:rPr>
+              <a:t>CIn.ufpe.br</a:t>
+            </a:r>
+            <a:endParaRPr lang="pt-BR" dirty="0">
+              <a:solidFill>
+                <a:schemeClr val="bg1">
+                  <a:lumMod val="50000"/>
+                </a:schemeClr>
+              </a:solidFill>
+            </a:endParaRPr>
+          </a:p>
+        </p:txBody>
+      </p:sp>
+      <p:sp>
+        <p:nvSpPr>
+          <p:cNvPr id="7" name="Title 6"/>
+          <p:cNvSpPr>
+            <a:spLocks noGrp="1"/>
+          </p:cNvSpPr>
+          <p:nvPr>
+            <p:ph type="title"/>
+          </p:nvPr>
+        </p:nvSpPr>
+        <p:spPr>
+          <a:xfrm>
+            <a:off x="1791854" y="138836"/>
+            <a:ext cx="9561945" cy="983528"/>
+          </a:xfrm>
+        </p:spPr>
+        <p:txBody>
+          <a:bodyPr/>
+          <a:lstStyle/>
+          <a:p>
+            <a:r>
+              <a:rPr lang="pt-BR" b="1" dirty="0" smtClean="0">
+                <a:solidFill>
+                  <a:srgbClr val="FF182C"/>
+                </a:solidFill>
+                <a:latin typeface="Noto Sans" panose="020B0502040504020204" pitchFamily="34"/>
+                <a:ea typeface="Noto Sans" panose="020B0502040504020204" pitchFamily="34"/>
+                <a:cs typeface="Noto Sans" panose="020B0502040504020204" pitchFamily="34"/>
+              </a:rPr>
+              <a:t>Roteiro</a:t>
+            </a:r>
+            <a:endParaRPr lang="pt-BR" b="1" dirty="0">
+              <a:solidFill>
+                <a:srgbClr val="FF182C"/>
+              </a:solidFill>
+              <a:latin typeface="Noto Sans" panose="020B0502040504020204" pitchFamily="34"/>
+              <a:ea typeface="Noto Sans" panose="020B0502040504020204" pitchFamily="34"/>
+              <a:cs typeface="Noto Sans" panose="020B0502040504020204" pitchFamily="34"/>
+            </a:endParaRPr>
+          </a:p>
+        </p:txBody>
+      </p:sp>
+      <p:sp>
+        <p:nvSpPr>
+          <p:cNvPr id="10" name="Content Placeholder 9"/>
+          <p:cNvSpPr>
+            <a:spLocks noGrp="1"/>
+          </p:cNvSpPr>
+          <p:nvPr>
+            <p:ph sz="half" idx="1"/>
+          </p:nvPr>
+        </p:nvSpPr>
+        <p:spPr/>
+        <p:txBody>
+          <a:bodyPr/>
+          <a:lstStyle/>
+          <a:p>
+            <a:r>
+              <a:rPr lang="pt-BR" dirty="0" smtClean="0"/>
+              <a:t>Objetivo</a:t>
+            </a:r>
+          </a:p>
+          <a:p>
+            <a:r>
+              <a:rPr lang="pt-BR" dirty="0" smtClean="0"/>
+              <a:t>Conceitos Básicos</a:t>
+            </a:r>
+          </a:p>
+          <a:p>
+            <a:r>
+              <a:rPr lang="pt-BR" dirty="0" smtClean="0"/>
+              <a:t>Trabalhos Relacionados</a:t>
+            </a:r>
+          </a:p>
+          <a:p>
+            <a:r>
+              <a:rPr lang="pt-BR" dirty="0" smtClean="0"/>
+              <a:t>Metodologia</a:t>
+            </a:r>
+          </a:p>
+          <a:p>
+            <a:r>
+              <a:rPr lang="pt-BR" dirty="0" smtClean="0"/>
+              <a:t>Resultados</a:t>
+            </a:r>
+          </a:p>
+          <a:p>
+            <a:r>
+              <a:rPr lang="pt-BR" dirty="0" smtClean="0"/>
+              <a:t>Conclusão</a:t>
+            </a:r>
+            <a:endParaRPr lang="pt-BR" dirty="0"/>
+          </a:p>
+        </p:txBody>
+      </p:sp>
+      <p:sp>
+        <p:nvSpPr>
+          <p:cNvPr id="13" name="Content Placeholder 12"/>
+          <p:cNvSpPr>
+            <a:spLocks noGrp="1"/>
+          </p:cNvSpPr>
+          <p:nvPr>
+            <p:ph sz="half" idx="2"/>
+          </p:nvPr>
+        </p:nvSpPr>
+        <p:spPr/>
+        <p:txBody>
+          <a:bodyPr/>
+          <a:lstStyle/>
+          <a:p>
+            <a:endParaRPr lang="pt-BR"/>
+          </a:p>
+        </p:txBody>
+      </p:sp>
+      <p:grpSp>
+        <p:nvGrpSpPr>
+          <p:cNvPr id="11" name="Group 10"/>
+          <p:cNvGrpSpPr/>
+          <p:nvPr/>
+        </p:nvGrpSpPr>
+        <p:grpSpPr>
+          <a:xfrm>
+            <a:off x="304800" y="6013799"/>
+            <a:ext cx="2710543" cy="576000"/>
+            <a:chOff x="304800" y="6013799"/>
+            <a:chExt cx="2710543" cy="580164"/>
+          </a:xfrm>
+        </p:grpSpPr>
+        <p:pic>
+          <p:nvPicPr>
+            <p:cNvPr id="12" name="Picture 11"/>
+            <p:cNvPicPr>
+              <a:picLocks noChangeAspect="1"/>
+            </p:cNvPicPr>
+            <p:nvPr/>
+          </p:nvPicPr>
+          <p:blipFill>
+            <a:blip r:embed="rId3">
+              <a:extLst>
+                <a:ext uri="{28A0092B-C50C-407E-A947-70E740481C1C}">
+                  <a14:useLocalDpi xmlns:a14="http://schemas.microsoft.com/office/drawing/2010/main" val="0"/>
+                </a:ext>
+              </a:extLst>
+            </a:blip>
+            <a:stretch>
+              <a:fillRect/>
+            </a:stretch>
+          </p:blipFill>
+          <p:spPr>
+            <a:xfrm>
+              <a:off x="304800" y="6017963"/>
+              <a:ext cx="1396364" cy="576000"/>
+            </a:xfrm>
+            <a:prstGeom prst="rect">
+              <a:avLst/>
+            </a:prstGeom>
+          </p:spPr>
+        </p:pic>
+        <p:pic>
+          <p:nvPicPr>
+            <p:cNvPr id="14" name="Picture 13"/>
+            <p:cNvPicPr>
+              <a:picLocks noChangeAspect="1"/>
+            </p:cNvPicPr>
+            <p:nvPr/>
+          </p:nvPicPr>
+          <p:blipFill>
+            <a:blip r:embed="rId4" cstate="print">
+              <a:extLst>
+                <a:ext uri="{28A0092B-C50C-407E-A947-70E740481C1C}">
+                  <a14:useLocalDpi xmlns:a14="http://schemas.microsoft.com/office/drawing/2010/main" val="0"/>
+                </a:ext>
+              </a:extLst>
+            </a:blip>
+            <a:stretch>
+              <a:fillRect/>
+            </a:stretch>
+          </p:blipFill>
+          <p:spPr>
+            <a:xfrm>
+              <a:off x="1928551" y="6013799"/>
+              <a:ext cx="1086792" cy="576000"/>
+            </a:xfrm>
+            <a:prstGeom prst="rect">
+              <a:avLst/>
+            </a:prstGeom>
+          </p:spPr>
+        </p:pic>
+      </p:grpSp>
+    </p:spTree>
+    <p:extLst>
+      <p:ext uri="{BB962C8B-B14F-4D97-AF65-F5344CB8AC3E}">
+        <p14:creationId xmlns:p14="http://schemas.microsoft.com/office/powerpoint/2010/main" val="773679512"/>
+      </p:ext>
+    </p:extLst>
+  </p:cSld>
+  <p:clrMapOvr>
+    <a:masterClrMapping/>
+  </p:clrMapOvr>
+  <p:timing>
+    <p:tnLst>
+      <p:par>
+        <p:cTn id="1" dur="indefinite" restart="never" nodeType="tmRoot"/>
+      </p:par>
+    </p:tnLst>
+  </p:timing>
+</p:sld>
+</file>
+
+<file path=ppt/slides/slide20.xml><?xml version="1.0" encoding="utf-8"?>
 <p:sld xmlns:a="http://schemas.openxmlformats.org/drawingml/2006/main" xmlns:r="http://schemas.openxmlformats.org/officeDocument/2006/relationships" xmlns:p="http://schemas.openxmlformats.org/presentationml/2006/main">
   <p:cSld>
     <p:spTree>
@@ -8464,7 +12027,7 @@
 </p:sld>
 </file>
 
-<file path=ppt/slides/slide19.xml><?xml version="1.0" encoding="utf-8"?>
+<file path=ppt/slides/slide21.xml><?xml version="1.0" encoding="utf-8"?>
 <p:sld xmlns:a="http://schemas.openxmlformats.org/drawingml/2006/main" xmlns:r="http://schemas.openxmlformats.org/officeDocument/2006/relationships" xmlns:p="http://schemas.openxmlformats.org/presentationml/2006/main">
   <p:cSld>
     <p:spTree>
@@ -8990,340 +12553,7 @@
 </p:sld>
 </file>
 
-<file path=ppt/slides/slide2.xml><?xml version="1.0" encoding="utf-8"?>
-<p:sld xmlns:a="http://schemas.openxmlformats.org/drawingml/2006/main" xmlns:r="http://schemas.openxmlformats.org/officeDocument/2006/relationships" xmlns:p="http://schemas.openxmlformats.org/presentationml/2006/main">
-  <p:cSld>
-    <p:spTree>
-      <p:nvGrpSpPr>
-        <p:cNvPr id="1" name=""/>
-        <p:cNvGrpSpPr/>
-        <p:nvPr/>
-      </p:nvGrpSpPr>
-      <p:grpSpPr>
-        <a:xfrm>
-          <a:off x="0" y="0"/>
-          <a:ext cx="0" cy="0"/>
-          <a:chOff x="0" y="0"/>
-          <a:chExt cx="0" cy="0"/>
-        </a:xfrm>
-      </p:grpSpPr>
-      <p:pic>
-        <p:nvPicPr>
-          <p:cNvPr id="4" name="Picture 3"/>
-          <p:cNvPicPr>
-            <a:picLocks noChangeAspect="1"/>
-          </p:cNvPicPr>
-          <p:nvPr/>
-        </p:nvPicPr>
-        <p:blipFill>
-          <a:blip r:embed="rId2" cstate="print">
-            <a:extLst>
-              <a:ext uri="{28A0092B-C50C-407E-A947-70E740481C1C}">
-                <a14:useLocalDpi xmlns:a14="http://schemas.microsoft.com/office/drawing/2010/main" val="0"/>
-              </a:ext>
-            </a:extLst>
-          </a:blip>
-          <a:stretch>
-            <a:fillRect/>
-          </a:stretch>
-        </p:blipFill>
-        <p:spPr>
-          <a:xfrm>
-            <a:off x="304800" y="138835"/>
-            <a:ext cx="983528" cy="983528"/>
-          </a:xfrm>
-          <a:prstGeom prst="rect">
-            <a:avLst/>
-          </a:prstGeom>
-        </p:spPr>
-      </p:pic>
-      <p:cxnSp>
-        <p:nvCxnSpPr>
-          <p:cNvPr id="8" name="Straight Connector 7"/>
-          <p:cNvCxnSpPr/>
-          <p:nvPr/>
-        </p:nvCxnSpPr>
-        <p:spPr>
-          <a:xfrm>
-            <a:off x="0" y="6677891"/>
-            <a:ext cx="12192000" cy="0"/>
-          </a:xfrm>
-          <a:prstGeom prst="line">
-            <a:avLst/>
-          </a:prstGeom>
-          <a:ln>
-            <a:solidFill>
-              <a:schemeClr val="tx1"/>
-            </a:solidFill>
-          </a:ln>
-        </p:spPr>
-        <p:style>
-          <a:lnRef idx="1">
-            <a:schemeClr val="accent1"/>
-          </a:lnRef>
-          <a:fillRef idx="0">
-            <a:schemeClr val="accent1"/>
-          </a:fillRef>
-          <a:effectRef idx="0">
-            <a:schemeClr val="accent1"/>
-          </a:effectRef>
-          <a:fontRef idx="minor">
-            <a:schemeClr val="tx1"/>
-          </a:fontRef>
-        </p:style>
-      </p:cxnSp>
-      <p:sp>
-        <p:nvSpPr>
-          <p:cNvPr id="9" name="TextBox 8"/>
-          <p:cNvSpPr txBox="1"/>
-          <p:nvPr/>
-        </p:nvSpPr>
-        <p:spPr>
-          <a:xfrm>
-            <a:off x="10668000" y="6392488"/>
-            <a:ext cx="1234633" cy="369332"/>
-          </a:xfrm>
-          <a:prstGeom prst="rect">
-            <a:avLst/>
-          </a:prstGeom>
-          <a:noFill/>
-        </p:spPr>
-        <p:txBody>
-          <a:bodyPr wrap="none" rtlCol="0">
-            <a:spAutoFit/>
-          </a:bodyPr>
-          <a:lstStyle/>
-          <a:p>
-            <a:r>
-              <a:rPr lang="pt-BR" dirty="0" smtClean="0">
-                <a:solidFill>
-                  <a:schemeClr val="bg1">
-                    <a:lumMod val="50000"/>
-                  </a:schemeClr>
-                </a:solidFill>
-              </a:rPr>
-              <a:t>CIn.ufpe.br</a:t>
-            </a:r>
-            <a:endParaRPr lang="pt-BR" dirty="0">
-              <a:solidFill>
-                <a:schemeClr val="bg1">
-                  <a:lumMod val="50000"/>
-                </a:schemeClr>
-              </a:solidFill>
-            </a:endParaRPr>
-          </a:p>
-        </p:txBody>
-      </p:sp>
-      <p:sp>
-        <p:nvSpPr>
-          <p:cNvPr id="7" name="Title 6"/>
-          <p:cNvSpPr>
-            <a:spLocks noGrp="1"/>
-          </p:cNvSpPr>
-          <p:nvPr>
-            <p:ph type="title"/>
-          </p:nvPr>
-        </p:nvSpPr>
-        <p:spPr>
-          <a:xfrm>
-            <a:off x="1791854" y="138836"/>
-            <a:ext cx="9561945" cy="983528"/>
-          </a:xfrm>
-        </p:spPr>
-        <p:txBody>
-          <a:bodyPr/>
-          <a:lstStyle/>
-          <a:p>
-            <a:r>
-              <a:rPr lang="pt-BR" b="1" dirty="0" smtClean="0">
-                <a:solidFill>
-                  <a:srgbClr val="FF182C"/>
-                </a:solidFill>
-                <a:latin typeface="Noto Sans" panose="020B0502040504020204" pitchFamily="34"/>
-                <a:ea typeface="Noto Sans" panose="020B0502040504020204" pitchFamily="34"/>
-                <a:cs typeface="Noto Sans" panose="020B0502040504020204" pitchFamily="34"/>
-              </a:rPr>
-              <a:t>Roteiro</a:t>
-            </a:r>
-            <a:endParaRPr lang="pt-BR" b="1" dirty="0">
-              <a:solidFill>
-                <a:srgbClr val="FF182C"/>
-              </a:solidFill>
-              <a:latin typeface="Noto Sans" panose="020B0502040504020204" pitchFamily="34"/>
-              <a:ea typeface="Noto Sans" panose="020B0502040504020204" pitchFamily="34"/>
-              <a:cs typeface="Noto Sans" panose="020B0502040504020204" pitchFamily="34"/>
-            </a:endParaRPr>
-          </a:p>
-        </p:txBody>
-      </p:sp>
-      <p:sp>
-        <p:nvSpPr>
-          <p:cNvPr id="10" name="Content Placeholder 9"/>
-          <p:cNvSpPr>
-            <a:spLocks noGrp="1"/>
-          </p:cNvSpPr>
-          <p:nvPr>
-            <p:ph sz="half" idx="1"/>
-          </p:nvPr>
-        </p:nvSpPr>
-        <p:spPr/>
-        <p:txBody>
-          <a:bodyPr/>
-          <a:lstStyle/>
-          <a:p>
-            <a:r>
-              <a:rPr lang="pt-BR" dirty="0" smtClean="0"/>
-              <a:t>Objetivo</a:t>
-            </a:r>
-          </a:p>
-          <a:p>
-            <a:r>
-              <a:rPr lang="pt-BR" dirty="0" smtClean="0"/>
-              <a:t>Conceitos Básicos</a:t>
-            </a:r>
-          </a:p>
-          <a:p>
-            <a:r>
-              <a:rPr lang="pt-BR" dirty="0" smtClean="0"/>
-              <a:t>Trabalhos Relacionados</a:t>
-            </a:r>
-          </a:p>
-          <a:p>
-            <a:r>
-              <a:rPr lang="pt-BR" dirty="0" smtClean="0"/>
-              <a:t>Metodologia</a:t>
-            </a:r>
-          </a:p>
-          <a:p>
-            <a:r>
-              <a:rPr lang="pt-BR" dirty="0" smtClean="0"/>
-              <a:t>Resultados</a:t>
-            </a:r>
-          </a:p>
-          <a:p>
-            <a:r>
-              <a:rPr lang="pt-BR" dirty="0" smtClean="0"/>
-              <a:t>Conclusão</a:t>
-            </a:r>
-            <a:endParaRPr lang="pt-BR" dirty="0"/>
-          </a:p>
-        </p:txBody>
-      </p:sp>
-      <p:sp>
-        <p:nvSpPr>
-          <p:cNvPr id="13" name="Content Placeholder 12"/>
-          <p:cNvSpPr>
-            <a:spLocks noGrp="1"/>
-          </p:cNvSpPr>
-          <p:nvPr>
-            <p:ph sz="half" idx="2"/>
-          </p:nvPr>
-        </p:nvSpPr>
-        <p:spPr/>
-        <p:txBody>
-          <a:bodyPr/>
-          <a:lstStyle/>
-          <a:p>
-            <a:endParaRPr lang="pt-BR"/>
-          </a:p>
-        </p:txBody>
-      </p:sp>
-      <p:grpSp>
-        <p:nvGrpSpPr>
-          <p:cNvPr id="11" name="Group 10"/>
-          <p:cNvGrpSpPr/>
-          <p:nvPr/>
-        </p:nvGrpSpPr>
-        <p:grpSpPr>
-          <a:xfrm>
-            <a:off x="304800" y="6013799"/>
-            <a:ext cx="2710543" cy="576000"/>
-            <a:chOff x="304800" y="6013799"/>
-            <a:chExt cx="2710543" cy="580164"/>
-          </a:xfrm>
-        </p:grpSpPr>
-        <p:pic>
-          <p:nvPicPr>
-            <p:cNvPr id="12" name="Picture 11"/>
-            <p:cNvPicPr>
-              <a:picLocks noChangeAspect="1"/>
-            </p:cNvPicPr>
-            <p:nvPr/>
-          </p:nvPicPr>
-          <p:blipFill>
-            <a:blip r:embed="rId3">
-              <a:extLst>
-                <a:ext uri="{28A0092B-C50C-407E-A947-70E740481C1C}">
-                  <a14:useLocalDpi xmlns:a14="http://schemas.microsoft.com/office/drawing/2010/main" val="0"/>
-                </a:ext>
-              </a:extLst>
-            </a:blip>
-            <a:stretch>
-              <a:fillRect/>
-            </a:stretch>
-          </p:blipFill>
-          <p:spPr>
-            <a:xfrm>
-              <a:off x="304800" y="6017963"/>
-              <a:ext cx="1396364" cy="576000"/>
-            </a:xfrm>
-            <a:prstGeom prst="rect">
-              <a:avLst/>
-            </a:prstGeom>
-          </p:spPr>
-        </p:pic>
-        <p:pic>
-          <p:nvPicPr>
-            <p:cNvPr id="14" name="Picture 13"/>
-            <p:cNvPicPr>
-              <a:picLocks noChangeAspect="1"/>
-            </p:cNvPicPr>
-            <p:nvPr/>
-          </p:nvPicPr>
-          <p:blipFill>
-            <a:blip r:embed="rId4" cstate="print">
-              <a:extLst>
-                <a:ext uri="{28A0092B-C50C-407E-A947-70E740481C1C}">
-                  <a14:useLocalDpi xmlns:a14="http://schemas.microsoft.com/office/drawing/2010/main" val="0"/>
-                </a:ext>
-              </a:extLst>
-            </a:blip>
-            <a:stretch>
-              <a:fillRect/>
-            </a:stretch>
-          </p:blipFill>
-          <p:spPr>
-            <a:xfrm>
-              <a:off x="1928551" y="6013799"/>
-              <a:ext cx="1086792" cy="576000"/>
-            </a:xfrm>
-            <a:prstGeom prst="rect">
-              <a:avLst/>
-            </a:prstGeom>
-          </p:spPr>
-        </p:pic>
-      </p:grpSp>
-    </p:spTree>
-    <p:extLst>
-      <p:ext uri="{BB962C8B-B14F-4D97-AF65-F5344CB8AC3E}">
-        <p14:creationId xmlns:p14="http://schemas.microsoft.com/office/powerpoint/2010/main" val="773679512"/>
-      </p:ext>
-    </p:extLst>
-  </p:cSld>
-  <p:clrMapOvr>
-    <a:masterClrMapping/>
-  </p:clrMapOvr>
-  <p:timing>
-    <p:tnLst>
-      <p:par>
-        <p:cTn id="1" dur="indefinite" restart="never" nodeType="tmRoot"/>
-      </p:par>
-    </p:tnLst>
-  </p:timing>
-</p:sld>
-</file>
-
-<file path=ppt/slides/slide20.xml><?xml version="1.0" encoding="utf-8"?>
+<file path=ppt/slides/slide22.xml><?xml version="1.0" encoding="utf-8"?>
 <p:sld xmlns:a="http://schemas.openxmlformats.org/drawingml/2006/main" xmlns:r="http://schemas.openxmlformats.org/officeDocument/2006/relationships" xmlns:p="http://schemas.openxmlformats.org/presentationml/2006/main">
   <p:cSld>
     <p:spTree>
@@ -9956,7 +13186,7 @@
 </p:sld>
 </file>
 
-<file path=ppt/slides/slide21.xml><?xml version="1.0" encoding="utf-8"?>
+<file path=ppt/slides/slide23.xml><?xml version="1.0" encoding="utf-8"?>
 <p:sld xmlns:a="http://schemas.openxmlformats.org/drawingml/2006/main" xmlns:r="http://schemas.openxmlformats.org/officeDocument/2006/relationships" xmlns:p="http://schemas.openxmlformats.org/presentationml/2006/main">
   <p:cSld>
     <p:spTree>
@@ -10508,7 +13738,7 @@
 </p:sld>
 </file>
 
-<file path=ppt/slides/slide22.xml><?xml version="1.0" encoding="utf-8"?>
+<file path=ppt/slides/slide24.xml><?xml version="1.0" encoding="utf-8"?>
 <p:sld xmlns:a="http://schemas.openxmlformats.org/drawingml/2006/main" xmlns:r="http://schemas.openxmlformats.org/officeDocument/2006/relationships" xmlns:p="http://schemas.openxmlformats.org/presentationml/2006/main">
   <p:cSld>
     <p:spTree>
@@ -10684,7 +13914,12 @@
             <p:ph type="body" idx="1"/>
           </p:nvPr>
         </p:nvSpPr>
-        <p:spPr/>
+        <p:spPr>
+          <a:xfrm>
+            <a:off x="6167715" y="1118686"/>
+            <a:ext cx="5157787" cy="823912"/>
+          </a:xfrm>
+        </p:spPr>
         <p:txBody>
           <a:bodyPr>
             <a:normAutofit fontScale="85000" lnSpcReduction="10000"/>
@@ -10805,8 +14040,8 @@
           </a:p>
         </p:txBody>
       </p:sp>
-      <mc:AlternateContent xmlns:mc="http://schemas.openxmlformats.org/markup-compatibility/2006" xmlns:a14="http://schemas.microsoft.com/office/drawing/2010/main">
-        <mc:Choice Requires="a14">
+      <mc:AlternateContent xmlns:mc="http://schemas.openxmlformats.org/markup-compatibility/2006">
+        <mc:Choice xmlns:a14="http://schemas.microsoft.com/office/drawing/2010/main" Requires="a14">
           <p:graphicFrame>
             <p:nvGraphicFramePr>
               <p:cNvPr id="20" name="Content Placeholder 19"/>
@@ -10817,13 +14052,13 @@
                 <p:ph sz="half" idx="2"/>
                 <p:extLst>
                   <p:ext uri="{D42A27DB-BD31-4B8C-83A1-F6EECF244321}">
-                    <p14:modId xmlns:p14="http://schemas.microsoft.com/office/powerpoint/2010/main" val="1357684751"/>
+                    <p14:modId xmlns:p14="http://schemas.microsoft.com/office/powerpoint/2010/main" val="2398833544"/>
                   </p:ext>
                 </p:extLst>
               </p:nvPr>
             </p:nvGraphicFramePr>
             <p:xfrm>
-              <a:off x="6999554" y="3841821"/>
+              <a:off x="1301164" y="3974013"/>
               <a:ext cx="4226328" cy="1422400"/>
             </p:xfrm>
             <a:graphic>
@@ -11429,7 +14664,7 @@
             </a:graphic>
           </p:graphicFrame>
         </mc:Choice>
-        <mc:Fallback xmlns="">
+        <mc:Fallback>
           <p:graphicFrame>
             <p:nvGraphicFramePr>
               <p:cNvPr id="20" name="Content Placeholder 19"/>
@@ -11440,13 +14675,13 @@
                 <p:ph sz="half" idx="2"/>
                 <p:extLst>
                   <p:ext uri="{D42A27DB-BD31-4B8C-83A1-F6EECF244321}">
-                    <p14:modId xmlns:p14="http://schemas.microsoft.com/office/powerpoint/2010/main" val="1357684751"/>
+                    <p14:modId xmlns:p14="http://schemas.microsoft.com/office/powerpoint/2010/main" val="2398833544"/>
                   </p:ext>
                 </p:extLst>
               </p:nvPr>
             </p:nvGraphicFramePr>
             <p:xfrm>
-              <a:off x="6999554" y="3841821"/>
+              <a:off x="1301164" y="3974013"/>
               <a:ext cx="4226328" cy="1422400"/>
             </p:xfrm>
             <a:graphic>
@@ -11659,7 +14894,7 @@
                         <a:blipFill>
                           <a:blip r:embed="rId3"/>
                           <a:stretch>
-                            <a:fillRect l="-296" t="-78788" r="-105917" b="-183333"/>
+                            <a:fillRect l="-296" t="-77612" r="-105917" b="-179104"/>
                           </a:stretch>
                         </a:blipFill>
                       </a:tcPr>
@@ -11786,7 +15021,7 @@
                         <a:blipFill>
                           <a:blip r:embed="rId3"/>
                           <a:stretch>
-                            <a:fillRect l="-296" t="-178788" r="-105917" b="-83333"/>
+                            <a:fillRect l="-296" t="-180303" r="-105917" b="-81818"/>
                           </a:stretch>
                         </a:blipFill>
                       </a:tcPr>
@@ -12023,13 +15258,13 @@
         </p:nvSpPr>
         <p:spPr>
           <a:xfrm>
-            <a:off x="6172199" y="1681163"/>
-            <a:ext cx="5730433" cy="823912"/>
+            <a:off x="1288329" y="1118686"/>
+            <a:ext cx="4801478" cy="823912"/>
           </a:xfrm>
         </p:spPr>
         <p:txBody>
           <a:bodyPr>
-            <a:normAutofit/>
+            <a:normAutofit fontScale="92500"/>
           </a:bodyPr>
           <a:lstStyle/>
           <a:p>
@@ -12111,279 +15346,57 @@
           </a:p>
         </p:txBody>
       </p:sp>
-      <mc:AlternateContent xmlns:mc="http://schemas.openxmlformats.org/markup-compatibility/2006" xmlns:a14="http://schemas.microsoft.com/office/drawing/2010/main">
-        <mc:Choice Requires="a14">
-          <p:sp>
-            <p:nvSpPr>
-              <p:cNvPr id="22" name="Content Placeholder 21"/>
-              <p:cNvSpPr>
-                <a:spLocks noGrp="1"/>
-              </p:cNvSpPr>
-              <p:nvPr>
-                <p:ph sz="quarter" idx="4"/>
-              </p:nvPr>
-            </p:nvSpPr>
-            <p:spPr>
-              <a:xfrm>
-                <a:off x="6168378" y="2459109"/>
-                <a:ext cx="5734255" cy="3684588"/>
-              </a:xfrm>
-            </p:spPr>
-            <p:txBody>
-              <a:bodyPr>
-                <a:normAutofit/>
-              </a:bodyPr>
-              <a:lstStyle/>
-              <a:p>
-                <a14:m>
-                  <m:oMath xmlns:m="http://schemas.openxmlformats.org/officeDocument/2006/math">
-                    <m:r>
-                      <a:rPr lang="pt-BR" sz="1800" i="1" smtClean="0">
-                        <a:latin typeface="Cambria Math" panose="02040503050406030204" pitchFamily="18" charset="0"/>
-                        <a:ea typeface="Cambria Math" panose="02040503050406030204" pitchFamily="18" charset="0"/>
-                      </a:rPr>
-                      <m:t>𝛾</m:t>
-                    </m:r>
-                    <m:r>
-                      <a:rPr lang="pt-BR" sz="1800" b="0" i="0" smtClean="0">
-                        <a:latin typeface="Cambria Math" panose="02040503050406030204" pitchFamily="18" charset="0"/>
-                        <a:ea typeface="Cambria Math" panose="02040503050406030204" pitchFamily="18" charset="0"/>
-                      </a:rPr>
-                      <m:t>: </m:t>
-                    </m:r>
-                  </m:oMath>
-                </a14:m>
-                <a:r>
-                  <a:rPr lang="pt-BR" sz="1800" dirty="0" smtClean="0"/>
-                  <a:t>9 </a:t>
-                </a:r>
-                <a:r>
-                  <a:rPr lang="pt-BR" sz="1800" dirty="0"/>
-                  <a:t>valores </a:t>
-                </a:r>
-                <a:r>
-                  <a:rPr lang="pt-BR" sz="1800" dirty="0" smtClean="0"/>
-                  <a:t>(</a:t>
-                </a:r>
-                <a14:m>
-                  <m:oMath xmlns:m="http://schemas.openxmlformats.org/officeDocument/2006/math">
-                    <m:sSup>
-                      <m:sSupPr>
-                        <m:ctrlPr>
-                          <a:rPr lang="pt-BR" sz="1800" i="1" smtClean="0">
-                            <a:latin typeface="Cambria Math" panose="02040503050406030204" pitchFamily="18" charset="0"/>
-                          </a:rPr>
-                        </m:ctrlPr>
-                      </m:sSupPr>
-                      <m:e>
-                        <m:r>
-                          <a:rPr lang="pt-BR" sz="1800" b="0" i="1" smtClean="0">
-                            <a:latin typeface="Cambria Math" panose="02040503050406030204" pitchFamily="18" charset="0"/>
-                          </a:rPr>
-                          <m:t>2</m:t>
-                        </m:r>
-                      </m:e>
-                      <m:sup>
-                        <m:r>
-                          <a:rPr lang="pt-BR" sz="1800" b="0" i="1" smtClean="0">
-                            <a:latin typeface="Cambria Math" panose="02040503050406030204" pitchFamily="18" charset="0"/>
-                          </a:rPr>
-                          <m:t>−5</m:t>
-                        </m:r>
-                      </m:sup>
-                    </m:sSup>
-                  </m:oMath>
-                </a14:m>
-                <a:r>
-                  <a:rPr lang="pt-BR" sz="1800" dirty="0" smtClean="0"/>
-                  <a:t>a </a:t>
-                </a:r>
-                <a14:m>
-                  <m:oMath xmlns:m="http://schemas.openxmlformats.org/officeDocument/2006/math">
-                    <m:sSup>
-                      <m:sSupPr>
-                        <m:ctrlPr>
-                          <a:rPr lang="pt-BR" sz="1800" i="1">
-                            <a:latin typeface="Cambria Math" panose="02040503050406030204" pitchFamily="18" charset="0"/>
-                          </a:rPr>
-                        </m:ctrlPr>
-                      </m:sSupPr>
-                      <m:e>
-                        <m:r>
-                          <a:rPr lang="pt-BR" sz="1800" i="1">
-                            <a:latin typeface="Cambria Math" panose="02040503050406030204" pitchFamily="18" charset="0"/>
-                          </a:rPr>
-                          <m:t>2</m:t>
-                        </m:r>
-                      </m:e>
-                      <m:sup>
-                        <m:r>
-                          <a:rPr lang="pt-BR" sz="1800" b="0" i="1" smtClean="0">
-                            <a:latin typeface="Cambria Math" panose="02040503050406030204" pitchFamily="18" charset="0"/>
-                          </a:rPr>
-                          <m:t>3</m:t>
-                        </m:r>
-                      </m:sup>
-                    </m:sSup>
-                  </m:oMath>
-                </a14:m>
-                <a:r>
-                  <a:rPr lang="pt-BR" sz="1800" dirty="0" smtClean="0"/>
-                  <a:t>);</a:t>
-                </a:r>
-              </a:p>
-              <a:p>
-                <a14:m>
-                  <m:oMath xmlns:m="http://schemas.openxmlformats.org/officeDocument/2006/math">
-                    <m:r>
-                      <a:rPr lang="pt-BR" sz="1800" i="1">
-                        <a:latin typeface="Cambria Math" panose="02040503050406030204" pitchFamily="18" charset="0"/>
-                        <a:ea typeface="Cambria Math" panose="02040503050406030204" pitchFamily="18" charset="0"/>
-                      </a:rPr>
-                      <m:t>𝜀</m:t>
-                    </m:r>
-                    <m:r>
-                      <a:rPr lang="pt-BR" sz="1800" b="0" i="0" smtClean="0">
-                        <a:latin typeface="Cambria Math" panose="02040503050406030204" pitchFamily="18" charset="0"/>
-                        <a:ea typeface="Cambria Math" panose="02040503050406030204" pitchFamily="18" charset="0"/>
-                      </a:rPr>
-                      <m:t>: </m:t>
-                    </m:r>
-                  </m:oMath>
-                </a14:m>
-                <a:r>
-                  <a:rPr lang="pt-BR" sz="1800" dirty="0" smtClean="0"/>
-                  <a:t>7 valores (0,01</a:t>
-                </a:r>
-                <a:r>
-                  <a:rPr lang="pt-BR" sz="1800" dirty="0"/>
-                  <a:t>; 0,05; 0,1; 0,5; 1; 2; 4) </a:t>
-                </a:r>
-              </a:p>
-              <a:p>
-                <a:r>
-                  <a:rPr lang="pt-BR" sz="1800" dirty="0" smtClean="0"/>
-                  <a:t>C: 12 </a:t>
-                </a:r>
-                <a:r>
-                  <a:rPr lang="pt-BR" sz="1800" dirty="0"/>
-                  <a:t>valores para C (</a:t>
-                </a:r>
-                <a14:m>
-                  <m:oMath xmlns:m="http://schemas.openxmlformats.org/officeDocument/2006/math">
-                    <m:sSup>
-                      <m:sSupPr>
-                        <m:ctrlPr>
-                          <a:rPr lang="pt-BR" sz="1800" i="1">
-                            <a:latin typeface="Cambria Math" panose="02040503050406030204" pitchFamily="18" charset="0"/>
-                          </a:rPr>
-                        </m:ctrlPr>
-                      </m:sSupPr>
-                      <m:e>
-                        <m:r>
-                          <a:rPr lang="pt-BR" sz="1800" i="1">
-                            <a:latin typeface="Cambria Math" panose="02040503050406030204" pitchFamily="18" charset="0"/>
-                          </a:rPr>
-                          <m:t>2</m:t>
-                        </m:r>
-                      </m:e>
-                      <m:sup>
-                        <m:r>
-                          <a:rPr lang="pt-BR" sz="1800" i="1">
-                            <a:latin typeface="Cambria Math" panose="02040503050406030204" pitchFamily="18" charset="0"/>
-                          </a:rPr>
-                          <m:t>−</m:t>
-                        </m:r>
-                        <m:r>
-                          <a:rPr lang="pt-BR" sz="1800" b="0" i="1" smtClean="0">
-                            <a:latin typeface="Cambria Math" panose="02040503050406030204" pitchFamily="18" charset="0"/>
-                          </a:rPr>
-                          <m:t>2</m:t>
-                        </m:r>
-                      </m:sup>
-                    </m:sSup>
-                  </m:oMath>
-                </a14:m>
-                <a:r>
-                  <a:rPr lang="pt-BR" sz="1800" dirty="0" smtClean="0"/>
-                  <a:t>a </a:t>
-                </a:r>
-                <a14:m>
-                  <m:oMath xmlns:m="http://schemas.openxmlformats.org/officeDocument/2006/math">
-                    <m:sSup>
-                      <m:sSupPr>
-                        <m:ctrlPr>
-                          <a:rPr lang="pt-BR" sz="1800" i="1">
-                            <a:latin typeface="Cambria Math" panose="02040503050406030204" pitchFamily="18" charset="0"/>
-                          </a:rPr>
-                        </m:ctrlPr>
-                      </m:sSupPr>
-                      <m:e>
-                        <m:r>
-                          <a:rPr lang="pt-BR" sz="1800" i="1">
-                            <a:latin typeface="Cambria Math" panose="02040503050406030204" pitchFamily="18" charset="0"/>
-                          </a:rPr>
-                          <m:t>2</m:t>
-                        </m:r>
-                      </m:e>
-                      <m:sup>
-                        <m:r>
-                          <a:rPr lang="pt-BR" sz="1800" b="0" i="1" smtClean="0">
-                            <a:latin typeface="Cambria Math" panose="02040503050406030204" pitchFamily="18" charset="0"/>
-                          </a:rPr>
-                          <m:t>9</m:t>
-                        </m:r>
-                      </m:sup>
-                    </m:sSup>
-                  </m:oMath>
-                </a14:m>
-                <a:r>
-                  <a:rPr lang="pt-BR" sz="1800" dirty="0" smtClean="0"/>
-                  <a:t>).</a:t>
-                </a:r>
-                <a:endParaRPr lang="pt-BR" sz="1800" dirty="0"/>
-              </a:p>
-            </p:txBody>
-          </p:sp>
-        </mc:Choice>
-        <mc:Fallback xmlns="">
-          <p:sp>
-            <p:nvSpPr>
-              <p:cNvPr id="22" name="Content Placeholder 21"/>
-              <p:cNvSpPr>
-                <a:spLocks noGrp="1" noRot="1" noChangeAspect="1" noMove="1" noResize="1" noEditPoints="1" noAdjustHandles="1" noChangeArrowheads="1" noChangeShapeType="1" noTextEdit="1"/>
-              </p:cNvSpPr>
-              <p:nvPr>
-                <p:ph sz="quarter" idx="4"/>
-              </p:nvPr>
-            </p:nvSpPr>
-            <p:spPr>
-              <a:xfrm>
-                <a:off x="6168378" y="2459109"/>
-                <a:ext cx="5734255" cy="3684588"/>
-              </a:xfrm>
-              <a:blipFill>
-                <a:blip r:embed="rId4"/>
-                <a:stretch>
-                  <a:fillRect l="-744" t="-1488"/>
-                </a:stretch>
-              </a:blipFill>
-            </p:spPr>
-            <p:txBody>
-              <a:bodyPr/>
-              <a:lstStyle/>
-              <a:p>
-                <a:r>
-                  <a:rPr lang="pt-BR">
-                    <a:noFill/>
-                  </a:rPr>
-                  <a:t> </a:t>
-                </a:r>
-              </a:p>
-            </p:txBody>
-          </p:sp>
-        </mc:Fallback>
-      </mc:AlternateContent>
+      <p:sp>
+        <p:nvSpPr>
+          <p:cNvPr id="22" name="Content Placeholder 21"/>
+          <p:cNvSpPr>
+            <a:spLocks noGrp="1"/>
+          </p:cNvSpPr>
+          <p:nvPr>
+            <p:ph sz="quarter" idx="4"/>
+          </p:nvPr>
+        </p:nvSpPr>
+        <p:spPr>
+          <a:xfrm>
+            <a:off x="6118481" y="2043023"/>
+            <a:ext cx="4801479" cy="3684588"/>
+          </a:xfrm>
+        </p:spPr>
+        <p:txBody>
+          <a:bodyPr>
+            <a:normAutofit/>
+          </a:bodyPr>
+          <a:lstStyle/>
+          <a:p>
+            <a:r>
+              <a:rPr lang="pt-BR" sz="1800" dirty="0" smtClean="0"/>
+              <a:t>Boosting_type: GOSS </a:t>
+            </a:r>
+            <a:r>
+              <a:rPr lang="pt-BR" sz="1800" dirty="0" err="1" smtClean="0"/>
+              <a:t>Num_theratds</a:t>
+            </a:r>
+            <a:r>
+              <a:rPr lang="pt-BR" sz="1800" smtClean="0"/>
+              <a:t>: 2</a:t>
+            </a:r>
+            <a:endParaRPr lang="pt-BR" sz="1800" dirty="0" smtClean="0"/>
+          </a:p>
+          <a:p>
+            <a:r>
+              <a:rPr lang="pt-BR" sz="1800" dirty="0" smtClean="0"/>
+              <a:t>Learning_rate: 0,003</a:t>
+            </a:r>
+          </a:p>
+          <a:p>
+            <a:r>
+              <a:rPr lang="pt-BR" sz="1800" dirty="0" smtClean="0"/>
+              <a:t>Num_iterations:</a:t>
+            </a:r>
+            <a:endParaRPr lang="pt-BR" sz="1800" dirty="0"/>
+          </a:p>
+        </p:txBody>
+      </p:sp>
       <p:grpSp>
         <p:nvGrpSpPr>
           <p:cNvPr id="13" name="Group 12"/>
@@ -12407,7 +15420,7 @@
             <p:nvPr/>
           </p:nvPicPr>
           <p:blipFill>
-            <a:blip r:embed="rId5">
+            <a:blip r:embed="rId4">
               <a:extLst>
                 <a:ext uri="{28A0092B-C50C-407E-A947-70E740481C1C}">
                   <a14:useLocalDpi xmlns:a14="http://schemas.microsoft.com/office/drawing/2010/main" val="0"/>
@@ -12437,7 +15450,7 @@
             <p:nvPr/>
           </p:nvPicPr>
           <p:blipFill>
-            <a:blip r:embed="rId6" cstate="print">
+            <a:blip r:embed="rId5" cstate="print">
               <a:extLst>
                 <a:ext uri="{28A0092B-C50C-407E-A947-70E740481C1C}">
                   <a14:useLocalDpi xmlns:a14="http://schemas.microsoft.com/office/drawing/2010/main" val="0"/>
@@ -12468,13 +15481,13 @@
           <p:nvPr>
             <p:extLst>
               <p:ext uri="{D42A27DB-BD31-4B8C-83A1-F6EECF244321}">
-                <p14:modId xmlns:p14="http://schemas.microsoft.com/office/powerpoint/2010/main" val="4275481169"/>
+                <p14:modId xmlns:p14="http://schemas.microsoft.com/office/powerpoint/2010/main" val="2897612950"/>
               </p:ext>
             </p:extLst>
           </p:nvPr>
         </p:nvGraphicFramePr>
         <p:xfrm>
-          <a:off x="1701164" y="2593167"/>
+          <a:off x="6618067" y="3177490"/>
           <a:ext cx="3619500" cy="3416473"/>
         </p:xfrm>
         <a:graphic>
@@ -13932,7 +16945,7 @@
                         </a:spcAft>
                       </a:pPr>
                       <a:r>
-                        <a:rPr lang="pt-BR" sz="1200" b="0" i="1" u="none" strike="noStrike">
+                        <a:rPr lang="pt-BR" sz="1200" b="0" i="1" u="none" strike="noStrike" dirty="0">
                           <a:solidFill>
                             <a:srgbClr val="000000"/>
                           </a:solidFill>
@@ -13941,7 +16954,7 @@
                         </a:rPr>
                         <a:t>other_rate</a:t>
                       </a:r>
-                      <a:endParaRPr lang="pt-BR">
+                      <a:endParaRPr lang="pt-BR" dirty="0">
                         <a:effectLst/>
                       </a:endParaRPr>
                     </a:p>
@@ -14062,6 +17075,466 @@
           </a:graphicData>
         </a:graphic>
       </p:graphicFrame>
+      <mc:AlternateContent xmlns:mc="http://schemas.openxmlformats.org/markup-compatibility/2006">
+        <mc:Choice xmlns:a14="http://schemas.microsoft.com/office/drawing/2010/main" Requires="a14">
+          <p:sp>
+            <p:nvSpPr>
+              <p:cNvPr id="16" name="Content Placeholder 21"/>
+              <p:cNvSpPr txBox="1">
+                <a:spLocks/>
+              </p:cNvSpPr>
+              <p:nvPr/>
+            </p:nvSpPr>
+            <p:spPr>
+              <a:xfrm>
+                <a:off x="1301164" y="2043023"/>
+                <a:ext cx="4801479" cy="3684588"/>
+              </a:xfrm>
+              <a:prstGeom prst="rect">
+                <a:avLst/>
+              </a:prstGeom>
+            </p:spPr>
+            <p:txBody>
+              <a:bodyPr vert="horz" lIns="91440" tIns="45720" rIns="91440" bIns="45720" rtlCol="0">
+                <a:normAutofit/>
+              </a:bodyPr>
+              <a:lstStyle>
+                <a:lvl1pPr marL="228600" indent="-228600" algn="l" defTabSz="914400" rtl="0" eaLnBrk="1" latinLnBrk="0" hangingPunct="1">
+                  <a:lnSpc>
+                    <a:spcPct val="90000"/>
+                  </a:lnSpc>
+                  <a:spcBef>
+                    <a:spcPts val="1000"/>
+                  </a:spcBef>
+                  <a:buFont typeface="Arial" panose="020B0604020202020204" pitchFamily="34" charset="0"/>
+                  <a:buChar char="•"/>
+                  <a:defRPr sz="2800" kern="1200">
+                    <a:solidFill>
+                      <a:schemeClr val="tx1"/>
+                    </a:solidFill>
+                    <a:latin typeface="+mn-lt"/>
+                    <a:ea typeface="+mn-ea"/>
+                    <a:cs typeface="+mn-cs"/>
+                  </a:defRPr>
+                </a:lvl1pPr>
+                <a:lvl2pPr marL="685800" indent="-228600" algn="l" defTabSz="914400" rtl="0" eaLnBrk="1" latinLnBrk="0" hangingPunct="1">
+                  <a:lnSpc>
+                    <a:spcPct val="90000"/>
+                  </a:lnSpc>
+                  <a:spcBef>
+                    <a:spcPts val="500"/>
+                  </a:spcBef>
+                  <a:buFont typeface="Arial" panose="020B0604020202020204" pitchFamily="34" charset="0"/>
+                  <a:buChar char="•"/>
+                  <a:defRPr sz="2400" kern="1200">
+                    <a:solidFill>
+                      <a:schemeClr val="tx1"/>
+                    </a:solidFill>
+                    <a:latin typeface="+mn-lt"/>
+                    <a:ea typeface="+mn-ea"/>
+                    <a:cs typeface="+mn-cs"/>
+                  </a:defRPr>
+                </a:lvl2pPr>
+                <a:lvl3pPr marL="1143000" indent="-228600" algn="l" defTabSz="914400" rtl="0" eaLnBrk="1" latinLnBrk="0" hangingPunct="1">
+                  <a:lnSpc>
+                    <a:spcPct val="90000"/>
+                  </a:lnSpc>
+                  <a:spcBef>
+                    <a:spcPts val="500"/>
+                  </a:spcBef>
+                  <a:buFont typeface="Arial" panose="020B0604020202020204" pitchFamily="34" charset="0"/>
+                  <a:buChar char="•"/>
+                  <a:defRPr sz="2000" kern="1200">
+                    <a:solidFill>
+                      <a:schemeClr val="tx1"/>
+                    </a:solidFill>
+                    <a:latin typeface="+mn-lt"/>
+                    <a:ea typeface="+mn-ea"/>
+                    <a:cs typeface="+mn-cs"/>
+                  </a:defRPr>
+                </a:lvl3pPr>
+                <a:lvl4pPr marL="1600200" indent="-228600" algn="l" defTabSz="914400" rtl="0" eaLnBrk="1" latinLnBrk="0" hangingPunct="1">
+                  <a:lnSpc>
+                    <a:spcPct val="90000"/>
+                  </a:lnSpc>
+                  <a:spcBef>
+                    <a:spcPts val="500"/>
+                  </a:spcBef>
+                  <a:buFont typeface="Arial" panose="020B0604020202020204" pitchFamily="34" charset="0"/>
+                  <a:buChar char="•"/>
+                  <a:defRPr sz="1800" kern="1200">
+                    <a:solidFill>
+                      <a:schemeClr val="tx1"/>
+                    </a:solidFill>
+                    <a:latin typeface="+mn-lt"/>
+                    <a:ea typeface="+mn-ea"/>
+                    <a:cs typeface="+mn-cs"/>
+                  </a:defRPr>
+                </a:lvl4pPr>
+                <a:lvl5pPr marL="2057400" indent="-228600" algn="l" defTabSz="914400" rtl="0" eaLnBrk="1" latinLnBrk="0" hangingPunct="1">
+                  <a:lnSpc>
+                    <a:spcPct val="90000"/>
+                  </a:lnSpc>
+                  <a:spcBef>
+                    <a:spcPts val="500"/>
+                  </a:spcBef>
+                  <a:buFont typeface="Arial" panose="020B0604020202020204" pitchFamily="34" charset="0"/>
+                  <a:buChar char="•"/>
+                  <a:defRPr sz="1800" kern="1200">
+                    <a:solidFill>
+                      <a:schemeClr val="tx1"/>
+                    </a:solidFill>
+                    <a:latin typeface="+mn-lt"/>
+                    <a:ea typeface="+mn-ea"/>
+                    <a:cs typeface="+mn-cs"/>
+                  </a:defRPr>
+                </a:lvl5pPr>
+                <a:lvl6pPr marL="2514600" indent="-228600" algn="l" defTabSz="914400" rtl="0" eaLnBrk="1" latinLnBrk="0" hangingPunct="1">
+                  <a:lnSpc>
+                    <a:spcPct val="90000"/>
+                  </a:lnSpc>
+                  <a:spcBef>
+                    <a:spcPts val="500"/>
+                  </a:spcBef>
+                  <a:buFont typeface="Arial" panose="020B0604020202020204" pitchFamily="34" charset="0"/>
+                  <a:buChar char="•"/>
+                  <a:defRPr sz="1800" kern="1200">
+                    <a:solidFill>
+                      <a:schemeClr val="tx1"/>
+                    </a:solidFill>
+                    <a:latin typeface="+mn-lt"/>
+                    <a:ea typeface="+mn-ea"/>
+                    <a:cs typeface="+mn-cs"/>
+                  </a:defRPr>
+                </a:lvl6pPr>
+                <a:lvl7pPr marL="2971800" indent="-228600" algn="l" defTabSz="914400" rtl="0" eaLnBrk="1" latinLnBrk="0" hangingPunct="1">
+                  <a:lnSpc>
+                    <a:spcPct val="90000"/>
+                  </a:lnSpc>
+                  <a:spcBef>
+                    <a:spcPts val="500"/>
+                  </a:spcBef>
+                  <a:buFont typeface="Arial" panose="020B0604020202020204" pitchFamily="34" charset="0"/>
+                  <a:buChar char="•"/>
+                  <a:defRPr sz="1800" kern="1200">
+                    <a:solidFill>
+                      <a:schemeClr val="tx1"/>
+                    </a:solidFill>
+                    <a:latin typeface="+mn-lt"/>
+                    <a:ea typeface="+mn-ea"/>
+                    <a:cs typeface="+mn-cs"/>
+                  </a:defRPr>
+                </a:lvl7pPr>
+                <a:lvl8pPr marL="3429000" indent="-228600" algn="l" defTabSz="914400" rtl="0" eaLnBrk="1" latinLnBrk="0" hangingPunct="1">
+                  <a:lnSpc>
+                    <a:spcPct val="90000"/>
+                  </a:lnSpc>
+                  <a:spcBef>
+                    <a:spcPts val="500"/>
+                  </a:spcBef>
+                  <a:buFont typeface="Arial" panose="020B0604020202020204" pitchFamily="34" charset="0"/>
+                  <a:buChar char="•"/>
+                  <a:defRPr sz="1800" kern="1200">
+                    <a:solidFill>
+                      <a:schemeClr val="tx1"/>
+                    </a:solidFill>
+                    <a:latin typeface="+mn-lt"/>
+                    <a:ea typeface="+mn-ea"/>
+                    <a:cs typeface="+mn-cs"/>
+                  </a:defRPr>
+                </a:lvl8pPr>
+                <a:lvl9pPr marL="3886200" indent="-228600" algn="l" defTabSz="914400" rtl="0" eaLnBrk="1" latinLnBrk="0" hangingPunct="1">
+                  <a:lnSpc>
+                    <a:spcPct val="90000"/>
+                  </a:lnSpc>
+                  <a:spcBef>
+                    <a:spcPts val="500"/>
+                  </a:spcBef>
+                  <a:buFont typeface="Arial" panose="020B0604020202020204" pitchFamily="34" charset="0"/>
+                  <a:buChar char="•"/>
+                  <a:defRPr sz="1800" kern="1200">
+                    <a:solidFill>
+                      <a:schemeClr val="tx1"/>
+                    </a:solidFill>
+                    <a:latin typeface="+mn-lt"/>
+                    <a:ea typeface="+mn-ea"/>
+                    <a:cs typeface="+mn-cs"/>
+                  </a:defRPr>
+                </a:lvl9pPr>
+              </a:lstStyle>
+              <a:p>
+                <a:r>
+                  <a:rPr lang="pt-BR" sz="1800" i="1" dirty="0" smtClean="0">
+                    <a:latin typeface="Cambria Math" panose="02040503050406030204" pitchFamily="18" charset="0"/>
+                    <a:ea typeface="Cambria Math" panose="02040503050406030204" pitchFamily="18" charset="0"/>
+                  </a:rPr>
+                  <a:t>Kernel</a:t>
+                </a:r>
+                <a:r>
+                  <a:rPr lang="pt-BR" sz="1800" dirty="0" smtClean="0">
+                    <a:latin typeface="Cambria Math" panose="02040503050406030204" pitchFamily="18" charset="0"/>
+                    <a:ea typeface="Cambria Math" panose="02040503050406030204" pitchFamily="18" charset="0"/>
+                  </a:rPr>
+                  <a:t>: RBF</a:t>
+                </a:r>
+                <a:endParaRPr lang="pt-BR" sz="1800" i="1" dirty="0" smtClean="0">
+                  <a:latin typeface="Cambria Math" panose="02040503050406030204" pitchFamily="18" charset="0"/>
+                  <a:ea typeface="Cambria Math" panose="02040503050406030204" pitchFamily="18" charset="0"/>
+                </a:endParaRPr>
+              </a:p>
+              <a:p>
+                <a14:m>
+                  <m:oMath xmlns:m="http://schemas.openxmlformats.org/officeDocument/2006/math">
+                    <m:r>
+                      <a:rPr lang="pt-BR" sz="1800" i="1" smtClean="0">
+                        <a:latin typeface="Cambria Math" panose="02040503050406030204" pitchFamily="18" charset="0"/>
+                        <a:ea typeface="Cambria Math" panose="02040503050406030204" pitchFamily="18" charset="0"/>
+                      </a:rPr>
+                      <m:t>𝛾</m:t>
+                    </m:r>
+                    <m:r>
+                      <a:rPr lang="pt-BR" sz="1800" smtClean="0">
+                        <a:latin typeface="Cambria Math" panose="02040503050406030204" pitchFamily="18" charset="0"/>
+                        <a:ea typeface="Cambria Math" panose="02040503050406030204" pitchFamily="18" charset="0"/>
+                      </a:rPr>
+                      <m:t>: </m:t>
+                    </m:r>
+                  </m:oMath>
+                </a14:m>
+                <a:r>
+                  <a:rPr lang="pt-BR" sz="1800" dirty="0" smtClean="0"/>
+                  <a:t>9 </a:t>
+                </a:r>
+                <a:r>
+                  <a:rPr lang="pt-BR" sz="1800" dirty="0"/>
+                  <a:t>valores </a:t>
+                </a:r>
+                <a:r>
+                  <a:rPr lang="pt-BR" sz="1800" dirty="0" smtClean="0"/>
+                  <a:t>(</a:t>
+                </a:r>
+                <a14:m>
+                  <m:oMath xmlns:m="http://schemas.openxmlformats.org/officeDocument/2006/math">
+                    <m:sSup>
+                      <m:sSupPr>
+                        <m:ctrlPr>
+                          <a:rPr lang="pt-BR" sz="1800" i="1" smtClean="0">
+                            <a:latin typeface="Cambria Math" panose="02040503050406030204" pitchFamily="18" charset="0"/>
+                          </a:rPr>
+                        </m:ctrlPr>
+                      </m:sSupPr>
+                      <m:e>
+                        <m:r>
+                          <a:rPr lang="pt-BR" sz="1800" i="1" smtClean="0">
+                            <a:latin typeface="Cambria Math" panose="02040503050406030204" pitchFamily="18" charset="0"/>
+                          </a:rPr>
+                          <m:t>2</m:t>
+                        </m:r>
+                      </m:e>
+                      <m:sup>
+                        <m:r>
+                          <a:rPr lang="pt-BR" sz="1800" i="1" smtClean="0">
+                            <a:latin typeface="Cambria Math" panose="02040503050406030204" pitchFamily="18" charset="0"/>
+                          </a:rPr>
+                          <m:t>−5</m:t>
+                        </m:r>
+                      </m:sup>
+                    </m:sSup>
+                  </m:oMath>
+                </a14:m>
+                <a:r>
+                  <a:rPr lang="pt-BR" sz="1800" dirty="0" smtClean="0"/>
+                  <a:t>a </a:t>
+                </a:r>
+                <a14:m>
+                  <m:oMath xmlns:m="http://schemas.openxmlformats.org/officeDocument/2006/math">
+                    <m:sSup>
+                      <m:sSupPr>
+                        <m:ctrlPr>
+                          <a:rPr lang="pt-BR" sz="1800" i="1">
+                            <a:latin typeface="Cambria Math" panose="02040503050406030204" pitchFamily="18" charset="0"/>
+                          </a:rPr>
+                        </m:ctrlPr>
+                      </m:sSupPr>
+                      <m:e>
+                        <m:r>
+                          <a:rPr lang="pt-BR" sz="1800" i="1">
+                            <a:latin typeface="Cambria Math" panose="02040503050406030204" pitchFamily="18" charset="0"/>
+                          </a:rPr>
+                          <m:t>2</m:t>
+                        </m:r>
+                      </m:e>
+                      <m:sup>
+                        <m:r>
+                          <a:rPr lang="pt-BR" sz="1800" i="1" smtClean="0">
+                            <a:latin typeface="Cambria Math" panose="02040503050406030204" pitchFamily="18" charset="0"/>
+                          </a:rPr>
+                          <m:t>3</m:t>
+                        </m:r>
+                      </m:sup>
+                    </m:sSup>
+                  </m:oMath>
+                </a14:m>
+                <a:r>
+                  <a:rPr lang="pt-BR" sz="1800" dirty="0" smtClean="0"/>
+                  <a:t>);</a:t>
+                </a:r>
+              </a:p>
+              <a:p>
+                <a14:m>
+                  <m:oMath xmlns:m="http://schemas.openxmlformats.org/officeDocument/2006/math">
+                    <m:r>
+                      <a:rPr lang="pt-BR" sz="1800" i="1">
+                        <a:latin typeface="Cambria Math" panose="02040503050406030204" pitchFamily="18" charset="0"/>
+                        <a:ea typeface="Cambria Math" panose="02040503050406030204" pitchFamily="18" charset="0"/>
+                      </a:rPr>
+                      <m:t>𝜀</m:t>
+                    </m:r>
+                    <m:r>
+                      <a:rPr lang="pt-BR" sz="1800" smtClean="0">
+                        <a:latin typeface="Cambria Math" panose="02040503050406030204" pitchFamily="18" charset="0"/>
+                        <a:ea typeface="Cambria Math" panose="02040503050406030204" pitchFamily="18" charset="0"/>
+                      </a:rPr>
+                      <m:t>: </m:t>
+                    </m:r>
+                  </m:oMath>
+                </a14:m>
+                <a:r>
+                  <a:rPr lang="pt-BR" sz="1800" dirty="0" smtClean="0"/>
+                  <a:t>7 valores (0,01</a:t>
+                </a:r>
+                <a:r>
+                  <a:rPr lang="pt-BR" sz="1800" dirty="0"/>
+                  <a:t>; 0,05; 0,1; 0,5; 1; 2; 4) </a:t>
+                </a:r>
+              </a:p>
+              <a:p>
+                <a:r>
+                  <a:rPr lang="pt-BR" sz="1800" dirty="0" smtClean="0"/>
+                  <a:t>C: 12 </a:t>
+                </a:r>
+                <a:r>
+                  <a:rPr lang="pt-BR" sz="1800" dirty="0"/>
+                  <a:t>valores para C (</a:t>
+                </a:r>
+                <a14:m>
+                  <m:oMath xmlns:m="http://schemas.openxmlformats.org/officeDocument/2006/math">
+                    <m:sSup>
+                      <m:sSupPr>
+                        <m:ctrlPr>
+                          <a:rPr lang="pt-BR" sz="1800" i="1">
+                            <a:latin typeface="Cambria Math" panose="02040503050406030204" pitchFamily="18" charset="0"/>
+                          </a:rPr>
+                        </m:ctrlPr>
+                      </m:sSupPr>
+                      <m:e>
+                        <m:r>
+                          <a:rPr lang="pt-BR" sz="1800" i="1">
+                            <a:latin typeface="Cambria Math" panose="02040503050406030204" pitchFamily="18" charset="0"/>
+                          </a:rPr>
+                          <m:t>2</m:t>
+                        </m:r>
+                      </m:e>
+                      <m:sup>
+                        <m:r>
+                          <a:rPr lang="pt-BR" sz="1800" i="1">
+                            <a:latin typeface="Cambria Math" panose="02040503050406030204" pitchFamily="18" charset="0"/>
+                          </a:rPr>
+                          <m:t>−</m:t>
+                        </m:r>
+                        <m:r>
+                          <a:rPr lang="pt-BR" sz="1800" i="1" smtClean="0">
+                            <a:latin typeface="Cambria Math" panose="02040503050406030204" pitchFamily="18" charset="0"/>
+                          </a:rPr>
+                          <m:t>2</m:t>
+                        </m:r>
+                      </m:sup>
+                    </m:sSup>
+                  </m:oMath>
+                </a14:m>
+                <a:r>
+                  <a:rPr lang="pt-BR" sz="1800" dirty="0" smtClean="0"/>
+                  <a:t>a </a:t>
+                </a:r>
+                <a14:m>
+                  <m:oMath xmlns:m="http://schemas.openxmlformats.org/officeDocument/2006/math">
+                    <m:sSup>
+                      <m:sSupPr>
+                        <m:ctrlPr>
+                          <a:rPr lang="pt-BR" sz="1800" i="1">
+                            <a:latin typeface="Cambria Math" panose="02040503050406030204" pitchFamily="18" charset="0"/>
+                          </a:rPr>
+                        </m:ctrlPr>
+                      </m:sSupPr>
+                      <m:e>
+                        <m:r>
+                          <a:rPr lang="pt-BR" sz="1800" i="1">
+                            <a:latin typeface="Cambria Math" panose="02040503050406030204" pitchFamily="18" charset="0"/>
+                          </a:rPr>
+                          <m:t>2</m:t>
+                        </m:r>
+                      </m:e>
+                      <m:sup>
+                        <m:r>
+                          <a:rPr lang="pt-BR" sz="1800" i="1" smtClean="0">
+                            <a:latin typeface="Cambria Math" panose="02040503050406030204" pitchFamily="18" charset="0"/>
+                          </a:rPr>
+                          <m:t>9</m:t>
+                        </m:r>
+                      </m:sup>
+                    </m:sSup>
+                  </m:oMath>
+                </a14:m>
+                <a:r>
+                  <a:rPr lang="pt-BR" sz="1800" dirty="0" smtClean="0"/>
+                  <a:t>).</a:t>
+                </a:r>
+              </a:p>
+              <a:p>
+                <a:endParaRPr lang="pt-BR" sz="1800" dirty="0"/>
+              </a:p>
+            </p:txBody>
+          </p:sp>
+        </mc:Choice>
+        <mc:Fallback>
+          <p:sp>
+            <p:nvSpPr>
+              <p:cNvPr id="16" name="Content Placeholder 21"/>
+              <p:cNvSpPr txBox="1">
+                <a:spLocks noRot="1" noChangeAspect="1" noMove="1" noResize="1" noEditPoints="1" noAdjustHandles="1" noChangeArrowheads="1" noChangeShapeType="1" noTextEdit="1"/>
+              </p:cNvSpPr>
+              <p:nvPr/>
+            </p:nvSpPr>
+            <p:spPr>
+              <a:xfrm>
+                <a:off x="1301164" y="2043023"/>
+                <a:ext cx="4801479" cy="3684588"/>
+              </a:xfrm>
+              <a:prstGeom prst="rect">
+                <a:avLst/>
+              </a:prstGeom>
+              <a:blipFill>
+                <a:blip r:embed="rId6"/>
+                <a:stretch>
+                  <a:fillRect l="-761" t="-1653"/>
+                </a:stretch>
+              </a:blipFill>
+            </p:spPr>
+            <p:txBody>
+              <a:bodyPr/>
+              <a:lstStyle/>
+              <a:p>
+                <a:r>
+                  <a:rPr lang="pt-BR">
+                    <a:noFill/>
+                  </a:rPr>
+                  <a:t> </a:t>
+                </a:r>
+              </a:p>
+            </p:txBody>
+          </p:sp>
+        </mc:Fallback>
+      </mc:AlternateContent>
     </p:spTree>
     <p:extLst>
       <p:ext uri="{BB962C8B-B14F-4D97-AF65-F5344CB8AC3E}">
@@ -14082,7 +17555,7 @@
 </p:sld>
 </file>
 
-<file path=ppt/slides/slide23.xml><?xml version="1.0" encoding="utf-8"?>
+<file path=ppt/slides/slide25.xml><?xml version="1.0" encoding="utf-8"?>
 <p:sld xmlns:a="http://schemas.openxmlformats.org/drawingml/2006/main" xmlns:r="http://schemas.openxmlformats.org/officeDocument/2006/relationships" xmlns:p="http://schemas.openxmlformats.org/presentationml/2006/main">
   <p:cSld>
     <p:spTree>
@@ -14671,7 +18144,7 @@
 </p:sld>
 </file>
 
-<file path=ppt/slides/slide24.xml><?xml version="1.0" encoding="utf-8"?>
+<file path=ppt/slides/slide26.xml><?xml version="1.0" encoding="utf-8"?>
 <p:sld xmlns:a="http://schemas.openxmlformats.org/drawingml/2006/main" xmlns:r="http://schemas.openxmlformats.org/officeDocument/2006/relationships" xmlns:p="http://schemas.openxmlformats.org/presentationml/2006/main">
   <p:cSld>
     <p:spTree>
@@ -15110,7 +18583,7 @@
 </p:sld>
 </file>
 
-<file path=ppt/slides/slide25.xml><?xml version="1.0" encoding="utf-8"?>
+<file path=ppt/slides/slide27.xml><?xml version="1.0" encoding="utf-8"?>
 <p:sld xmlns:a="http://schemas.openxmlformats.org/drawingml/2006/main" xmlns:r="http://schemas.openxmlformats.org/officeDocument/2006/relationships" xmlns:p="http://schemas.openxmlformats.org/presentationml/2006/main">
   <p:cSld>
     <p:spTree>
@@ -15385,7 +18858,7 @@
 </p:sld>
 </file>
 
-<file path=ppt/slides/slide26.xml><?xml version="1.0" encoding="utf-8"?>
+<file path=ppt/slides/slide28.xml><?xml version="1.0" encoding="utf-8"?>
 <p:sld xmlns:a="http://schemas.openxmlformats.org/drawingml/2006/main" xmlns:r="http://schemas.openxmlformats.org/officeDocument/2006/relationships" xmlns:p="http://schemas.openxmlformats.org/presentationml/2006/main">
   <p:cSld>
     <p:spTree>
@@ -15763,7 +19236,7 @@
 </p:sld>
 </file>
 
-<file path=ppt/slides/slide27.xml><?xml version="1.0" encoding="utf-8"?>
+<file path=ppt/slides/slide29.xml><?xml version="1.0" encoding="utf-8"?>
 <p:sld xmlns:a="http://schemas.openxmlformats.org/drawingml/2006/main" xmlns:r="http://schemas.openxmlformats.org/officeDocument/2006/relationships" xmlns:p="http://schemas.openxmlformats.org/presentationml/2006/main">
   <p:cSld>
     <p:spTree>
@@ -22039,7 +25512,282 @@
 </p:sld>
 </file>
 
-<file path=ppt/slides/slide28.xml><?xml version="1.0" encoding="utf-8"?>
+<file path=ppt/slides/slide3.xml><?xml version="1.0" encoding="utf-8"?>
+<p:sld xmlns:a="http://schemas.openxmlformats.org/drawingml/2006/main" xmlns:r="http://schemas.openxmlformats.org/officeDocument/2006/relationships" xmlns:p="http://schemas.openxmlformats.org/presentationml/2006/main">
+  <p:cSld>
+    <p:spTree>
+      <p:nvGrpSpPr>
+        <p:cNvPr id="1" name=""/>
+        <p:cNvGrpSpPr/>
+        <p:nvPr/>
+      </p:nvGrpSpPr>
+      <p:grpSpPr>
+        <a:xfrm>
+          <a:off x="0" y="0"/>
+          <a:ext cx="0" cy="0"/>
+          <a:chOff x="0" y="0"/>
+          <a:chExt cx="0" cy="0"/>
+        </a:xfrm>
+      </p:grpSpPr>
+      <p:pic>
+        <p:nvPicPr>
+          <p:cNvPr id="4" name="Picture 3"/>
+          <p:cNvPicPr>
+            <a:picLocks noChangeAspect="1"/>
+          </p:cNvPicPr>
+          <p:nvPr/>
+        </p:nvPicPr>
+        <p:blipFill>
+          <a:blip r:embed="rId2" cstate="print">
+            <a:extLst>
+              <a:ext uri="{28A0092B-C50C-407E-A947-70E740481C1C}">
+                <a14:useLocalDpi xmlns:a14="http://schemas.microsoft.com/office/drawing/2010/main" val="0"/>
+              </a:ext>
+            </a:extLst>
+          </a:blip>
+          <a:stretch>
+            <a:fillRect/>
+          </a:stretch>
+        </p:blipFill>
+        <p:spPr>
+          <a:xfrm>
+            <a:off x="304800" y="138835"/>
+            <a:ext cx="983528" cy="983528"/>
+          </a:xfrm>
+          <a:prstGeom prst="rect">
+            <a:avLst/>
+          </a:prstGeom>
+        </p:spPr>
+      </p:pic>
+      <p:cxnSp>
+        <p:nvCxnSpPr>
+          <p:cNvPr id="8" name="Straight Connector 7"/>
+          <p:cNvCxnSpPr/>
+          <p:nvPr/>
+        </p:nvCxnSpPr>
+        <p:spPr>
+          <a:xfrm>
+            <a:off x="0" y="6677891"/>
+            <a:ext cx="12192000" cy="0"/>
+          </a:xfrm>
+          <a:prstGeom prst="line">
+            <a:avLst/>
+          </a:prstGeom>
+          <a:ln>
+            <a:solidFill>
+              <a:schemeClr val="tx1"/>
+            </a:solidFill>
+          </a:ln>
+        </p:spPr>
+        <p:style>
+          <a:lnRef idx="1">
+            <a:schemeClr val="accent1"/>
+          </a:lnRef>
+          <a:fillRef idx="0">
+            <a:schemeClr val="accent1"/>
+          </a:fillRef>
+          <a:effectRef idx="0">
+            <a:schemeClr val="accent1"/>
+          </a:effectRef>
+          <a:fontRef idx="minor">
+            <a:schemeClr val="tx1"/>
+          </a:fontRef>
+        </p:style>
+      </p:cxnSp>
+      <p:sp>
+        <p:nvSpPr>
+          <p:cNvPr id="9" name="TextBox 8"/>
+          <p:cNvSpPr txBox="1"/>
+          <p:nvPr/>
+        </p:nvSpPr>
+        <p:spPr>
+          <a:xfrm>
+            <a:off x="10668000" y="6392488"/>
+            <a:ext cx="1234633" cy="369332"/>
+          </a:xfrm>
+          <a:prstGeom prst="rect">
+            <a:avLst/>
+          </a:prstGeom>
+          <a:noFill/>
+        </p:spPr>
+        <p:txBody>
+          <a:bodyPr wrap="none" rtlCol="0">
+            <a:spAutoFit/>
+          </a:bodyPr>
+          <a:lstStyle/>
+          <a:p>
+            <a:r>
+              <a:rPr lang="pt-BR" dirty="0" smtClean="0">
+                <a:solidFill>
+                  <a:schemeClr val="bg1">
+                    <a:lumMod val="50000"/>
+                  </a:schemeClr>
+                </a:solidFill>
+              </a:rPr>
+              <a:t>CIn.ufpe.br</a:t>
+            </a:r>
+            <a:endParaRPr lang="pt-BR" dirty="0">
+              <a:solidFill>
+                <a:schemeClr val="bg1">
+                  <a:lumMod val="50000"/>
+                </a:schemeClr>
+              </a:solidFill>
+            </a:endParaRPr>
+          </a:p>
+        </p:txBody>
+      </p:sp>
+      <p:sp>
+        <p:nvSpPr>
+          <p:cNvPr id="5" name="Title 4"/>
+          <p:cNvSpPr>
+            <a:spLocks noGrp="1"/>
+          </p:cNvSpPr>
+          <p:nvPr>
+            <p:ph type="title"/>
+          </p:nvPr>
+        </p:nvSpPr>
+        <p:spPr/>
+        <p:txBody>
+          <a:bodyPr/>
+          <a:lstStyle/>
+          <a:p>
+            <a:r>
+              <a:rPr lang="pt-BR" b="1" dirty="0" smtClean="0">
+                <a:solidFill>
+                  <a:srgbClr val="FF182C"/>
+                </a:solidFill>
+                <a:latin typeface="Noto Sans" panose="020B0502040504020204" pitchFamily="34"/>
+                <a:ea typeface="Noto Sans" panose="020B0502040504020204" pitchFamily="34"/>
+                <a:cs typeface="Noto Sans" panose="020B0502040504020204" pitchFamily="34"/>
+              </a:rPr>
+              <a:t>Objetivo</a:t>
+            </a:r>
+            <a:endParaRPr lang="pt-BR" b="1" dirty="0">
+              <a:solidFill>
+                <a:srgbClr val="FF182C"/>
+              </a:solidFill>
+              <a:latin typeface="Noto Sans" panose="020B0502040504020204" pitchFamily="34"/>
+              <a:ea typeface="Noto Sans" panose="020B0502040504020204" pitchFamily="34"/>
+              <a:cs typeface="Noto Sans" panose="020B0502040504020204" pitchFamily="34"/>
+            </a:endParaRPr>
+          </a:p>
+        </p:txBody>
+      </p:sp>
+      <p:sp>
+        <p:nvSpPr>
+          <p:cNvPr id="6" name="Text Placeholder 5"/>
+          <p:cNvSpPr>
+            <a:spLocks noGrp="1"/>
+          </p:cNvSpPr>
+          <p:nvPr>
+            <p:ph type="body" idx="1"/>
+          </p:nvPr>
+        </p:nvSpPr>
+        <p:spPr/>
+        <p:txBody>
+          <a:bodyPr/>
+          <a:lstStyle/>
+          <a:p>
+            <a:endParaRPr lang="pt-BR"/>
+          </a:p>
+        </p:txBody>
+      </p:sp>
+      <p:grpSp>
+        <p:nvGrpSpPr>
+          <p:cNvPr id="7" name="Group 6"/>
+          <p:cNvGrpSpPr/>
+          <p:nvPr/>
+        </p:nvGrpSpPr>
+        <p:grpSpPr>
+          <a:xfrm>
+            <a:off x="304800" y="6013799"/>
+            <a:ext cx="2710543" cy="576000"/>
+            <a:chOff x="304800" y="6013799"/>
+            <a:chExt cx="2710543" cy="580164"/>
+          </a:xfrm>
+        </p:grpSpPr>
+        <p:pic>
+          <p:nvPicPr>
+            <p:cNvPr id="10" name="Picture 9"/>
+            <p:cNvPicPr>
+              <a:picLocks noChangeAspect="1"/>
+            </p:cNvPicPr>
+            <p:nvPr/>
+          </p:nvPicPr>
+          <p:blipFill>
+            <a:blip r:embed="rId3">
+              <a:extLst>
+                <a:ext uri="{28A0092B-C50C-407E-A947-70E740481C1C}">
+                  <a14:useLocalDpi xmlns:a14="http://schemas.microsoft.com/office/drawing/2010/main" val="0"/>
+                </a:ext>
+              </a:extLst>
+            </a:blip>
+            <a:stretch>
+              <a:fillRect/>
+            </a:stretch>
+          </p:blipFill>
+          <p:spPr>
+            <a:xfrm>
+              <a:off x="304800" y="6017963"/>
+              <a:ext cx="1396364" cy="576000"/>
+            </a:xfrm>
+            <a:prstGeom prst="rect">
+              <a:avLst/>
+            </a:prstGeom>
+          </p:spPr>
+        </p:pic>
+        <p:pic>
+          <p:nvPicPr>
+            <p:cNvPr id="11" name="Picture 10"/>
+            <p:cNvPicPr>
+              <a:picLocks noChangeAspect="1"/>
+            </p:cNvPicPr>
+            <p:nvPr/>
+          </p:nvPicPr>
+          <p:blipFill>
+            <a:blip r:embed="rId4" cstate="print">
+              <a:extLst>
+                <a:ext uri="{28A0092B-C50C-407E-A947-70E740481C1C}">
+                  <a14:useLocalDpi xmlns:a14="http://schemas.microsoft.com/office/drawing/2010/main" val="0"/>
+                </a:ext>
+              </a:extLst>
+            </a:blip>
+            <a:stretch>
+              <a:fillRect/>
+            </a:stretch>
+          </p:blipFill>
+          <p:spPr>
+            <a:xfrm>
+              <a:off x="1928551" y="6013799"/>
+              <a:ext cx="1086792" cy="576000"/>
+            </a:xfrm>
+            <a:prstGeom prst="rect">
+              <a:avLst/>
+            </a:prstGeom>
+          </p:spPr>
+        </p:pic>
+      </p:grpSp>
+    </p:spTree>
+    <p:extLst>
+      <p:ext uri="{BB962C8B-B14F-4D97-AF65-F5344CB8AC3E}">
+        <p14:creationId xmlns:p14="http://schemas.microsoft.com/office/powerpoint/2010/main" val="3485521989"/>
+      </p:ext>
+    </p:extLst>
+  </p:cSld>
+  <p:clrMapOvr>
+    <a:masterClrMapping/>
+  </p:clrMapOvr>
+  <p:timing>
+    <p:tnLst>
+      <p:par>
+        <p:cTn id="1" dur="indefinite" restart="never" nodeType="tmRoot"/>
+      </p:par>
+    </p:tnLst>
+  </p:timing>
+</p:sld>
+</file>
+
+<file path=ppt/slides/slide30.xml><?xml version="1.0" encoding="utf-8"?>
 <p:sld xmlns:a="http://schemas.openxmlformats.org/drawingml/2006/main" xmlns:r="http://schemas.openxmlformats.org/officeDocument/2006/relationships" xmlns:p="http://schemas.openxmlformats.org/presentationml/2006/main">
   <p:cSld>
     <p:spTree>
@@ -22793,7 +26541,7 @@
 </p:sld>
 </file>
 
-<file path=ppt/slides/slide29.xml><?xml version="1.0" encoding="utf-8"?>
+<file path=ppt/slides/slide31.xml><?xml version="1.0" encoding="utf-8"?>
 <p:sld xmlns:a="http://schemas.openxmlformats.org/drawingml/2006/main" xmlns:r="http://schemas.openxmlformats.org/officeDocument/2006/relationships" xmlns:p="http://schemas.openxmlformats.org/presentationml/2006/main">
   <p:cSld>
     <p:spTree>
@@ -24112,963 +27860,6 @@
 </p:sld>
 </file>
 
-<file path=ppt/slides/slide3.xml><?xml version="1.0" encoding="utf-8"?>
-<p:sld xmlns:a="http://schemas.openxmlformats.org/drawingml/2006/main" xmlns:r="http://schemas.openxmlformats.org/officeDocument/2006/relationships" xmlns:p="http://schemas.openxmlformats.org/presentationml/2006/main">
-  <p:cSld>
-    <p:spTree>
-      <p:nvGrpSpPr>
-        <p:cNvPr id="1" name=""/>
-        <p:cNvGrpSpPr/>
-        <p:nvPr/>
-      </p:nvGrpSpPr>
-      <p:grpSpPr>
-        <a:xfrm>
-          <a:off x="0" y="0"/>
-          <a:ext cx="0" cy="0"/>
-          <a:chOff x="0" y="0"/>
-          <a:chExt cx="0" cy="0"/>
-        </a:xfrm>
-      </p:grpSpPr>
-      <p:pic>
-        <p:nvPicPr>
-          <p:cNvPr id="4" name="Picture 3"/>
-          <p:cNvPicPr>
-            <a:picLocks noChangeAspect="1"/>
-          </p:cNvPicPr>
-          <p:nvPr/>
-        </p:nvPicPr>
-        <p:blipFill>
-          <a:blip r:embed="rId2" cstate="print">
-            <a:extLst>
-              <a:ext uri="{28A0092B-C50C-407E-A947-70E740481C1C}">
-                <a14:useLocalDpi xmlns:a14="http://schemas.microsoft.com/office/drawing/2010/main" val="0"/>
-              </a:ext>
-            </a:extLst>
-          </a:blip>
-          <a:stretch>
-            <a:fillRect/>
-          </a:stretch>
-        </p:blipFill>
-        <p:spPr>
-          <a:xfrm>
-            <a:off x="304800" y="138835"/>
-            <a:ext cx="983528" cy="983528"/>
-          </a:xfrm>
-          <a:prstGeom prst="rect">
-            <a:avLst/>
-          </a:prstGeom>
-        </p:spPr>
-      </p:pic>
-      <p:cxnSp>
-        <p:nvCxnSpPr>
-          <p:cNvPr id="8" name="Straight Connector 7"/>
-          <p:cNvCxnSpPr/>
-          <p:nvPr/>
-        </p:nvCxnSpPr>
-        <p:spPr>
-          <a:xfrm>
-            <a:off x="0" y="6677891"/>
-            <a:ext cx="12192000" cy="0"/>
-          </a:xfrm>
-          <a:prstGeom prst="line">
-            <a:avLst/>
-          </a:prstGeom>
-          <a:ln>
-            <a:solidFill>
-              <a:schemeClr val="tx1"/>
-            </a:solidFill>
-          </a:ln>
-        </p:spPr>
-        <p:style>
-          <a:lnRef idx="1">
-            <a:schemeClr val="accent1"/>
-          </a:lnRef>
-          <a:fillRef idx="0">
-            <a:schemeClr val="accent1"/>
-          </a:fillRef>
-          <a:effectRef idx="0">
-            <a:schemeClr val="accent1"/>
-          </a:effectRef>
-          <a:fontRef idx="minor">
-            <a:schemeClr val="tx1"/>
-          </a:fontRef>
-        </p:style>
-      </p:cxnSp>
-      <p:sp>
-        <p:nvSpPr>
-          <p:cNvPr id="9" name="TextBox 8"/>
-          <p:cNvSpPr txBox="1"/>
-          <p:nvPr/>
-        </p:nvSpPr>
-        <p:spPr>
-          <a:xfrm>
-            <a:off x="10668000" y="6392488"/>
-            <a:ext cx="1234633" cy="369332"/>
-          </a:xfrm>
-          <a:prstGeom prst="rect">
-            <a:avLst/>
-          </a:prstGeom>
-          <a:noFill/>
-        </p:spPr>
-        <p:txBody>
-          <a:bodyPr wrap="none" rtlCol="0">
-            <a:spAutoFit/>
-          </a:bodyPr>
-          <a:lstStyle/>
-          <a:p>
-            <a:r>
-              <a:rPr lang="pt-BR" dirty="0" smtClean="0">
-                <a:solidFill>
-                  <a:schemeClr val="bg1">
-                    <a:lumMod val="50000"/>
-                  </a:schemeClr>
-                </a:solidFill>
-              </a:rPr>
-              <a:t>CIn.ufpe.br</a:t>
-            </a:r>
-            <a:endParaRPr lang="pt-BR" dirty="0">
-              <a:solidFill>
-                <a:schemeClr val="bg1">
-                  <a:lumMod val="50000"/>
-                </a:schemeClr>
-              </a:solidFill>
-            </a:endParaRPr>
-          </a:p>
-        </p:txBody>
-      </p:sp>
-      <p:sp>
-        <p:nvSpPr>
-          <p:cNvPr id="5" name="Title 4"/>
-          <p:cNvSpPr>
-            <a:spLocks noGrp="1"/>
-          </p:cNvSpPr>
-          <p:nvPr>
-            <p:ph type="title"/>
-          </p:nvPr>
-        </p:nvSpPr>
-        <p:spPr/>
-        <p:txBody>
-          <a:bodyPr/>
-          <a:lstStyle/>
-          <a:p>
-            <a:r>
-              <a:rPr lang="pt-BR" b="1" dirty="0" smtClean="0">
-                <a:solidFill>
-                  <a:srgbClr val="FF182C"/>
-                </a:solidFill>
-                <a:latin typeface="Noto Sans" panose="020B0502040504020204" pitchFamily="34"/>
-                <a:ea typeface="Noto Sans" panose="020B0502040504020204" pitchFamily="34"/>
-                <a:cs typeface="Noto Sans" panose="020B0502040504020204" pitchFamily="34"/>
-              </a:rPr>
-              <a:t>Objetivo</a:t>
-            </a:r>
-            <a:endParaRPr lang="pt-BR" b="1" dirty="0">
-              <a:solidFill>
-                <a:srgbClr val="FF182C"/>
-              </a:solidFill>
-              <a:latin typeface="Noto Sans" panose="020B0502040504020204" pitchFamily="34"/>
-              <a:ea typeface="Noto Sans" panose="020B0502040504020204" pitchFamily="34"/>
-              <a:cs typeface="Noto Sans" panose="020B0502040504020204" pitchFamily="34"/>
-            </a:endParaRPr>
-          </a:p>
-        </p:txBody>
-      </p:sp>
-      <p:sp>
-        <p:nvSpPr>
-          <p:cNvPr id="6" name="Text Placeholder 5"/>
-          <p:cNvSpPr>
-            <a:spLocks noGrp="1"/>
-          </p:cNvSpPr>
-          <p:nvPr>
-            <p:ph type="body" idx="1"/>
-          </p:nvPr>
-        </p:nvSpPr>
-        <p:spPr/>
-        <p:txBody>
-          <a:bodyPr/>
-          <a:lstStyle/>
-          <a:p>
-            <a:endParaRPr lang="pt-BR"/>
-          </a:p>
-        </p:txBody>
-      </p:sp>
-      <p:grpSp>
-        <p:nvGrpSpPr>
-          <p:cNvPr id="7" name="Group 6"/>
-          <p:cNvGrpSpPr/>
-          <p:nvPr/>
-        </p:nvGrpSpPr>
-        <p:grpSpPr>
-          <a:xfrm>
-            <a:off x="304800" y="6013799"/>
-            <a:ext cx="2710543" cy="576000"/>
-            <a:chOff x="304800" y="6013799"/>
-            <a:chExt cx="2710543" cy="580164"/>
-          </a:xfrm>
-        </p:grpSpPr>
-        <p:pic>
-          <p:nvPicPr>
-            <p:cNvPr id="10" name="Picture 9"/>
-            <p:cNvPicPr>
-              <a:picLocks noChangeAspect="1"/>
-            </p:cNvPicPr>
-            <p:nvPr/>
-          </p:nvPicPr>
-          <p:blipFill>
-            <a:blip r:embed="rId3">
-              <a:extLst>
-                <a:ext uri="{28A0092B-C50C-407E-A947-70E740481C1C}">
-                  <a14:useLocalDpi xmlns:a14="http://schemas.microsoft.com/office/drawing/2010/main" val="0"/>
-                </a:ext>
-              </a:extLst>
-            </a:blip>
-            <a:stretch>
-              <a:fillRect/>
-            </a:stretch>
-          </p:blipFill>
-          <p:spPr>
-            <a:xfrm>
-              <a:off x="304800" y="6017963"/>
-              <a:ext cx="1396364" cy="576000"/>
-            </a:xfrm>
-            <a:prstGeom prst="rect">
-              <a:avLst/>
-            </a:prstGeom>
-          </p:spPr>
-        </p:pic>
-        <p:pic>
-          <p:nvPicPr>
-            <p:cNvPr id="11" name="Picture 10"/>
-            <p:cNvPicPr>
-              <a:picLocks noChangeAspect="1"/>
-            </p:cNvPicPr>
-            <p:nvPr/>
-          </p:nvPicPr>
-          <p:blipFill>
-            <a:blip r:embed="rId4" cstate="print">
-              <a:extLst>
-                <a:ext uri="{28A0092B-C50C-407E-A947-70E740481C1C}">
-                  <a14:useLocalDpi xmlns:a14="http://schemas.microsoft.com/office/drawing/2010/main" val="0"/>
-                </a:ext>
-              </a:extLst>
-            </a:blip>
-            <a:stretch>
-              <a:fillRect/>
-            </a:stretch>
-          </p:blipFill>
-          <p:spPr>
-            <a:xfrm>
-              <a:off x="1928551" y="6013799"/>
-              <a:ext cx="1086792" cy="576000"/>
-            </a:xfrm>
-            <a:prstGeom prst="rect">
-              <a:avLst/>
-            </a:prstGeom>
-          </p:spPr>
-        </p:pic>
-      </p:grpSp>
-    </p:spTree>
-    <p:extLst>
-      <p:ext uri="{BB962C8B-B14F-4D97-AF65-F5344CB8AC3E}">
-        <p14:creationId xmlns:p14="http://schemas.microsoft.com/office/powerpoint/2010/main" val="3485521989"/>
-      </p:ext>
-    </p:extLst>
-  </p:cSld>
-  <p:clrMapOvr>
-    <a:masterClrMapping/>
-  </p:clrMapOvr>
-  <p:timing>
-    <p:tnLst>
-      <p:par>
-        <p:cTn id="1" dur="indefinite" restart="never" nodeType="tmRoot"/>
-      </p:par>
-    </p:tnLst>
-  </p:timing>
-</p:sld>
-</file>
-
-<file path=ppt/slides/slide30.xml><?xml version="1.0" encoding="utf-8"?>
-<p:sld xmlns:a="http://schemas.openxmlformats.org/drawingml/2006/main" xmlns:r="http://schemas.openxmlformats.org/officeDocument/2006/relationships" xmlns:p="http://schemas.openxmlformats.org/presentationml/2006/main">
-  <p:cSld>
-    <p:spTree>
-      <p:nvGrpSpPr>
-        <p:cNvPr id="1" name=""/>
-        <p:cNvGrpSpPr/>
-        <p:nvPr/>
-      </p:nvGrpSpPr>
-      <p:grpSpPr>
-        <a:xfrm>
-          <a:off x="0" y="0"/>
-          <a:ext cx="0" cy="0"/>
-          <a:chOff x="0" y="0"/>
-          <a:chExt cx="0" cy="0"/>
-        </a:xfrm>
-      </p:grpSpPr>
-      <p:pic>
-        <p:nvPicPr>
-          <p:cNvPr id="4" name="Picture 3"/>
-          <p:cNvPicPr>
-            <a:picLocks noChangeAspect="1"/>
-          </p:cNvPicPr>
-          <p:nvPr/>
-        </p:nvPicPr>
-        <p:blipFill>
-          <a:blip r:embed="rId2" cstate="print">
-            <a:extLst>
-              <a:ext uri="{28A0092B-C50C-407E-A947-70E740481C1C}">
-                <a14:useLocalDpi xmlns:a14="http://schemas.microsoft.com/office/drawing/2010/main" val="0"/>
-              </a:ext>
-            </a:extLst>
-          </a:blip>
-          <a:stretch>
-            <a:fillRect/>
-          </a:stretch>
-        </p:blipFill>
-        <p:spPr>
-          <a:xfrm>
-            <a:off x="304800" y="138835"/>
-            <a:ext cx="983528" cy="983528"/>
-          </a:xfrm>
-          <a:prstGeom prst="rect">
-            <a:avLst/>
-          </a:prstGeom>
-        </p:spPr>
-      </p:pic>
-      <p:cxnSp>
-        <p:nvCxnSpPr>
-          <p:cNvPr id="8" name="Straight Connector 7"/>
-          <p:cNvCxnSpPr/>
-          <p:nvPr/>
-        </p:nvCxnSpPr>
-        <p:spPr>
-          <a:xfrm>
-            <a:off x="0" y="6677891"/>
-            <a:ext cx="12192000" cy="0"/>
-          </a:xfrm>
-          <a:prstGeom prst="line">
-            <a:avLst/>
-          </a:prstGeom>
-          <a:ln>
-            <a:solidFill>
-              <a:schemeClr val="tx1"/>
-            </a:solidFill>
-          </a:ln>
-        </p:spPr>
-        <p:style>
-          <a:lnRef idx="1">
-            <a:schemeClr val="accent1"/>
-          </a:lnRef>
-          <a:fillRef idx="0">
-            <a:schemeClr val="accent1"/>
-          </a:fillRef>
-          <a:effectRef idx="0">
-            <a:schemeClr val="accent1"/>
-          </a:effectRef>
-          <a:fontRef idx="minor">
-            <a:schemeClr val="tx1"/>
-          </a:fontRef>
-        </p:style>
-      </p:cxnSp>
-      <p:sp>
-        <p:nvSpPr>
-          <p:cNvPr id="9" name="TextBox 8"/>
-          <p:cNvSpPr txBox="1"/>
-          <p:nvPr/>
-        </p:nvSpPr>
-        <p:spPr>
-          <a:xfrm>
-            <a:off x="10668000" y="6392488"/>
-            <a:ext cx="1234633" cy="369332"/>
-          </a:xfrm>
-          <a:prstGeom prst="rect">
-            <a:avLst/>
-          </a:prstGeom>
-          <a:noFill/>
-        </p:spPr>
-        <p:txBody>
-          <a:bodyPr wrap="none" rtlCol="0">
-            <a:spAutoFit/>
-          </a:bodyPr>
-          <a:lstStyle/>
-          <a:p>
-            <a:r>
-              <a:rPr lang="pt-BR" dirty="0" smtClean="0">
-                <a:solidFill>
-                  <a:schemeClr val="bg1">
-                    <a:lumMod val="50000"/>
-                  </a:schemeClr>
-                </a:solidFill>
-              </a:rPr>
-              <a:t>CIn.ufpe.br</a:t>
-            </a:r>
-            <a:endParaRPr lang="pt-BR" dirty="0">
-              <a:solidFill>
-                <a:schemeClr val="bg1">
-                  <a:lumMod val="50000"/>
-                </a:schemeClr>
-              </a:solidFill>
-            </a:endParaRPr>
-          </a:p>
-        </p:txBody>
-      </p:sp>
-      <p:sp>
-        <p:nvSpPr>
-          <p:cNvPr id="5" name="Title 4"/>
-          <p:cNvSpPr>
-            <a:spLocks noGrp="1"/>
-          </p:cNvSpPr>
-          <p:nvPr>
-            <p:ph type="title"/>
-          </p:nvPr>
-        </p:nvSpPr>
-        <p:spPr/>
-        <p:txBody>
-          <a:bodyPr/>
-          <a:lstStyle/>
-          <a:p>
-            <a:r>
-              <a:rPr lang="pt-BR" b="1" dirty="0" smtClean="0">
-                <a:solidFill>
-                  <a:srgbClr val="FF182C"/>
-                </a:solidFill>
-                <a:latin typeface="Noto Sans" panose="020B0502040504020204" pitchFamily="34"/>
-                <a:ea typeface="Noto Sans" panose="020B0502040504020204" pitchFamily="34"/>
-                <a:cs typeface="Noto Sans" panose="020B0502040504020204" pitchFamily="34"/>
-              </a:rPr>
-              <a:t>Conclusão</a:t>
-            </a:r>
-            <a:endParaRPr lang="pt-BR" b="1" dirty="0">
-              <a:solidFill>
-                <a:srgbClr val="FF182C"/>
-              </a:solidFill>
-              <a:latin typeface="Noto Sans" panose="020B0502040504020204" pitchFamily="34"/>
-              <a:ea typeface="Noto Sans" panose="020B0502040504020204" pitchFamily="34"/>
-              <a:cs typeface="Noto Sans" panose="020B0502040504020204" pitchFamily="34"/>
-            </a:endParaRPr>
-          </a:p>
-        </p:txBody>
-      </p:sp>
-      <p:sp>
-        <p:nvSpPr>
-          <p:cNvPr id="6" name="Text Placeholder 5"/>
-          <p:cNvSpPr>
-            <a:spLocks noGrp="1"/>
-          </p:cNvSpPr>
-          <p:nvPr>
-            <p:ph type="body" idx="1"/>
-          </p:nvPr>
-        </p:nvSpPr>
-        <p:spPr/>
-        <p:txBody>
-          <a:bodyPr/>
-          <a:lstStyle/>
-          <a:p>
-            <a:endParaRPr lang="pt-BR" dirty="0"/>
-          </a:p>
-        </p:txBody>
-      </p:sp>
-      <p:grpSp>
-        <p:nvGrpSpPr>
-          <p:cNvPr id="7" name="Group 6"/>
-          <p:cNvGrpSpPr/>
-          <p:nvPr/>
-        </p:nvGrpSpPr>
-        <p:grpSpPr>
-          <a:xfrm>
-            <a:off x="304800" y="6013799"/>
-            <a:ext cx="2710543" cy="576000"/>
-            <a:chOff x="304800" y="6013799"/>
-            <a:chExt cx="2710543" cy="580164"/>
-          </a:xfrm>
-        </p:grpSpPr>
-        <p:pic>
-          <p:nvPicPr>
-            <p:cNvPr id="10" name="Picture 9"/>
-            <p:cNvPicPr>
-              <a:picLocks noChangeAspect="1"/>
-            </p:cNvPicPr>
-            <p:nvPr/>
-          </p:nvPicPr>
-          <p:blipFill>
-            <a:blip r:embed="rId3">
-              <a:extLst>
-                <a:ext uri="{28A0092B-C50C-407E-A947-70E740481C1C}">
-                  <a14:useLocalDpi xmlns:a14="http://schemas.microsoft.com/office/drawing/2010/main" val="0"/>
-                </a:ext>
-              </a:extLst>
-            </a:blip>
-            <a:stretch>
-              <a:fillRect/>
-            </a:stretch>
-          </p:blipFill>
-          <p:spPr>
-            <a:xfrm>
-              <a:off x="304800" y="6017963"/>
-              <a:ext cx="1396364" cy="576000"/>
-            </a:xfrm>
-            <a:prstGeom prst="rect">
-              <a:avLst/>
-            </a:prstGeom>
-          </p:spPr>
-        </p:pic>
-        <p:pic>
-          <p:nvPicPr>
-            <p:cNvPr id="11" name="Picture 10"/>
-            <p:cNvPicPr>
-              <a:picLocks noChangeAspect="1"/>
-            </p:cNvPicPr>
-            <p:nvPr/>
-          </p:nvPicPr>
-          <p:blipFill>
-            <a:blip r:embed="rId4" cstate="print">
-              <a:extLst>
-                <a:ext uri="{28A0092B-C50C-407E-A947-70E740481C1C}">
-                  <a14:useLocalDpi xmlns:a14="http://schemas.microsoft.com/office/drawing/2010/main" val="0"/>
-                </a:ext>
-              </a:extLst>
-            </a:blip>
-            <a:stretch>
-              <a:fillRect/>
-            </a:stretch>
-          </p:blipFill>
-          <p:spPr>
-            <a:xfrm>
-              <a:off x="1928551" y="6013799"/>
-              <a:ext cx="1086792" cy="576000"/>
-            </a:xfrm>
-            <a:prstGeom prst="rect">
-              <a:avLst/>
-            </a:prstGeom>
-          </p:spPr>
-        </p:pic>
-      </p:grpSp>
-    </p:spTree>
-    <p:extLst>
-      <p:ext uri="{BB962C8B-B14F-4D97-AF65-F5344CB8AC3E}">
-        <p14:creationId xmlns:p14="http://schemas.microsoft.com/office/powerpoint/2010/main" val="3101352397"/>
-      </p:ext>
-    </p:extLst>
-  </p:cSld>
-  <p:clrMapOvr>
-    <a:masterClrMapping/>
-  </p:clrMapOvr>
-  <p:timing>
-    <p:tnLst>
-      <p:par>
-        <p:cTn id="1" dur="indefinite" restart="never" nodeType="tmRoot"/>
-      </p:par>
-    </p:tnLst>
-  </p:timing>
-</p:sld>
-</file>
-
-<file path=ppt/slides/slide31.xml><?xml version="1.0" encoding="utf-8"?>
-<p:sld xmlns:a="http://schemas.openxmlformats.org/drawingml/2006/main" xmlns:r="http://schemas.openxmlformats.org/officeDocument/2006/relationships" xmlns:p="http://schemas.openxmlformats.org/presentationml/2006/main">
-  <p:cSld>
-    <p:spTree>
-      <p:nvGrpSpPr>
-        <p:cNvPr id="1" name=""/>
-        <p:cNvGrpSpPr/>
-        <p:nvPr/>
-      </p:nvGrpSpPr>
-      <p:grpSpPr>
-        <a:xfrm>
-          <a:off x="0" y="0"/>
-          <a:ext cx="0" cy="0"/>
-          <a:chOff x="0" y="0"/>
-          <a:chExt cx="0" cy="0"/>
-        </a:xfrm>
-      </p:grpSpPr>
-      <p:pic>
-        <p:nvPicPr>
-          <p:cNvPr id="4" name="Picture 3"/>
-          <p:cNvPicPr>
-            <a:picLocks noChangeAspect="1"/>
-          </p:cNvPicPr>
-          <p:nvPr/>
-        </p:nvPicPr>
-        <p:blipFill>
-          <a:blip r:embed="rId2" cstate="print">
-            <a:extLst>
-              <a:ext uri="{28A0092B-C50C-407E-A947-70E740481C1C}">
-                <a14:useLocalDpi xmlns:a14="http://schemas.microsoft.com/office/drawing/2010/main" val="0"/>
-              </a:ext>
-            </a:extLst>
-          </a:blip>
-          <a:stretch>
-            <a:fillRect/>
-          </a:stretch>
-        </p:blipFill>
-        <p:spPr>
-          <a:xfrm>
-            <a:off x="304800" y="138835"/>
-            <a:ext cx="983528" cy="983528"/>
-          </a:xfrm>
-          <a:prstGeom prst="rect">
-            <a:avLst/>
-          </a:prstGeom>
-        </p:spPr>
-      </p:pic>
-      <p:cxnSp>
-        <p:nvCxnSpPr>
-          <p:cNvPr id="8" name="Straight Connector 7"/>
-          <p:cNvCxnSpPr/>
-          <p:nvPr/>
-        </p:nvCxnSpPr>
-        <p:spPr>
-          <a:xfrm>
-            <a:off x="0" y="6677891"/>
-            <a:ext cx="12192000" cy="0"/>
-          </a:xfrm>
-          <a:prstGeom prst="line">
-            <a:avLst/>
-          </a:prstGeom>
-          <a:ln>
-            <a:solidFill>
-              <a:schemeClr val="tx1"/>
-            </a:solidFill>
-          </a:ln>
-        </p:spPr>
-        <p:style>
-          <a:lnRef idx="1">
-            <a:schemeClr val="accent1"/>
-          </a:lnRef>
-          <a:fillRef idx="0">
-            <a:schemeClr val="accent1"/>
-          </a:fillRef>
-          <a:effectRef idx="0">
-            <a:schemeClr val="accent1"/>
-          </a:effectRef>
-          <a:fontRef idx="minor">
-            <a:schemeClr val="tx1"/>
-          </a:fontRef>
-        </p:style>
-      </p:cxnSp>
-      <p:sp>
-        <p:nvSpPr>
-          <p:cNvPr id="9" name="TextBox 8"/>
-          <p:cNvSpPr txBox="1"/>
-          <p:nvPr/>
-        </p:nvSpPr>
-        <p:spPr>
-          <a:xfrm>
-            <a:off x="10668000" y="6392488"/>
-            <a:ext cx="1234633" cy="369332"/>
-          </a:xfrm>
-          <a:prstGeom prst="rect">
-            <a:avLst/>
-          </a:prstGeom>
-          <a:noFill/>
-        </p:spPr>
-        <p:txBody>
-          <a:bodyPr wrap="none" rtlCol="0">
-            <a:spAutoFit/>
-          </a:bodyPr>
-          <a:lstStyle/>
-          <a:p>
-            <a:r>
-              <a:rPr lang="pt-BR" dirty="0" smtClean="0">
-                <a:solidFill>
-                  <a:schemeClr val="bg1">
-                    <a:lumMod val="50000"/>
-                  </a:schemeClr>
-                </a:solidFill>
-              </a:rPr>
-              <a:t>CIn.ufpe.br</a:t>
-            </a:r>
-            <a:endParaRPr lang="pt-BR" dirty="0">
-              <a:solidFill>
-                <a:schemeClr val="bg1">
-                  <a:lumMod val="50000"/>
-                </a:schemeClr>
-              </a:solidFill>
-            </a:endParaRPr>
-          </a:p>
-        </p:txBody>
-      </p:sp>
-      <p:sp>
-        <p:nvSpPr>
-          <p:cNvPr id="7" name="Title 6"/>
-          <p:cNvSpPr>
-            <a:spLocks noGrp="1"/>
-          </p:cNvSpPr>
-          <p:nvPr>
-            <p:ph type="title"/>
-          </p:nvPr>
-        </p:nvSpPr>
-        <p:spPr>
-          <a:xfrm>
-            <a:off x="1791854" y="138836"/>
-            <a:ext cx="9561945" cy="983528"/>
-          </a:xfrm>
-        </p:spPr>
-        <p:txBody>
-          <a:bodyPr/>
-          <a:lstStyle/>
-          <a:p>
-            <a:r>
-              <a:rPr lang="pt-BR" b="1" dirty="0" smtClean="0">
-                <a:solidFill>
-                  <a:srgbClr val="FF182C"/>
-                </a:solidFill>
-                <a:latin typeface="Noto Sans" panose="020B0502040504020204" pitchFamily="34"/>
-                <a:ea typeface="Noto Sans" panose="020B0502040504020204" pitchFamily="34"/>
-                <a:cs typeface="Noto Sans" panose="020B0502040504020204" pitchFamily="34"/>
-              </a:rPr>
-              <a:t>Conclusão</a:t>
-            </a:r>
-            <a:endParaRPr lang="pt-BR" b="1" dirty="0">
-              <a:solidFill>
-                <a:srgbClr val="FF182C"/>
-              </a:solidFill>
-              <a:latin typeface="Noto Sans" panose="020B0502040504020204" pitchFamily="34"/>
-              <a:ea typeface="Noto Sans" panose="020B0502040504020204" pitchFamily="34"/>
-              <a:cs typeface="Noto Sans" panose="020B0502040504020204" pitchFamily="34"/>
-            </a:endParaRPr>
-          </a:p>
-        </p:txBody>
-      </p:sp>
-      <p:sp>
-        <p:nvSpPr>
-          <p:cNvPr id="2" name="Content Placeholder 1"/>
-          <p:cNvSpPr>
-            <a:spLocks noGrp="1"/>
-          </p:cNvSpPr>
-          <p:nvPr>
-            <p:ph sz="half" idx="1"/>
-          </p:nvPr>
-        </p:nvSpPr>
-        <p:spPr>
-          <a:xfrm>
-            <a:off x="796564" y="1318549"/>
-            <a:ext cx="10824411" cy="4351338"/>
-          </a:xfrm>
-        </p:spPr>
-        <p:txBody>
-          <a:bodyPr>
-            <a:normAutofit fontScale="92500" lnSpcReduction="10000"/>
-          </a:bodyPr>
-          <a:lstStyle/>
-          <a:p>
-            <a:pPr algn="just"/>
-            <a:r>
-              <a:rPr lang="pt-BR" dirty="0" smtClean="0"/>
-              <a:t>Acurácia:</a:t>
-            </a:r>
-          </a:p>
-          <a:p>
-            <a:pPr lvl="1" algn="just">
-              <a:buFont typeface="Wingdings" panose="05000000000000000000" pitchFamily="2" charset="2"/>
-              <a:buChar char="Ø"/>
-            </a:pPr>
-            <a:r>
-              <a:rPr lang="pt-BR" dirty="0"/>
-              <a:t> </a:t>
-            </a:r>
-            <a:r>
-              <a:rPr lang="pt-BR" dirty="0" smtClean="0"/>
-              <a:t>A técnica FP-LightGBM obteve melhor acurácia nos três ambientes analisados em relação a técnica FP-SVR.</a:t>
-            </a:r>
-          </a:p>
-          <a:p>
-            <a:pPr lvl="2" algn="just">
-              <a:buFont typeface="Wingdings" panose="05000000000000000000" pitchFamily="2" charset="2"/>
-              <a:buChar char="Ø"/>
-            </a:pPr>
-            <a:r>
-              <a:rPr lang="pt-BR" dirty="0" smtClean="0"/>
-              <a:t>Ambiente Outdoor: 9,94% de redução no erro médio;</a:t>
-            </a:r>
-          </a:p>
-          <a:p>
-            <a:pPr lvl="2" algn="just">
-              <a:buFont typeface="Wingdings" panose="05000000000000000000" pitchFamily="2" charset="2"/>
-              <a:buChar char="Ø"/>
-            </a:pPr>
-            <a:r>
-              <a:rPr lang="pt-BR" dirty="0" smtClean="0"/>
-              <a:t>Ambiente Indoor: 32,67% </a:t>
-            </a:r>
-            <a:r>
-              <a:rPr lang="pt-BR" dirty="0"/>
-              <a:t>de redução no erro </a:t>
-            </a:r>
-            <a:r>
-              <a:rPr lang="pt-BR" dirty="0" smtClean="0"/>
-              <a:t>médio;</a:t>
-            </a:r>
-          </a:p>
-          <a:p>
-            <a:pPr lvl="2" algn="just">
-              <a:buFont typeface="Wingdings" panose="05000000000000000000" pitchFamily="2" charset="2"/>
-              <a:buChar char="Ø"/>
-            </a:pPr>
-            <a:r>
-              <a:rPr lang="pt-BR" dirty="0" smtClean="0"/>
-              <a:t>Ambiente Indoor-Outdoor: 30,40% de redução no </a:t>
-            </a:r>
-            <a:r>
-              <a:rPr lang="pt-BR" dirty="0"/>
-              <a:t>erro </a:t>
-            </a:r>
-            <a:r>
-              <a:rPr lang="pt-BR" dirty="0" smtClean="0"/>
-              <a:t>médio.</a:t>
-            </a:r>
-          </a:p>
-          <a:p>
-            <a:pPr algn="just"/>
-            <a:r>
-              <a:rPr lang="pt-BR" dirty="0" smtClean="0"/>
-              <a:t>Tempo de Treinamento (Fase off-line):</a:t>
-            </a:r>
-          </a:p>
-          <a:p>
-            <a:pPr lvl="1" algn="just">
-              <a:buFont typeface="Wingdings" panose="05000000000000000000" pitchFamily="2" charset="2"/>
-              <a:buChar char="Ø"/>
-            </a:pPr>
-            <a:r>
-              <a:rPr lang="pt-BR" dirty="0" smtClean="0"/>
-              <a:t>FP-LightGBM obteve uma redução percentual de 44,85% em relação ao FP-SVR.</a:t>
-            </a:r>
-          </a:p>
-          <a:p>
-            <a:pPr algn="just"/>
-            <a:r>
-              <a:rPr lang="pt-BR" dirty="0" smtClean="0"/>
-              <a:t>Tempo de busca (Fase on-line):</a:t>
-            </a:r>
-          </a:p>
-          <a:p>
-            <a:pPr lvl="1" algn="just"/>
-            <a:r>
-              <a:rPr lang="pt-BR" dirty="0" smtClean="0"/>
-              <a:t>Aproximadamente o mesmo tempo de busca</a:t>
-            </a:r>
-          </a:p>
-          <a:p>
-            <a:pPr algn="just"/>
-            <a:r>
-              <a:rPr lang="pt-BR" dirty="0" smtClean="0"/>
-              <a:t>Ápice do consumo de memória:</a:t>
-            </a:r>
-          </a:p>
-          <a:p>
-            <a:pPr lvl="1" algn="just">
-              <a:buFont typeface="Wingdings" panose="05000000000000000000" pitchFamily="2" charset="2"/>
-              <a:buChar char="Ø"/>
-            </a:pPr>
-            <a:r>
-              <a:rPr lang="pt-BR" dirty="0"/>
-              <a:t> FP-LightGBM obteve uma redução </a:t>
-            </a:r>
-            <a:r>
-              <a:rPr lang="pt-BR" dirty="0" smtClean="0"/>
-              <a:t>de 4,83 MiB </a:t>
-            </a:r>
-            <a:r>
-              <a:rPr lang="pt-BR" dirty="0"/>
-              <a:t>em relação ao FP-SVR.</a:t>
-            </a:r>
-          </a:p>
-        </p:txBody>
-      </p:sp>
-      <p:grpSp>
-        <p:nvGrpSpPr>
-          <p:cNvPr id="10" name="Group 9"/>
-          <p:cNvGrpSpPr/>
-          <p:nvPr/>
-        </p:nvGrpSpPr>
-        <p:grpSpPr>
-          <a:xfrm>
-            <a:off x="304800" y="6013799"/>
-            <a:ext cx="2710543" cy="576000"/>
-            <a:chOff x="304800" y="6013799"/>
-            <a:chExt cx="2710543" cy="580164"/>
-          </a:xfrm>
-        </p:grpSpPr>
-        <p:pic>
-          <p:nvPicPr>
-            <p:cNvPr id="11" name="Picture 10"/>
-            <p:cNvPicPr>
-              <a:picLocks noChangeAspect="1"/>
-            </p:cNvPicPr>
-            <p:nvPr/>
-          </p:nvPicPr>
-          <p:blipFill>
-            <a:blip r:embed="rId3">
-              <a:extLst>
-                <a:ext uri="{28A0092B-C50C-407E-A947-70E740481C1C}">
-                  <a14:useLocalDpi xmlns:a14="http://schemas.microsoft.com/office/drawing/2010/main" val="0"/>
-                </a:ext>
-              </a:extLst>
-            </a:blip>
-            <a:stretch>
-              <a:fillRect/>
-            </a:stretch>
-          </p:blipFill>
-          <p:spPr>
-            <a:xfrm>
-              <a:off x="304800" y="6017963"/>
-              <a:ext cx="1396364" cy="576000"/>
-            </a:xfrm>
-            <a:prstGeom prst="rect">
-              <a:avLst/>
-            </a:prstGeom>
-          </p:spPr>
-        </p:pic>
-        <p:pic>
-          <p:nvPicPr>
-            <p:cNvPr id="12" name="Picture 11"/>
-            <p:cNvPicPr>
-              <a:picLocks noChangeAspect="1"/>
-            </p:cNvPicPr>
-            <p:nvPr/>
-          </p:nvPicPr>
-          <p:blipFill>
-            <a:blip r:embed="rId4" cstate="print">
-              <a:extLst>
-                <a:ext uri="{28A0092B-C50C-407E-A947-70E740481C1C}">
-                  <a14:useLocalDpi xmlns:a14="http://schemas.microsoft.com/office/drawing/2010/main" val="0"/>
-                </a:ext>
-              </a:extLst>
-            </a:blip>
-            <a:stretch>
-              <a:fillRect/>
-            </a:stretch>
-          </p:blipFill>
-          <p:spPr>
-            <a:xfrm>
-              <a:off x="1928551" y="6013799"/>
-              <a:ext cx="1086792" cy="576000"/>
-            </a:xfrm>
-            <a:prstGeom prst="rect">
-              <a:avLst/>
-            </a:prstGeom>
-          </p:spPr>
-        </p:pic>
-      </p:grpSp>
-    </p:spTree>
-    <p:extLst>
-      <p:ext uri="{BB962C8B-B14F-4D97-AF65-F5344CB8AC3E}">
-        <p14:creationId xmlns:p14="http://schemas.microsoft.com/office/powerpoint/2010/main" val="2935629632"/>
-      </p:ext>
-    </p:extLst>
-  </p:cSld>
-  <p:clrMapOvr>
-    <a:masterClrMapping/>
-  </p:clrMapOvr>
-  <p:timing>
-    <p:tnLst>
-      <p:par>
-        <p:cTn id="1" dur="indefinite" restart="never" nodeType="tmRoot"/>
-      </p:par>
-    </p:tnLst>
-  </p:timing>
-</p:sld>
-</file>
-
 <file path=ppt/slides/slide32.xml><?xml version="1.0" encoding="utf-8"?>
 <p:sld xmlns:a="http://schemas.openxmlformats.org/drawingml/2006/main" xmlns:r="http://schemas.openxmlformats.org/officeDocument/2006/relationships" xmlns:p="http://schemas.openxmlformats.org/presentationml/2006/main">
   <p:cSld>
@@ -25195,6 +27986,688 @@
       </p:sp>
       <p:sp>
         <p:nvSpPr>
+          <p:cNvPr id="5" name="Title 4"/>
+          <p:cNvSpPr>
+            <a:spLocks noGrp="1"/>
+          </p:cNvSpPr>
+          <p:nvPr>
+            <p:ph type="title"/>
+          </p:nvPr>
+        </p:nvSpPr>
+        <p:spPr/>
+        <p:txBody>
+          <a:bodyPr/>
+          <a:lstStyle/>
+          <a:p>
+            <a:r>
+              <a:rPr lang="pt-BR" b="1" dirty="0" smtClean="0">
+                <a:solidFill>
+                  <a:srgbClr val="FF182C"/>
+                </a:solidFill>
+                <a:latin typeface="Noto Sans" panose="020B0502040504020204" pitchFamily="34"/>
+                <a:ea typeface="Noto Sans" panose="020B0502040504020204" pitchFamily="34"/>
+                <a:cs typeface="Noto Sans" panose="020B0502040504020204" pitchFamily="34"/>
+              </a:rPr>
+              <a:t>Conclusão</a:t>
+            </a:r>
+            <a:endParaRPr lang="pt-BR" b="1" dirty="0">
+              <a:solidFill>
+                <a:srgbClr val="FF182C"/>
+              </a:solidFill>
+              <a:latin typeface="Noto Sans" panose="020B0502040504020204" pitchFamily="34"/>
+              <a:ea typeface="Noto Sans" panose="020B0502040504020204" pitchFamily="34"/>
+              <a:cs typeface="Noto Sans" panose="020B0502040504020204" pitchFamily="34"/>
+            </a:endParaRPr>
+          </a:p>
+        </p:txBody>
+      </p:sp>
+      <p:sp>
+        <p:nvSpPr>
+          <p:cNvPr id="6" name="Text Placeholder 5"/>
+          <p:cNvSpPr>
+            <a:spLocks noGrp="1"/>
+          </p:cNvSpPr>
+          <p:nvPr>
+            <p:ph type="body" idx="1"/>
+          </p:nvPr>
+        </p:nvSpPr>
+        <p:spPr/>
+        <p:txBody>
+          <a:bodyPr/>
+          <a:lstStyle/>
+          <a:p>
+            <a:endParaRPr lang="pt-BR" dirty="0"/>
+          </a:p>
+        </p:txBody>
+      </p:sp>
+      <p:grpSp>
+        <p:nvGrpSpPr>
+          <p:cNvPr id="7" name="Group 6"/>
+          <p:cNvGrpSpPr/>
+          <p:nvPr/>
+        </p:nvGrpSpPr>
+        <p:grpSpPr>
+          <a:xfrm>
+            <a:off x="304800" y="6013799"/>
+            <a:ext cx="2710543" cy="576000"/>
+            <a:chOff x="304800" y="6013799"/>
+            <a:chExt cx="2710543" cy="580164"/>
+          </a:xfrm>
+        </p:grpSpPr>
+        <p:pic>
+          <p:nvPicPr>
+            <p:cNvPr id="10" name="Picture 9"/>
+            <p:cNvPicPr>
+              <a:picLocks noChangeAspect="1"/>
+            </p:cNvPicPr>
+            <p:nvPr/>
+          </p:nvPicPr>
+          <p:blipFill>
+            <a:blip r:embed="rId3">
+              <a:extLst>
+                <a:ext uri="{28A0092B-C50C-407E-A947-70E740481C1C}">
+                  <a14:useLocalDpi xmlns:a14="http://schemas.microsoft.com/office/drawing/2010/main" val="0"/>
+                </a:ext>
+              </a:extLst>
+            </a:blip>
+            <a:stretch>
+              <a:fillRect/>
+            </a:stretch>
+          </p:blipFill>
+          <p:spPr>
+            <a:xfrm>
+              <a:off x="304800" y="6017963"/>
+              <a:ext cx="1396364" cy="576000"/>
+            </a:xfrm>
+            <a:prstGeom prst="rect">
+              <a:avLst/>
+            </a:prstGeom>
+          </p:spPr>
+        </p:pic>
+        <p:pic>
+          <p:nvPicPr>
+            <p:cNvPr id="11" name="Picture 10"/>
+            <p:cNvPicPr>
+              <a:picLocks noChangeAspect="1"/>
+            </p:cNvPicPr>
+            <p:nvPr/>
+          </p:nvPicPr>
+          <p:blipFill>
+            <a:blip r:embed="rId4" cstate="print">
+              <a:extLst>
+                <a:ext uri="{28A0092B-C50C-407E-A947-70E740481C1C}">
+                  <a14:useLocalDpi xmlns:a14="http://schemas.microsoft.com/office/drawing/2010/main" val="0"/>
+                </a:ext>
+              </a:extLst>
+            </a:blip>
+            <a:stretch>
+              <a:fillRect/>
+            </a:stretch>
+          </p:blipFill>
+          <p:spPr>
+            <a:xfrm>
+              <a:off x="1928551" y="6013799"/>
+              <a:ext cx="1086792" cy="576000"/>
+            </a:xfrm>
+            <a:prstGeom prst="rect">
+              <a:avLst/>
+            </a:prstGeom>
+          </p:spPr>
+        </p:pic>
+      </p:grpSp>
+    </p:spTree>
+    <p:extLst>
+      <p:ext uri="{BB962C8B-B14F-4D97-AF65-F5344CB8AC3E}">
+        <p14:creationId xmlns:p14="http://schemas.microsoft.com/office/powerpoint/2010/main" val="3101352397"/>
+      </p:ext>
+    </p:extLst>
+  </p:cSld>
+  <p:clrMapOvr>
+    <a:masterClrMapping/>
+  </p:clrMapOvr>
+  <p:timing>
+    <p:tnLst>
+      <p:par>
+        <p:cTn id="1" dur="indefinite" restart="never" nodeType="tmRoot"/>
+      </p:par>
+    </p:tnLst>
+  </p:timing>
+</p:sld>
+</file>
+
+<file path=ppt/slides/slide33.xml><?xml version="1.0" encoding="utf-8"?>
+<p:sld xmlns:a="http://schemas.openxmlformats.org/drawingml/2006/main" xmlns:r="http://schemas.openxmlformats.org/officeDocument/2006/relationships" xmlns:p="http://schemas.openxmlformats.org/presentationml/2006/main">
+  <p:cSld>
+    <p:spTree>
+      <p:nvGrpSpPr>
+        <p:cNvPr id="1" name=""/>
+        <p:cNvGrpSpPr/>
+        <p:nvPr/>
+      </p:nvGrpSpPr>
+      <p:grpSpPr>
+        <a:xfrm>
+          <a:off x="0" y="0"/>
+          <a:ext cx="0" cy="0"/>
+          <a:chOff x="0" y="0"/>
+          <a:chExt cx="0" cy="0"/>
+        </a:xfrm>
+      </p:grpSpPr>
+      <p:pic>
+        <p:nvPicPr>
+          <p:cNvPr id="4" name="Picture 3"/>
+          <p:cNvPicPr>
+            <a:picLocks noChangeAspect="1"/>
+          </p:cNvPicPr>
+          <p:nvPr/>
+        </p:nvPicPr>
+        <p:blipFill>
+          <a:blip r:embed="rId2" cstate="print">
+            <a:extLst>
+              <a:ext uri="{28A0092B-C50C-407E-A947-70E740481C1C}">
+                <a14:useLocalDpi xmlns:a14="http://schemas.microsoft.com/office/drawing/2010/main" val="0"/>
+              </a:ext>
+            </a:extLst>
+          </a:blip>
+          <a:stretch>
+            <a:fillRect/>
+          </a:stretch>
+        </p:blipFill>
+        <p:spPr>
+          <a:xfrm>
+            <a:off x="304800" y="138835"/>
+            <a:ext cx="983528" cy="983528"/>
+          </a:xfrm>
+          <a:prstGeom prst="rect">
+            <a:avLst/>
+          </a:prstGeom>
+        </p:spPr>
+      </p:pic>
+      <p:cxnSp>
+        <p:nvCxnSpPr>
+          <p:cNvPr id="8" name="Straight Connector 7"/>
+          <p:cNvCxnSpPr/>
+          <p:nvPr/>
+        </p:nvCxnSpPr>
+        <p:spPr>
+          <a:xfrm>
+            <a:off x="0" y="6677891"/>
+            <a:ext cx="12192000" cy="0"/>
+          </a:xfrm>
+          <a:prstGeom prst="line">
+            <a:avLst/>
+          </a:prstGeom>
+          <a:ln>
+            <a:solidFill>
+              <a:schemeClr val="tx1"/>
+            </a:solidFill>
+          </a:ln>
+        </p:spPr>
+        <p:style>
+          <a:lnRef idx="1">
+            <a:schemeClr val="accent1"/>
+          </a:lnRef>
+          <a:fillRef idx="0">
+            <a:schemeClr val="accent1"/>
+          </a:fillRef>
+          <a:effectRef idx="0">
+            <a:schemeClr val="accent1"/>
+          </a:effectRef>
+          <a:fontRef idx="minor">
+            <a:schemeClr val="tx1"/>
+          </a:fontRef>
+        </p:style>
+      </p:cxnSp>
+      <p:sp>
+        <p:nvSpPr>
+          <p:cNvPr id="9" name="TextBox 8"/>
+          <p:cNvSpPr txBox="1"/>
+          <p:nvPr/>
+        </p:nvSpPr>
+        <p:spPr>
+          <a:xfrm>
+            <a:off x="10668000" y="6392488"/>
+            <a:ext cx="1234633" cy="369332"/>
+          </a:xfrm>
+          <a:prstGeom prst="rect">
+            <a:avLst/>
+          </a:prstGeom>
+          <a:noFill/>
+        </p:spPr>
+        <p:txBody>
+          <a:bodyPr wrap="none" rtlCol="0">
+            <a:spAutoFit/>
+          </a:bodyPr>
+          <a:lstStyle/>
+          <a:p>
+            <a:r>
+              <a:rPr lang="pt-BR" dirty="0" smtClean="0">
+                <a:solidFill>
+                  <a:schemeClr val="bg1">
+                    <a:lumMod val="50000"/>
+                  </a:schemeClr>
+                </a:solidFill>
+              </a:rPr>
+              <a:t>CIn.ufpe.br</a:t>
+            </a:r>
+            <a:endParaRPr lang="pt-BR" dirty="0">
+              <a:solidFill>
+                <a:schemeClr val="bg1">
+                  <a:lumMod val="50000"/>
+                </a:schemeClr>
+              </a:solidFill>
+            </a:endParaRPr>
+          </a:p>
+        </p:txBody>
+      </p:sp>
+      <p:sp>
+        <p:nvSpPr>
+          <p:cNvPr id="7" name="Title 6"/>
+          <p:cNvSpPr>
+            <a:spLocks noGrp="1"/>
+          </p:cNvSpPr>
+          <p:nvPr>
+            <p:ph type="title"/>
+          </p:nvPr>
+        </p:nvSpPr>
+        <p:spPr>
+          <a:xfrm>
+            <a:off x="1791854" y="138836"/>
+            <a:ext cx="9561945" cy="983528"/>
+          </a:xfrm>
+        </p:spPr>
+        <p:txBody>
+          <a:bodyPr/>
+          <a:lstStyle/>
+          <a:p>
+            <a:r>
+              <a:rPr lang="pt-BR" b="1" dirty="0" smtClean="0">
+                <a:solidFill>
+                  <a:srgbClr val="FF182C"/>
+                </a:solidFill>
+                <a:latin typeface="Noto Sans" panose="020B0502040504020204" pitchFamily="34"/>
+                <a:ea typeface="Noto Sans" panose="020B0502040504020204" pitchFamily="34"/>
+                <a:cs typeface="Noto Sans" panose="020B0502040504020204" pitchFamily="34"/>
+              </a:rPr>
+              <a:t>Conclusão</a:t>
+            </a:r>
+            <a:endParaRPr lang="pt-BR" b="1" dirty="0">
+              <a:solidFill>
+                <a:srgbClr val="FF182C"/>
+              </a:solidFill>
+              <a:latin typeface="Noto Sans" panose="020B0502040504020204" pitchFamily="34"/>
+              <a:ea typeface="Noto Sans" panose="020B0502040504020204" pitchFamily="34"/>
+              <a:cs typeface="Noto Sans" panose="020B0502040504020204" pitchFamily="34"/>
+            </a:endParaRPr>
+          </a:p>
+        </p:txBody>
+      </p:sp>
+      <p:sp>
+        <p:nvSpPr>
+          <p:cNvPr id="2" name="Content Placeholder 1"/>
+          <p:cNvSpPr>
+            <a:spLocks noGrp="1"/>
+          </p:cNvSpPr>
+          <p:nvPr>
+            <p:ph sz="half" idx="1"/>
+          </p:nvPr>
+        </p:nvSpPr>
+        <p:spPr>
+          <a:xfrm>
+            <a:off x="796564" y="1318549"/>
+            <a:ext cx="10824411" cy="4351338"/>
+          </a:xfrm>
+        </p:spPr>
+        <p:txBody>
+          <a:bodyPr>
+            <a:normAutofit fontScale="92500" lnSpcReduction="10000"/>
+          </a:bodyPr>
+          <a:lstStyle/>
+          <a:p>
+            <a:pPr algn="just"/>
+            <a:r>
+              <a:rPr lang="pt-BR" dirty="0" smtClean="0"/>
+              <a:t>Acurácia:</a:t>
+            </a:r>
+          </a:p>
+          <a:p>
+            <a:pPr lvl="1" algn="just">
+              <a:buFont typeface="Wingdings" panose="05000000000000000000" pitchFamily="2" charset="2"/>
+              <a:buChar char="Ø"/>
+            </a:pPr>
+            <a:r>
+              <a:rPr lang="pt-BR" dirty="0"/>
+              <a:t> </a:t>
+            </a:r>
+            <a:r>
+              <a:rPr lang="pt-BR" dirty="0" smtClean="0"/>
+              <a:t>A técnica FP-LightGBM obteve melhor acurácia nos três ambientes analisados em relação a técnica FP-SVR.</a:t>
+            </a:r>
+          </a:p>
+          <a:p>
+            <a:pPr lvl="2" algn="just">
+              <a:buFont typeface="Wingdings" panose="05000000000000000000" pitchFamily="2" charset="2"/>
+              <a:buChar char="Ø"/>
+            </a:pPr>
+            <a:r>
+              <a:rPr lang="pt-BR" dirty="0" smtClean="0"/>
+              <a:t>Ambiente Outdoor: 9,94% de redução no erro médio;</a:t>
+            </a:r>
+          </a:p>
+          <a:p>
+            <a:pPr lvl="2" algn="just">
+              <a:buFont typeface="Wingdings" panose="05000000000000000000" pitchFamily="2" charset="2"/>
+              <a:buChar char="Ø"/>
+            </a:pPr>
+            <a:r>
+              <a:rPr lang="pt-BR" dirty="0" smtClean="0"/>
+              <a:t>Ambiente Indoor: 32,67% </a:t>
+            </a:r>
+            <a:r>
+              <a:rPr lang="pt-BR" dirty="0"/>
+              <a:t>de redução no erro </a:t>
+            </a:r>
+            <a:r>
+              <a:rPr lang="pt-BR" dirty="0" smtClean="0"/>
+              <a:t>médio;</a:t>
+            </a:r>
+          </a:p>
+          <a:p>
+            <a:pPr lvl="2" algn="just">
+              <a:buFont typeface="Wingdings" panose="05000000000000000000" pitchFamily="2" charset="2"/>
+              <a:buChar char="Ø"/>
+            </a:pPr>
+            <a:r>
+              <a:rPr lang="pt-BR" dirty="0" smtClean="0"/>
+              <a:t>Ambiente Indoor-Outdoor: 30,40% de redução no </a:t>
+            </a:r>
+            <a:r>
+              <a:rPr lang="pt-BR" dirty="0"/>
+              <a:t>erro </a:t>
+            </a:r>
+            <a:r>
+              <a:rPr lang="pt-BR" dirty="0" smtClean="0"/>
+              <a:t>médio.</a:t>
+            </a:r>
+          </a:p>
+          <a:p>
+            <a:pPr algn="just"/>
+            <a:r>
+              <a:rPr lang="pt-BR" dirty="0" smtClean="0"/>
+              <a:t>Tempo de Treinamento (Fase off-line):</a:t>
+            </a:r>
+          </a:p>
+          <a:p>
+            <a:pPr lvl="1" algn="just">
+              <a:buFont typeface="Wingdings" panose="05000000000000000000" pitchFamily="2" charset="2"/>
+              <a:buChar char="Ø"/>
+            </a:pPr>
+            <a:r>
+              <a:rPr lang="pt-BR" dirty="0" smtClean="0"/>
+              <a:t>FP-LightGBM obteve uma redução percentual de 44,85% em relação ao FP-SVR.</a:t>
+            </a:r>
+          </a:p>
+          <a:p>
+            <a:pPr algn="just"/>
+            <a:r>
+              <a:rPr lang="pt-BR" dirty="0" smtClean="0"/>
+              <a:t>Tempo de busca (Fase on-line):</a:t>
+            </a:r>
+          </a:p>
+          <a:p>
+            <a:pPr lvl="1" algn="just"/>
+            <a:r>
+              <a:rPr lang="pt-BR" dirty="0" smtClean="0"/>
+              <a:t>Aproximadamente o mesmo tempo de busca</a:t>
+            </a:r>
+          </a:p>
+          <a:p>
+            <a:pPr algn="just"/>
+            <a:r>
+              <a:rPr lang="pt-BR" dirty="0" smtClean="0"/>
+              <a:t>Ápice do consumo de memória:</a:t>
+            </a:r>
+          </a:p>
+          <a:p>
+            <a:pPr lvl="1" algn="just">
+              <a:buFont typeface="Wingdings" panose="05000000000000000000" pitchFamily="2" charset="2"/>
+              <a:buChar char="Ø"/>
+            </a:pPr>
+            <a:r>
+              <a:rPr lang="pt-BR" dirty="0"/>
+              <a:t> FP-LightGBM obteve uma redução </a:t>
+            </a:r>
+            <a:r>
+              <a:rPr lang="pt-BR" dirty="0" smtClean="0"/>
+              <a:t>de 4,83 MiB </a:t>
+            </a:r>
+            <a:r>
+              <a:rPr lang="pt-BR" dirty="0"/>
+              <a:t>em relação ao FP-SVR.</a:t>
+            </a:r>
+          </a:p>
+        </p:txBody>
+      </p:sp>
+      <p:grpSp>
+        <p:nvGrpSpPr>
+          <p:cNvPr id="10" name="Group 9"/>
+          <p:cNvGrpSpPr/>
+          <p:nvPr/>
+        </p:nvGrpSpPr>
+        <p:grpSpPr>
+          <a:xfrm>
+            <a:off x="304800" y="6013799"/>
+            <a:ext cx="2710543" cy="576000"/>
+            <a:chOff x="304800" y="6013799"/>
+            <a:chExt cx="2710543" cy="580164"/>
+          </a:xfrm>
+        </p:grpSpPr>
+        <p:pic>
+          <p:nvPicPr>
+            <p:cNvPr id="11" name="Picture 10"/>
+            <p:cNvPicPr>
+              <a:picLocks noChangeAspect="1"/>
+            </p:cNvPicPr>
+            <p:nvPr/>
+          </p:nvPicPr>
+          <p:blipFill>
+            <a:blip r:embed="rId3">
+              <a:extLst>
+                <a:ext uri="{28A0092B-C50C-407E-A947-70E740481C1C}">
+                  <a14:useLocalDpi xmlns:a14="http://schemas.microsoft.com/office/drawing/2010/main" val="0"/>
+                </a:ext>
+              </a:extLst>
+            </a:blip>
+            <a:stretch>
+              <a:fillRect/>
+            </a:stretch>
+          </p:blipFill>
+          <p:spPr>
+            <a:xfrm>
+              <a:off x="304800" y="6017963"/>
+              <a:ext cx="1396364" cy="576000"/>
+            </a:xfrm>
+            <a:prstGeom prst="rect">
+              <a:avLst/>
+            </a:prstGeom>
+          </p:spPr>
+        </p:pic>
+        <p:pic>
+          <p:nvPicPr>
+            <p:cNvPr id="12" name="Picture 11"/>
+            <p:cNvPicPr>
+              <a:picLocks noChangeAspect="1"/>
+            </p:cNvPicPr>
+            <p:nvPr/>
+          </p:nvPicPr>
+          <p:blipFill>
+            <a:blip r:embed="rId4" cstate="print">
+              <a:extLst>
+                <a:ext uri="{28A0092B-C50C-407E-A947-70E740481C1C}">
+                  <a14:useLocalDpi xmlns:a14="http://schemas.microsoft.com/office/drawing/2010/main" val="0"/>
+                </a:ext>
+              </a:extLst>
+            </a:blip>
+            <a:stretch>
+              <a:fillRect/>
+            </a:stretch>
+          </p:blipFill>
+          <p:spPr>
+            <a:xfrm>
+              <a:off x="1928551" y="6013799"/>
+              <a:ext cx="1086792" cy="576000"/>
+            </a:xfrm>
+            <a:prstGeom prst="rect">
+              <a:avLst/>
+            </a:prstGeom>
+          </p:spPr>
+        </p:pic>
+      </p:grpSp>
+    </p:spTree>
+    <p:extLst>
+      <p:ext uri="{BB962C8B-B14F-4D97-AF65-F5344CB8AC3E}">
+        <p14:creationId xmlns:p14="http://schemas.microsoft.com/office/powerpoint/2010/main" val="2935629632"/>
+      </p:ext>
+    </p:extLst>
+  </p:cSld>
+  <p:clrMapOvr>
+    <a:masterClrMapping/>
+  </p:clrMapOvr>
+  <p:timing>
+    <p:tnLst>
+      <p:par>
+        <p:cTn id="1" dur="indefinite" restart="never" nodeType="tmRoot"/>
+      </p:par>
+    </p:tnLst>
+  </p:timing>
+</p:sld>
+</file>
+
+<file path=ppt/slides/slide34.xml><?xml version="1.0" encoding="utf-8"?>
+<p:sld xmlns:a="http://schemas.openxmlformats.org/drawingml/2006/main" xmlns:r="http://schemas.openxmlformats.org/officeDocument/2006/relationships" xmlns:p="http://schemas.openxmlformats.org/presentationml/2006/main">
+  <p:cSld>
+    <p:spTree>
+      <p:nvGrpSpPr>
+        <p:cNvPr id="1" name=""/>
+        <p:cNvGrpSpPr/>
+        <p:nvPr/>
+      </p:nvGrpSpPr>
+      <p:grpSpPr>
+        <a:xfrm>
+          <a:off x="0" y="0"/>
+          <a:ext cx="0" cy="0"/>
+          <a:chOff x="0" y="0"/>
+          <a:chExt cx="0" cy="0"/>
+        </a:xfrm>
+      </p:grpSpPr>
+      <p:pic>
+        <p:nvPicPr>
+          <p:cNvPr id="4" name="Picture 3"/>
+          <p:cNvPicPr>
+            <a:picLocks noChangeAspect="1"/>
+          </p:cNvPicPr>
+          <p:nvPr/>
+        </p:nvPicPr>
+        <p:blipFill>
+          <a:blip r:embed="rId2" cstate="print">
+            <a:extLst>
+              <a:ext uri="{28A0092B-C50C-407E-A947-70E740481C1C}">
+                <a14:useLocalDpi xmlns:a14="http://schemas.microsoft.com/office/drawing/2010/main" val="0"/>
+              </a:ext>
+            </a:extLst>
+          </a:blip>
+          <a:stretch>
+            <a:fillRect/>
+          </a:stretch>
+        </p:blipFill>
+        <p:spPr>
+          <a:xfrm>
+            <a:off x="304800" y="138835"/>
+            <a:ext cx="983528" cy="983528"/>
+          </a:xfrm>
+          <a:prstGeom prst="rect">
+            <a:avLst/>
+          </a:prstGeom>
+        </p:spPr>
+      </p:pic>
+      <p:cxnSp>
+        <p:nvCxnSpPr>
+          <p:cNvPr id="8" name="Straight Connector 7"/>
+          <p:cNvCxnSpPr/>
+          <p:nvPr/>
+        </p:nvCxnSpPr>
+        <p:spPr>
+          <a:xfrm>
+            <a:off x="0" y="6677891"/>
+            <a:ext cx="12192000" cy="0"/>
+          </a:xfrm>
+          <a:prstGeom prst="line">
+            <a:avLst/>
+          </a:prstGeom>
+          <a:ln>
+            <a:solidFill>
+              <a:schemeClr val="tx1"/>
+            </a:solidFill>
+          </a:ln>
+        </p:spPr>
+        <p:style>
+          <a:lnRef idx="1">
+            <a:schemeClr val="accent1"/>
+          </a:lnRef>
+          <a:fillRef idx="0">
+            <a:schemeClr val="accent1"/>
+          </a:fillRef>
+          <a:effectRef idx="0">
+            <a:schemeClr val="accent1"/>
+          </a:effectRef>
+          <a:fontRef idx="minor">
+            <a:schemeClr val="tx1"/>
+          </a:fontRef>
+        </p:style>
+      </p:cxnSp>
+      <p:sp>
+        <p:nvSpPr>
+          <p:cNvPr id="9" name="TextBox 8"/>
+          <p:cNvSpPr txBox="1"/>
+          <p:nvPr/>
+        </p:nvSpPr>
+        <p:spPr>
+          <a:xfrm>
+            <a:off x="10668000" y="6392488"/>
+            <a:ext cx="1234633" cy="369332"/>
+          </a:xfrm>
+          <a:prstGeom prst="rect">
+            <a:avLst/>
+          </a:prstGeom>
+          <a:noFill/>
+        </p:spPr>
+        <p:txBody>
+          <a:bodyPr wrap="none" rtlCol="0">
+            <a:spAutoFit/>
+          </a:bodyPr>
+          <a:lstStyle/>
+          <a:p>
+            <a:r>
+              <a:rPr lang="pt-BR" dirty="0" smtClean="0">
+                <a:solidFill>
+                  <a:schemeClr val="bg1">
+                    <a:lumMod val="50000"/>
+                  </a:schemeClr>
+                </a:solidFill>
+              </a:rPr>
+              <a:t>CIn.ufpe.br</a:t>
+            </a:r>
+            <a:endParaRPr lang="pt-BR" dirty="0">
+              <a:solidFill>
+                <a:schemeClr val="bg1">
+                  <a:lumMod val="50000"/>
+                </a:schemeClr>
+              </a:solidFill>
+            </a:endParaRPr>
+          </a:p>
+        </p:txBody>
+      </p:sp>
+      <p:sp>
+        <p:nvSpPr>
           <p:cNvPr id="7" name="Title 6"/>
           <p:cNvSpPr>
             <a:spLocks noGrp="1"/>
@@ -25277,7 +28750,15 @@
             <a:pPr algn="just"/>
             <a:r>
               <a:rPr lang="pt-BR" dirty="0" smtClean="0"/>
-              <a:t>Escolher outros parâmetros do LightGBM que não foram utilizados neste trabalho.</a:t>
+              <a:t>Escolher outros parâmetros do </a:t>
+            </a:r>
+            <a:r>
+              <a:rPr lang="pt-BR" i="1" dirty="0" smtClean="0"/>
+              <a:t>LightGBM</a:t>
+            </a:r>
+            <a:r>
+              <a:rPr lang="pt-BR" dirty="0" smtClean="0"/>
+              <a:t> que não foram utilizados neste trabalho.</a:t>
             </a:r>
           </a:p>
           <a:p>
@@ -25419,306 +28900,7 @@
 </p:sld>
 </file>
 
-<file path=ppt/slides/slide33.xml><?xml version="1.0" encoding="utf-8"?>
-<p:sld xmlns:a="http://schemas.openxmlformats.org/drawingml/2006/main" xmlns:r="http://schemas.openxmlformats.org/officeDocument/2006/relationships" xmlns:p="http://schemas.openxmlformats.org/presentationml/2006/main">
-  <p:cSld>
-    <p:spTree>
-      <p:nvGrpSpPr>
-        <p:cNvPr id="1" name=""/>
-        <p:cNvGrpSpPr/>
-        <p:nvPr/>
-      </p:nvGrpSpPr>
-      <p:grpSpPr>
-        <a:xfrm>
-          <a:off x="0" y="0"/>
-          <a:ext cx="0" cy="0"/>
-          <a:chOff x="0" y="0"/>
-          <a:chExt cx="0" cy="0"/>
-        </a:xfrm>
-      </p:grpSpPr>
-      <p:sp>
-        <p:nvSpPr>
-          <p:cNvPr id="5" name="Title 4"/>
-          <p:cNvSpPr>
-            <a:spLocks noGrp="1"/>
-          </p:cNvSpPr>
-          <p:nvPr>
-            <p:ph type="ctrTitle"/>
-          </p:nvPr>
-        </p:nvSpPr>
-        <p:spPr/>
-        <p:txBody>
-          <a:bodyPr>
-            <a:normAutofit/>
-          </a:bodyPr>
-          <a:lstStyle/>
-          <a:p>
-            <a:r>
-              <a:rPr lang="pt-BR" sz="3600" b="1" dirty="0" smtClean="0">
-                <a:solidFill>
-                  <a:srgbClr val="FF182C"/>
-                </a:solidFill>
-                <a:latin typeface="Noto Sans" panose="020B0502040504020204" pitchFamily="34"/>
-                <a:ea typeface="Noto Sans" panose="020B0502040504020204" pitchFamily="34"/>
-                <a:cs typeface="Noto Sans" panose="020B0502040504020204" pitchFamily="34"/>
-              </a:rPr>
-              <a:t>Algoritmo de Localização Outdoor e Indoor Fingerprinting para Estações Móveis baseado em LightGBM</a:t>
-            </a:r>
-            <a:endParaRPr lang="pt-BR" sz="3600" b="1" dirty="0">
-              <a:solidFill>
-                <a:srgbClr val="FF182C"/>
-              </a:solidFill>
-              <a:latin typeface="Noto Sans" panose="020B0502040504020204" pitchFamily="34"/>
-              <a:ea typeface="Noto Sans" panose="020B0502040504020204" pitchFamily="34"/>
-              <a:cs typeface="Noto Sans" panose="020B0502040504020204" pitchFamily="34"/>
-            </a:endParaRPr>
-          </a:p>
-        </p:txBody>
-      </p:sp>
-      <p:sp>
-        <p:nvSpPr>
-          <p:cNvPr id="6" name="Subtitle 5"/>
-          <p:cNvSpPr>
-            <a:spLocks noGrp="1"/>
-          </p:cNvSpPr>
-          <p:nvPr>
-            <p:ph type="subTitle" idx="1"/>
-          </p:nvPr>
-        </p:nvSpPr>
-        <p:spPr/>
-        <p:txBody>
-          <a:bodyPr/>
-          <a:lstStyle/>
-          <a:p>
-            <a:r>
-              <a:rPr lang="pt-BR" b="1" dirty="0" smtClean="0">
-                <a:solidFill>
-                  <a:schemeClr val="bg1">
-                    <a:lumMod val="50000"/>
-                  </a:schemeClr>
-                </a:solidFill>
-                <a:latin typeface="Noto Sans" panose="020B0502040504020204" pitchFamily="34"/>
-                <a:ea typeface="Noto Sans" panose="020B0502040504020204" pitchFamily="34"/>
-                <a:cs typeface="Noto Sans" panose="020B0502040504020204" pitchFamily="34"/>
-              </a:rPr>
-              <a:t>Douglas Tavares Ribeiro Paulino Silva</a:t>
-            </a:r>
-          </a:p>
-          <a:p>
-            <a:r>
-              <a:rPr lang="pt-BR" dirty="0" smtClean="0">
-                <a:solidFill>
-                  <a:schemeClr val="bg1">
-                    <a:lumMod val="50000"/>
-                  </a:schemeClr>
-                </a:solidFill>
-                <a:latin typeface="Noto Sans" panose="020B0502040504020204" pitchFamily="34"/>
-                <a:ea typeface="Noto Sans" panose="020B0502040504020204" pitchFamily="34"/>
-                <a:cs typeface="Noto Sans" panose="020B0502040504020204" pitchFamily="34"/>
-              </a:rPr>
-              <a:t>Orientador: Daniel Carvalho da Cunha</a:t>
-            </a:r>
-            <a:endParaRPr lang="pt-BR" dirty="0">
-              <a:solidFill>
-                <a:schemeClr val="bg1">
-                  <a:lumMod val="50000"/>
-                </a:schemeClr>
-              </a:solidFill>
-              <a:latin typeface="Noto Sans" panose="020B0502040504020204" pitchFamily="34"/>
-              <a:ea typeface="Noto Sans" panose="020B0502040504020204" pitchFamily="34"/>
-              <a:cs typeface="Noto Sans" panose="020B0502040504020204" pitchFamily="34"/>
-            </a:endParaRPr>
-          </a:p>
-        </p:txBody>
-      </p:sp>
-      <p:pic>
-        <p:nvPicPr>
-          <p:cNvPr id="4" name="Picture 3"/>
-          <p:cNvPicPr>
-            <a:picLocks noChangeAspect="1"/>
-          </p:cNvPicPr>
-          <p:nvPr/>
-        </p:nvPicPr>
-        <p:blipFill>
-          <a:blip r:embed="rId2" cstate="print">
-            <a:extLst>
-              <a:ext uri="{28A0092B-C50C-407E-A947-70E740481C1C}">
-                <a14:useLocalDpi xmlns:a14="http://schemas.microsoft.com/office/drawing/2010/main" val="0"/>
-              </a:ext>
-            </a:extLst>
-          </a:blip>
-          <a:stretch>
-            <a:fillRect/>
-          </a:stretch>
-        </p:blipFill>
-        <p:spPr>
-          <a:xfrm>
-            <a:off x="304800" y="138835"/>
-            <a:ext cx="983528" cy="983528"/>
-          </a:xfrm>
-          <a:prstGeom prst="rect">
-            <a:avLst/>
-          </a:prstGeom>
-        </p:spPr>
-      </p:pic>
-      <p:cxnSp>
-        <p:nvCxnSpPr>
-          <p:cNvPr id="8" name="Straight Connector 7"/>
-          <p:cNvCxnSpPr/>
-          <p:nvPr/>
-        </p:nvCxnSpPr>
-        <p:spPr>
-          <a:xfrm>
-            <a:off x="0" y="6677891"/>
-            <a:ext cx="12192000" cy="0"/>
-          </a:xfrm>
-          <a:prstGeom prst="line">
-            <a:avLst/>
-          </a:prstGeom>
-          <a:ln>
-            <a:solidFill>
-              <a:schemeClr val="tx1"/>
-            </a:solidFill>
-          </a:ln>
-        </p:spPr>
-        <p:style>
-          <a:lnRef idx="1">
-            <a:schemeClr val="accent1"/>
-          </a:lnRef>
-          <a:fillRef idx="0">
-            <a:schemeClr val="accent1"/>
-          </a:fillRef>
-          <a:effectRef idx="0">
-            <a:schemeClr val="accent1"/>
-          </a:effectRef>
-          <a:fontRef idx="minor">
-            <a:schemeClr val="tx1"/>
-          </a:fontRef>
-        </p:style>
-      </p:cxnSp>
-      <p:sp>
-        <p:nvSpPr>
-          <p:cNvPr id="9" name="TextBox 8"/>
-          <p:cNvSpPr txBox="1"/>
-          <p:nvPr/>
-        </p:nvSpPr>
-        <p:spPr>
-          <a:xfrm>
-            <a:off x="10668000" y="6392488"/>
-            <a:ext cx="1234633" cy="369332"/>
-          </a:xfrm>
-          <a:prstGeom prst="rect">
-            <a:avLst/>
-          </a:prstGeom>
-          <a:noFill/>
-        </p:spPr>
-        <p:txBody>
-          <a:bodyPr wrap="none" rtlCol="0">
-            <a:spAutoFit/>
-          </a:bodyPr>
-          <a:lstStyle/>
-          <a:p>
-            <a:r>
-              <a:rPr lang="pt-BR" dirty="0" smtClean="0">
-                <a:solidFill>
-                  <a:schemeClr val="bg1">
-                    <a:lumMod val="50000"/>
-                  </a:schemeClr>
-                </a:solidFill>
-              </a:rPr>
-              <a:t>CIn.ufpe.br</a:t>
-            </a:r>
-            <a:endParaRPr lang="pt-BR" dirty="0">
-              <a:solidFill>
-                <a:schemeClr val="bg1">
-                  <a:lumMod val="50000"/>
-                </a:schemeClr>
-              </a:solidFill>
-            </a:endParaRPr>
-          </a:p>
-        </p:txBody>
-      </p:sp>
-      <p:pic>
-        <p:nvPicPr>
-          <p:cNvPr id="11" name="Picture 10"/>
-          <p:cNvPicPr>
-            <a:picLocks noChangeAspect="1"/>
-          </p:cNvPicPr>
-          <p:nvPr/>
-        </p:nvPicPr>
-        <p:blipFill>
-          <a:blip r:embed="rId3">
-            <a:extLst>
-              <a:ext uri="{28A0092B-C50C-407E-A947-70E740481C1C}">
-                <a14:useLocalDpi xmlns:a14="http://schemas.microsoft.com/office/drawing/2010/main" val="0"/>
-              </a:ext>
-            </a:extLst>
-          </a:blip>
-          <a:stretch>
-            <a:fillRect/>
-          </a:stretch>
-        </p:blipFill>
-        <p:spPr>
-          <a:xfrm>
-            <a:off x="304800" y="6017963"/>
-            <a:ext cx="1396364" cy="576000"/>
-          </a:xfrm>
-          <a:prstGeom prst="rect">
-            <a:avLst/>
-          </a:prstGeom>
-        </p:spPr>
-      </p:pic>
-      <p:pic>
-        <p:nvPicPr>
-          <p:cNvPr id="12" name="Picture 11"/>
-          <p:cNvPicPr>
-            <a:picLocks noChangeAspect="1"/>
-          </p:cNvPicPr>
-          <p:nvPr/>
-        </p:nvPicPr>
-        <p:blipFill>
-          <a:blip r:embed="rId4" cstate="print">
-            <a:extLst>
-              <a:ext uri="{28A0092B-C50C-407E-A947-70E740481C1C}">
-                <a14:useLocalDpi xmlns:a14="http://schemas.microsoft.com/office/drawing/2010/main" val="0"/>
-              </a:ext>
-            </a:extLst>
-          </a:blip>
-          <a:stretch>
-            <a:fillRect/>
-          </a:stretch>
-        </p:blipFill>
-        <p:spPr>
-          <a:xfrm>
-            <a:off x="1928551" y="6013799"/>
-            <a:ext cx="1086792" cy="576000"/>
-          </a:xfrm>
-          <a:prstGeom prst="rect">
-            <a:avLst/>
-          </a:prstGeom>
-        </p:spPr>
-      </p:pic>
-    </p:spTree>
-    <p:extLst>
-      <p:ext uri="{BB962C8B-B14F-4D97-AF65-F5344CB8AC3E}">
-        <p14:creationId xmlns:p14="http://schemas.microsoft.com/office/powerpoint/2010/main" val="81151025"/>
-      </p:ext>
-    </p:extLst>
-  </p:cSld>
-  <p:clrMapOvr>
-    <a:masterClrMapping/>
-  </p:clrMapOvr>
-  <p:timing>
-    <p:tnLst>
-      <p:par>
-        <p:cTn id="1" dur="indefinite" restart="never" nodeType="tmRoot"/>
-      </p:par>
-    </p:tnLst>
-  </p:timing>
-</p:sld>
-</file>
-
-<file path=ppt/slides/slide34.xml><?xml version="1.0" encoding="utf-8"?>
+<file path=ppt/slides/slide35.xml><?xml version="1.0" encoding="utf-8"?>
 <p:sld xmlns:a="http://schemas.openxmlformats.org/drawingml/2006/main" xmlns:r="http://schemas.openxmlformats.org/officeDocument/2006/relationships" xmlns:p="http://schemas.openxmlformats.org/presentationml/2006/main">
   <p:cSld>
     <p:spTree>
@@ -27838,7 +31020,7 @@
           <p:nvPr/>
         </p:nvPicPr>
         <p:blipFill>
-          <a:blip r:embed="rId2" cstate="print">
+          <a:blip r:embed="rId3" cstate="print">
             <a:extLst>
               <a:ext uri="{28A0092B-C50C-407E-A947-70E740481C1C}">
                 <a14:useLocalDpi xmlns:a14="http://schemas.microsoft.com/office/drawing/2010/main" val="0"/>
@@ -27965,7 +31147,7 @@
                 <a:ea typeface="Noto Sans" panose="020B0502040504020204" pitchFamily="34"/>
                 <a:cs typeface="Noto Sans" panose="020B0502040504020204" pitchFamily="34"/>
               </a:rPr>
-              <a:t>Support Vector Regression</a:t>
+              <a:t>Support Vector Machine (SVM)</a:t>
             </a:r>
             <a:endParaRPr lang="pt-BR" b="1" dirty="0">
               <a:solidFill>
@@ -27978,36 +31160,199 @@
           </a:p>
         </p:txBody>
       </p:sp>
-      <p:sp>
-        <p:nvSpPr>
-          <p:cNvPr id="2" name="Content Placeholder 1"/>
-          <p:cNvSpPr>
-            <a:spLocks noGrp="1"/>
-          </p:cNvSpPr>
-          <p:nvPr>
-            <p:ph sz="half" idx="1"/>
-          </p:nvPr>
-        </p:nvSpPr>
-        <p:spPr>
-          <a:xfrm>
-            <a:off x="838199" y="1825625"/>
-            <a:ext cx="10882745" cy="4351338"/>
-          </a:xfrm>
-        </p:spPr>
-        <p:txBody>
-          <a:bodyPr/>
-          <a:lstStyle/>
-          <a:p>
-            <a:pPr marL="0" indent="0">
-              <a:buNone/>
-            </a:pPr>
-            <a:r>
-              <a:rPr lang="pt-BR" dirty="0" smtClean="0"/>
-              <a:t>Encontrar o hiperplano que melhor se ajuste ao conjunto de dados</a:t>
-            </a:r>
-          </a:p>
-        </p:txBody>
-      </p:sp>
+      <mc:AlternateContent xmlns:mc="http://schemas.openxmlformats.org/markup-compatibility/2006" xmlns:a14="http://schemas.microsoft.com/office/drawing/2010/main">
+        <mc:Choice Requires="a14">
+          <p:sp>
+            <p:nvSpPr>
+              <p:cNvPr id="2" name="Content Placeholder 1"/>
+              <p:cNvSpPr>
+                <a:spLocks noGrp="1"/>
+              </p:cNvSpPr>
+              <p:nvPr>
+                <p:ph sz="half" idx="1"/>
+              </p:nvPr>
+            </p:nvSpPr>
+            <p:spPr>
+              <a:xfrm>
+                <a:off x="838199" y="1825625"/>
+                <a:ext cx="10882745" cy="4351338"/>
+              </a:xfrm>
+            </p:spPr>
+            <p:txBody>
+              <a:bodyPr/>
+              <a:lstStyle/>
+              <a:p>
+                <a:pPr marL="0" indent="0" algn="ctr">
+                  <a:buNone/>
+                </a:pPr>
+                <a:r>
+                  <a:rPr lang="pt-BR" dirty="0" smtClean="0"/>
+                  <a:t>Encontrar o hiperplano que melhor se ajuste ao conjunto de dados.</a:t>
+                </a:r>
+              </a:p>
+              <a:p>
+                <a:pPr marL="0" indent="0" algn="ctr">
+                  <a:buNone/>
+                </a:pPr>
+                <a14:m>
+                  <m:oMath xmlns:m="http://schemas.openxmlformats.org/officeDocument/2006/math">
+                    <m:r>
+                      <a:rPr lang="pt-BR" b="0" i="1" smtClean="0">
+                        <a:latin typeface="Cambria Math" panose="02040503050406030204" pitchFamily="18" charset="0"/>
+                      </a:rPr>
+                      <m:t>𝑓</m:t>
+                    </m:r>
+                    <m:d>
+                      <m:dPr>
+                        <m:ctrlPr>
+                          <a:rPr lang="pt-BR" b="0" i="1" smtClean="0">
+                            <a:latin typeface="Cambria Math" panose="02040503050406030204" pitchFamily="18" charset="0"/>
+                          </a:rPr>
+                        </m:ctrlPr>
+                      </m:dPr>
+                      <m:e>
+                        <m:sSub>
+                          <m:sSubPr>
+                            <m:ctrlPr>
+                              <a:rPr lang="pt-BR" b="0" i="1" smtClean="0">
+                                <a:latin typeface="Cambria Math" panose="02040503050406030204" pitchFamily="18" charset="0"/>
+                              </a:rPr>
+                            </m:ctrlPr>
+                          </m:sSubPr>
+                          <m:e>
+                            <m:r>
+                              <a:rPr lang="pt-BR" b="0" i="1" smtClean="0">
+                                <a:latin typeface="Cambria Math" panose="02040503050406030204" pitchFamily="18" charset="0"/>
+                              </a:rPr>
+                              <m:t>𝑥</m:t>
+                            </m:r>
+                          </m:e>
+                          <m:sub>
+                            <m:r>
+                              <a:rPr lang="pt-BR" b="0" i="1" smtClean="0">
+                                <a:latin typeface="Cambria Math" panose="02040503050406030204" pitchFamily="18" charset="0"/>
+                              </a:rPr>
+                              <m:t>𝑖</m:t>
+                            </m:r>
+                          </m:sub>
+                        </m:sSub>
+                        <m:r>
+                          <a:rPr lang="pt-BR" b="0" i="1" smtClean="0">
+                            <a:latin typeface="Cambria Math" panose="02040503050406030204" pitchFamily="18" charset="0"/>
+                          </a:rPr>
+                          <m:t>,</m:t>
+                        </m:r>
+                        <m:r>
+                          <a:rPr lang="pt-BR" b="0" i="1" smtClean="0">
+                            <a:latin typeface="Cambria Math" panose="02040503050406030204" pitchFamily="18" charset="0"/>
+                          </a:rPr>
+                          <m:t>𝑤</m:t>
+                        </m:r>
+                      </m:e>
+                    </m:d>
+                    <m:r>
+                      <a:rPr lang="pt-BR" b="0" i="1" smtClean="0">
+                        <a:latin typeface="Cambria Math" panose="02040503050406030204" pitchFamily="18" charset="0"/>
+                      </a:rPr>
+                      <m:t>= &lt;</m:t>
+                    </m:r>
+                    <m:sSub>
+                      <m:sSubPr>
+                        <m:ctrlPr>
+                          <a:rPr lang="pt-BR" b="0" i="1" smtClean="0">
+                            <a:latin typeface="Cambria Math" panose="02040503050406030204" pitchFamily="18" charset="0"/>
+                          </a:rPr>
+                        </m:ctrlPr>
+                      </m:sSubPr>
+                      <m:e>
+                        <m:r>
+                          <a:rPr lang="pt-BR" b="0" i="1" smtClean="0">
+                            <a:latin typeface="Cambria Math" panose="02040503050406030204" pitchFamily="18" charset="0"/>
+                          </a:rPr>
+                          <m:t>𝑥</m:t>
+                        </m:r>
+                      </m:e>
+                      <m:sub>
+                        <m:r>
+                          <a:rPr lang="pt-BR" b="0" i="1" smtClean="0">
+                            <a:latin typeface="Cambria Math" panose="02040503050406030204" pitchFamily="18" charset="0"/>
+                          </a:rPr>
+                          <m:t>𝑖</m:t>
+                        </m:r>
+                      </m:sub>
+                    </m:sSub>
+                    <m:r>
+                      <a:rPr lang="pt-BR" b="0" i="1" smtClean="0">
+                        <a:latin typeface="Cambria Math" panose="02040503050406030204" pitchFamily="18" charset="0"/>
+                      </a:rPr>
+                      <m:t>,</m:t>
+                    </m:r>
+                    <m:r>
+                      <a:rPr lang="pt-BR" b="0" i="1" smtClean="0">
+                        <a:latin typeface="Cambria Math" panose="02040503050406030204" pitchFamily="18" charset="0"/>
+                      </a:rPr>
+                      <m:t>𝑤</m:t>
+                    </m:r>
+                    <m:r>
+                      <a:rPr lang="pt-BR" b="0" i="1" smtClean="0">
+                        <a:latin typeface="Cambria Math" panose="02040503050406030204" pitchFamily="18" charset="0"/>
+                      </a:rPr>
+                      <m:t>&gt; + </m:t>
+                    </m:r>
+                    <m:r>
+                      <a:rPr lang="pt-BR" b="0" i="1" smtClean="0">
+                        <a:latin typeface="Cambria Math" panose="02040503050406030204" pitchFamily="18" charset="0"/>
+                      </a:rPr>
+                      <m:t>𝑏</m:t>
+                    </m:r>
+                  </m:oMath>
+                </a14:m>
+                <a:r>
+                  <a:rPr lang="pt-BR" dirty="0" smtClean="0"/>
+                  <a:t> </a:t>
+                </a:r>
+              </a:p>
+            </p:txBody>
+          </p:sp>
+        </mc:Choice>
+        <mc:Fallback xmlns="">
+          <p:sp>
+            <p:nvSpPr>
+              <p:cNvPr id="2" name="Content Placeholder 1"/>
+              <p:cNvSpPr>
+                <a:spLocks noGrp="1" noRot="1" noChangeAspect="1" noMove="1" noResize="1" noEditPoints="1" noAdjustHandles="1" noChangeArrowheads="1" noChangeShapeType="1" noTextEdit="1"/>
+              </p:cNvSpPr>
+              <p:nvPr>
+                <p:ph sz="half" idx="1"/>
+              </p:nvPr>
+            </p:nvSpPr>
+            <p:spPr>
+              <a:xfrm>
+                <a:off x="838199" y="1825625"/>
+                <a:ext cx="10882745" cy="4351338"/>
+              </a:xfrm>
+              <a:blipFill>
+                <a:blip r:embed="rId4"/>
+                <a:stretch>
+                  <a:fillRect t="-2241"/>
+                </a:stretch>
+              </a:blipFill>
+            </p:spPr>
+            <p:txBody>
+              <a:bodyPr/>
+              <a:lstStyle/>
+              <a:p>
+                <a:r>
+                  <a:rPr lang="pt-BR">
+                    <a:noFill/>
+                  </a:rPr>
+                  <a:t> </a:t>
+                </a:r>
+              </a:p>
+            </p:txBody>
+          </p:sp>
+        </mc:Fallback>
+      </mc:AlternateContent>
       <p:grpSp>
         <p:nvGrpSpPr>
           <p:cNvPr id="10" name="Group 9"/>
@@ -28031,7 +31376,7 @@
             <p:nvPr/>
           </p:nvPicPr>
           <p:blipFill>
-            <a:blip r:embed="rId3">
+            <a:blip r:embed="rId5">
               <a:extLst>
                 <a:ext uri="{28A0092B-C50C-407E-A947-70E740481C1C}">
                   <a14:useLocalDpi xmlns:a14="http://schemas.microsoft.com/office/drawing/2010/main" val="0"/>
@@ -28061,7 +31406,7 @@
             <p:nvPr/>
           </p:nvPicPr>
           <p:blipFill>
-            <a:blip r:embed="rId4" cstate="print">
+            <a:blip r:embed="rId6" cstate="print">
               <a:extLst>
                 <a:ext uri="{28A0092B-C50C-407E-A947-70E740481C1C}">
                   <a14:useLocalDpi xmlns:a14="http://schemas.microsoft.com/office/drawing/2010/main" val="0"/>
@@ -28083,6 +31428,88 @@
           </p:spPr>
         </p:pic>
       </p:grpSp>
+      <p:pic>
+        <p:nvPicPr>
+          <p:cNvPr id="1026" name="Picture 2" descr="https://lh5.googleusercontent.com/E0rW4OW--NajkayBGFslKyfcZtFkO-7pSPunYwOWsMKYzhGwBsbrt4HIzBmZ1Z-rH6S-9BDn-nwcZgEg0qnJA3_qm5TOeAUxLLUfthKvJjJbPfV8WbGWWw7WNSckiJSmTK-UehRL"/>
+          <p:cNvPicPr>
+            <a:picLocks noChangeAspect="1" noChangeArrowheads="1"/>
+          </p:cNvPicPr>
+          <p:nvPr/>
+        </p:nvPicPr>
+        <p:blipFill>
+          <a:blip r:embed="rId7">
+            <a:extLst>
+              <a:ext uri="{28A0092B-C50C-407E-A947-70E740481C1C}">
+                <a14:useLocalDpi xmlns:a14="http://schemas.microsoft.com/office/drawing/2010/main" val="0"/>
+              </a:ext>
+            </a:extLst>
+          </a:blip>
+          <a:srcRect/>
+          <a:stretch>
+            <a:fillRect/>
+          </a:stretch>
+        </p:blipFill>
+        <p:spPr bwMode="auto">
+          <a:xfrm>
+            <a:off x="2423828" y="2773799"/>
+            <a:ext cx="3281538" cy="3240000"/>
+          </a:xfrm>
+          <a:prstGeom prst="rect">
+            <a:avLst/>
+          </a:prstGeom>
+          <a:noFill/>
+          <a:extLst>
+            <a:ext uri="{909E8E84-426E-40DD-AFC4-6F175D3DCCD1}">
+              <a14:hiddenFill xmlns:a14="http://schemas.microsoft.com/office/drawing/2010/main">
+                <a:solidFill>
+                  <a:srgbClr val="FFFFFF"/>
+                </a:solidFill>
+              </a14:hiddenFill>
+            </a:ext>
+          </a:extLst>
+        </p:spPr>
+      </p:pic>
+      <p:pic>
+        <p:nvPicPr>
+          <p:cNvPr id="1028" name="Picture 4" descr="https://lh3.googleusercontent.com/Sz18wdx_cS6qzmZXGfuw8MXH3ErEgXf62xM_NpwyD6AsCfkPaLs9ALCGfk9FZd51ssU1_kP0NPTK0Xgv1KCScKzPeCO3fiMeoDKmF_vEc76ib11TZV5jDlNujxoQboIuW9keimtx"/>
+          <p:cNvPicPr>
+            <a:picLocks noChangeAspect="1" noChangeArrowheads="1"/>
+          </p:cNvPicPr>
+          <p:nvPr/>
+        </p:nvPicPr>
+        <p:blipFill>
+          <a:blip r:embed="rId8">
+            <a:extLst>
+              <a:ext uri="{28A0092B-C50C-407E-A947-70E740481C1C}">
+                <a14:useLocalDpi xmlns:a14="http://schemas.microsoft.com/office/drawing/2010/main" val="0"/>
+              </a:ext>
+            </a:extLst>
+          </a:blip>
+          <a:srcRect/>
+          <a:stretch>
+            <a:fillRect/>
+          </a:stretch>
+        </p:blipFill>
+        <p:spPr bwMode="auto">
+          <a:xfrm>
+            <a:off x="7290995" y="2936963"/>
+            <a:ext cx="3212887" cy="3240000"/>
+          </a:xfrm>
+          <a:prstGeom prst="rect">
+            <a:avLst/>
+          </a:prstGeom>
+          <a:noFill/>
+          <a:extLst>
+            <a:ext uri="{909E8E84-426E-40DD-AFC4-6F175D3DCCD1}">
+              <a14:hiddenFill xmlns:a14="http://schemas.microsoft.com/office/drawing/2010/main">
+                <a:solidFill>
+                  <a:srgbClr val="FFFFFF"/>
+                </a:solidFill>
+              </a14:hiddenFill>
+            </a:ext>
+          </a:extLst>
+        </p:spPr>
+      </p:pic>
     </p:spTree>
     <p:extLst>
       <p:ext uri="{BB962C8B-B14F-4D97-AF65-F5344CB8AC3E}">
